--- a/Dokumente/02_Arbeitsbereich/01_Projekthandbuch/TouchDown Präsentation UniRisk.pptx
+++ b/Dokumente/02_Arbeitsbereich/01_Projekthandbuch/TouchDown Präsentation UniRisk.pptx
@@ -5,17 +5,20 @@
     <p:sldMasterId id="2147483648" r:id="rId1"/>
   </p:sldMasterIdLst>
   <p:notesMasterIdLst>
-    <p:notesMasterId r:id="rId10"/>
+    <p:notesMasterId r:id="rId13"/>
   </p:notesMasterIdLst>
   <p:sldIdLst>
     <p:sldId id="256" r:id="rId2"/>
     <p:sldId id="257" r:id="rId3"/>
     <p:sldId id="258" r:id="rId4"/>
     <p:sldId id="259" r:id="rId5"/>
-    <p:sldId id="260" r:id="rId6"/>
-    <p:sldId id="261" r:id="rId7"/>
-    <p:sldId id="262" r:id="rId8"/>
-    <p:sldId id="263" r:id="rId9"/>
+    <p:sldId id="264" r:id="rId6"/>
+    <p:sldId id="265" r:id="rId7"/>
+    <p:sldId id="266" r:id="rId8"/>
+    <p:sldId id="267" r:id="rId9"/>
+    <p:sldId id="260" r:id="rId10"/>
+    <p:sldId id="261" r:id="rId11"/>
+    <p:sldId id="263" r:id="rId12"/>
   </p:sldIdLst>
   <p:sldSz cx="12192000" cy="6858000"/>
   <p:notesSz cx="6858000" cy="9144000"/>
@@ -123,13 +126,19 @@
             <p14:sldId id="257"/>
             <p14:sldId id="258"/>
             <p14:sldId id="259"/>
+            <p14:sldId id="264"/>
+            <p14:sldId id="265"/>
+            <p14:sldId id="266"/>
+            <p14:sldId id="267"/>
             <p14:sldId id="260"/>
             <p14:sldId id="261"/>
-            <p14:sldId id="262"/>
             <p14:sldId id="263"/>
           </p14:sldIdLst>
         </p14:section>
       </p14:sectionLst>
+    </p:ext>
+    <p:ext uri="{EFAFB233-063F-42B5-8137-9DF3F51BA10A}">
+      <p15:sldGuideLst xmlns:p15="http://schemas.microsoft.com/office/powerpoint/2012/main"/>
     </p:ext>
   </p:extLst>
 </p:presentation>
@@ -534,7 +543,7 @@
           <a:noFill/>
           <a:extLst>
             <a:ext uri="{909E8E84-426E-40dd-AFC4-6F175D3DCCD1}">
-              <a14:hiddenFill xmlns:a14="http://schemas.microsoft.com/office/drawing/2010/main" xmlns="">
+              <a14:hiddenFill xmlns="" xmlns:a14="http://schemas.microsoft.com/office/drawing/2010/main">
                 <a:solidFill>
                   <a:srgbClr val="FFFFFF"/>
                 </a:solidFill>
@@ -594,7 +603,7 @@
             </a:ln>
             <a:extLst>
               <a:ext uri="{91240B29-F687-4f45-9708-019B960494DF}">
-                <a14:hiddenLine xmlns:a14="http://schemas.microsoft.com/office/drawing/2010/main" xmlns="" w="9525">
+                <a14:hiddenLine xmlns="" xmlns:a14="http://schemas.microsoft.com/office/drawing/2010/main" w="9525">
                   <a:solidFill>
                     <a:srgbClr val="000000"/>
                   </a:solidFill>
@@ -684,7 +693,7 @@
             </a:ln>
             <a:extLst>
               <a:ext uri="{91240B29-F687-4f45-9708-019B960494DF}">
-                <a14:hiddenLine xmlns:a14="http://schemas.microsoft.com/office/drawing/2010/main" xmlns="" w="9525">
+                <a14:hiddenLine xmlns="" xmlns:a14="http://schemas.microsoft.com/office/drawing/2010/main" w="9525">
                   <a:solidFill>
                     <a:srgbClr val="000000"/>
                   </a:solidFill>
@@ -774,7 +783,7 @@
             </a:ln>
             <a:extLst>
               <a:ext uri="{91240B29-F687-4f45-9708-019B960494DF}">
-                <a14:hiddenLine xmlns:a14="http://schemas.microsoft.com/office/drawing/2010/main" xmlns="" w="9525">
+                <a14:hiddenLine xmlns="" xmlns:a14="http://schemas.microsoft.com/office/drawing/2010/main" w="9525">
                   <a:solidFill>
                     <a:srgbClr val="000000"/>
                   </a:solidFill>
@@ -808,7 +817,7 @@
             </a:ln>
             <a:extLst>
               <a:ext uri="{91240B29-F687-4f45-9708-019B960494DF}">
-                <a14:hiddenLine xmlns:a14="http://schemas.microsoft.com/office/drawing/2010/main" xmlns="" w="9525">
+                <a14:hiddenLine xmlns="" xmlns:a14="http://schemas.microsoft.com/office/drawing/2010/main" w="9525">
                   <a:solidFill>
                     <a:srgbClr val="000000"/>
                   </a:solidFill>
@@ -898,7 +907,7 @@
             </a:ln>
             <a:extLst>
               <a:ext uri="{91240B29-F687-4f45-9708-019B960494DF}">
-                <a14:hiddenLine xmlns:a14="http://schemas.microsoft.com/office/drawing/2010/main" xmlns="" w="9525">
+                <a14:hiddenLine xmlns="" xmlns:a14="http://schemas.microsoft.com/office/drawing/2010/main" w="9525">
                   <a:solidFill>
                     <a:srgbClr val="000000"/>
                   </a:solidFill>
@@ -960,7 +969,7 @@
             </a:ln>
             <a:extLst>
               <a:ext uri="{91240B29-F687-4f45-9708-019B960494DF}">
-                <a14:hiddenLine xmlns:a14="http://schemas.microsoft.com/office/drawing/2010/main" xmlns="" w="9525">
+                <a14:hiddenLine xmlns="" xmlns:a14="http://schemas.microsoft.com/office/drawing/2010/main" w="9525">
                   <a:solidFill>
                     <a:srgbClr val="000000"/>
                   </a:solidFill>
@@ -1022,7 +1031,7 @@
             </a:ln>
             <a:extLst>
               <a:ext uri="{91240B29-F687-4f45-9708-019B960494DF}">
-                <a14:hiddenLine xmlns:a14="http://schemas.microsoft.com/office/drawing/2010/main" xmlns="" w="9525">
+                <a14:hiddenLine xmlns="" xmlns:a14="http://schemas.microsoft.com/office/drawing/2010/main" w="9525">
                   <a:solidFill>
                     <a:srgbClr val="000000"/>
                   </a:solidFill>
@@ -1112,7 +1121,7 @@
             </a:ln>
             <a:extLst>
               <a:ext uri="{91240B29-F687-4f45-9708-019B960494DF}">
-                <a14:hiddenLine xmlns:a14="http://schemas.microsoft.com/office/drawing/2010/main" xmlns="" w="9525">
+                <a14:hiddenLine xmlns="" xmlns:a14="http://schemas.microsoft.com/office/drawing/2010/main" w="9525">
                   <a:solidFill>
                     <a:srgbClr val="000000"/>
                   </a:solidFill>
@@ -1174,7 +1183,7 @@
             </a:ln>
             <a:extLst>
               <a:ext uri="{91240B29-F687-4f45-9708-019B960494DF}">
-                <a14:hiddenLine xmlns:a14="http://schemas.microsoft.com/office/drawing/2010/main" xmlns="" w="9525">
+                <a14:hiddenLine xmlns="" xmlns:a14="http://schemas.microsoft.com/office/drawing/2010/main" w="9525">
                   <a:solidFill>
                     <a:srgbClr val="000000"/>
                   </a:solidFill>
@@ -1236,7 +1245,7 @@
             </a:ln>
             <a:extLst>
               <a:ext uri="{91240B29-F687-4f45-9708-019B960494DF}">
-                <a14:hiddenLine xmlns:a14="http://schemas.microsoft.com/office/drawing/2010/main" xmlns="" w="9525">
+                <a14:hiddenLine xmlns="" xmlns:a14="http://schemas.microsoft.com/office/drawing/2010/main" w="9525">
                   <a:solidFill>
                     <a:srgbClr val="000000"/>
                   </a:solidFill>
@@ -1326,7 +1335,7 @@
             </a:ln>
             <a:extLst>
               <a:ext uri="{91240B29-F687-4f45-9708-019B960494DF}">
-                <a14:hiddenLine xmlns:a14="http://schemas.microsoft.com/office/drawing/2010/main" xmlns="" w="9525">
+                <a14:hiddenLine xmlns="" xmlns:a14="http://schemas.microsoft.com/office/drawing/2010/main" w="9525">
                   <a:solidFill>
                     <a:srgbClr val="000000"/>
                   </a:solidFill>
@@ -1416,7 +1425,7 @@
             </a:ln>
             <a:extLst>
               <a:ext uri="{91240B29-F687-4f45-9708-019B960494DF}">
-                <a14:hiddenLine xmlns:a14="http://schemas.microsoft.com/office/drawing/2010/main" xmlns="" w="9525">
+                <a14:hiddenLine xmlns="" xmlns:a14="http://schemas.microsoft.com/office/drawing/2010/main" w="9525">
                   <a:solidFill>
                     <a:srgbClr val="000000"/>
                   </a:solidFill>
@@ -1478,7 +1487,7 @@
             </a:ln>
             <a:extLst>
               <a:ext uri="{91240B29-F687-4f45-9708-019B960494DF}">
-                <a14:hiddenLine xmlns:a14="http://schemas.microsoft.com/office/drawing/2010/main" xmlns="" w="9525">
+                <a14:hiddenLine xmlns="" xmlns:a14="http://schemas.microsoft.com/office/drawing/2010/main" w="9525">
                   <a:solidFill>
                     <a:srgbClr val="000000"/>
                   </a:solidFill>
@@ -1588,7 +1597,7 @@
             </a:ln>
             <a:extLst>
               <a:ext uri="{91240B29-F687-4f45-9708-019B960494DF}">
-                <a14:hiddenLine xmlns:a14="http://schemas.microsoft.com/office/drawing/2010/main" xmlns="" w="9525">
+                <a14:hiddenLine xmlns="" xmlns:a14="http://schemas.microsoft.com/office/drawing/2010/main" w="9525">
                   <a:solidFill>
                     <a:srgbClr val="000000"/>
                   </a:solidFill>
@@ -1650,7 +1659,7 @@
             </a:ln>
             <a:extLst>
               <a:ext uri="{91240B29-F687-4f45-9708-019B960494DF}">
-                <a14:hiddenLine xmlns:a14="http://schemas.microsoft.com/office/drawing/2010/main" xmlns="" w="9525">
+                <a14:hiddenLine xmlns="" xmlns:a14="http://schemas.microsoft.com/office/drawing/2010/main" w="9525">
                   <a:solidFill>
                     <a:srgbClr val="000000"/>
                   </a:solidFill>
@@ -1740,7 +1749,7 @@
             </a:ln>
             <a:extLst>
               <a:ext uri="{91240B29-F687-4f45-9708-019B960494DF}">
-                <a14:hiddenLine xmlns:a14="http://schemas.microsoft.com/office/drawing/2010/main" xmlns="" w="9525">
+                <a14:hiddenLine xmlns="" xmlns:a14="http://schemas.microsoft.com/office/drawing/2010/main" w="9525">
                   <a:solidFill>
                     <a:srgbClr val="000000"/>
                   </a:solidFill>
@@ -1830,7 +1839,7 @@
             </a:ln>
             <a:extLst>
               <a:ext uri="{91240B29-F687-4f45-9708-019B960494DF}">
-                <a14:hiddenLine xmlns:a14="http://schemas.microsoft.com/office/drawing/2010/main" xmlns="" w="9525">
+                <a14:hiddenLine xmlns="" xmlns:a14="http://schemas.microsoft.com/office/drawing/2010/main" w="9525">
                   <a:solidFill>
                     <a:srgbClr val="000000"/>
                   </a:solidFill>
@@ -1892,7 +1901,7 @@
             </a:ln>
             <a:extLst>
               <a:ext uri="{91240B29-F687-4f45-9708-019B960494DF}">
-                <a14:hiddenLine xmlns:a14="http://schemas.microsoft.com/office/drawing/2010/main" xmlns="" w="9525">
+                <a14:hiddenLine xmlns="" xmlns:a14="http://schemas.microsoft.com/office/drawing/2010/main" w="9525">
                   <a:solidFill>
                     <a:srgbClr val="000000"/>
                   </a:solidFill>
@@ -1982,7 +1991,7 @@
             </a:ln>
             <a:extLst>
               <a:ext uri="{91240B29-F687-4f45-9708-019B960494DF}">
-                <a14:hiddenLine xmlns:a14="http://schemas.microsoft.com/office/drawing/2010/main" xmlns="" w="9525">
+                <a14:hiddenLine xmlns="" xmlns:a14="http://schemas.microsoft.com/office/drawing/2010/main" w="9525">
                   <a:solidFill>
                     <a:srgbClr val="000000"/>
                   </a:solidFill>
@@ -2072,7 +2081,7 @@
             </a:ln>
             <a:extLst>
               <a:ext uri="{91240B29-F687-4f45-9708-019B960494DF}">
-                <a14:hiddenLine xmlns:a14="http://schemas.microsoft.com/office/drawing/2010/main" xmlns="" w="9525">
+                <a14:hiddenLine xmlns="" xmlns:a14="http://schemas.microsoft.com/office/drawing/2010/main" w="9525">
                   <a:solidFill>
                     <a:srgbClr val="000000"/>
                   </a:solidFill>
@@ -2128,7 +2137,7 @@
             </a:ln>
             <a:extLst>
               <a:ext uri="{91240B29-F687-4f45-9708-019B960494DF}">
-                <a14:hiddenLine xmlns:a14="http://schemas.microsoft.com/office/drawing/2010/main" xmlns="" w="9525">
+                <a14:hiddenLine xmlns="" xmlns:a14="http://schemas.microsoft.com/office/drawing/2010/main" w="9525">
                   <a:solidFill>
                     <a:srgbClr val="000000"/>
                   </a:solidFill>
@@ -2218,7 +2227,7 @@
             </a:ln>
             <a:extLst>
               <a:ext uri="{91240B29-F687-4f45-9708-019B960494DF}">
-                <a14:hiddenLine xmlns:a14="http://schemas.microsoft.com/office/drawing/2010/main" xmlns="" w="9525">
+                <a14:hiddenLine xmlns="" xmlns:a14="http://schemas.microsoft.com/office/drawing/2010/main" w="9525">
                   <a:solidFill>
                     <a:srgbClr val="000000"/>
                   </a:solidFill>
@@ -2274,7 +2283,7 @@
             </a:ln>
             <a:extLst>
               <a:ext uri="{91240B29-F687-4f45-9708-019B960494DF}">
-                <a14:hiddenLine xmlns:a14="http://schemas.microsoft.com/office/drawing/2010/main" xmlns="" w="9525">
+                <a14:hiddenLine xmlns="" xmlns:a14="http://schemas.microsoft.com/office/drawing/2010/main" w="9525">
                   <a:solidFill>
                     <a:srgbClr val="000000"/>
                   </a:solidFill>
@@ -2364,7 +2373,7 @@
             </a:ln>
             <a:extLst>
               <a:ext uri="{91240B29-F687-4f45-9708-019B960494DF}">
-                <a14:hiddenLine xmlns:a14="http://schemas.microsoft.com/office/drawing/2010/main" xmlns="" w="9525">
+                <a14:hiddenLine xmlns="" xmlns:a14="http://schemas.microsoft.com/office/drawing/2010/main" w="9525">
                   <a:solidFill>
                     <a:srgbClr val="000000"/>
                   </a:solidFill>
@@ -2432,7 +2441,7 @@
             </a:ln>
             <a:extLst>
               <a:ext uri="{91240B29-F687-4f45-9708-019B960494DF}">
-                <a14:hiddenLine xmlns:a14="http://schemas.microsoft.com/office/drawing/2010/main" xmlns="" w="9525">
+                <a14:hiddenLine xmlns="" xmlns:a14="http://schemas.microsoft.com/office/drawing/2010/main" w="9525">
                   <a:solidFill>
                     <a:srgbClr val="000000"/>
                   </a:solidFill>
@@ -2522,7 +2531,7 @@
             </a:ln>
             <a:extLst>
               <a:ext uri="{91240B29-F687-4f45-9708-019B960494DF}">
-                <a14:hiddenLine xmlns:a14="http://schemas.microsoft.com/office/drawing/2010/main" xmlns="" w="9525">
+                <a14:hiddenLine xmlns="" xmlns:a14="http://schemas.microsoft.com/office/drawing/2010/main" w="9525">
                   <a:solidFill>
                     <a:srgbClr val="000000"/>
                   </a:solidFill>
@@ -2590,7 +2599,7 @@
             </a:ln>
             <a:extLst>
               <a:ext uri="{91240B29-F687-4f45-9708-019B960494DF}">
-                <a14:hiddenLine xmlns:a14="http://schemas.microsoft.com/office/drawing/2010/main" xmlns="" w="9525">
+                <a14:hiddenLine xmlns="" xmlns:a14="http://schemas.microsoft.com/office/drawing/2010/main" w="9525">
                   <a:solidFill>
                     <a:srgbClr val="000000"/>
                   </a:solidFill>
@@ -2680,7 +2689,7 @@
             </a:ln>
             <a:extLst>
               <a:ext uri="{91240B29-F687-4f45-9708-019B960494DF}">
-                <a14:hiddenLine xmlns:a14="http://schemas.microsoft.com/office/drawing/2010/main" xmlns="" w="9525">
+                <a14:hiddenLine xmlns="" xmlns:a14="http://schemas.microsoft.com/office/drawing/2010/main" w="9525">
                   <a:solidFill>
                     <a:srgbClr val="000000"/>
                   </a:solidFill>
@@ -2714,7 +2723,7 @@
             </a:ln>
             <a:extLst>
               <a:ext uri="{91240B29-F687-4f45-9708-019B960494DF}">
-                <a14:hiddenLine xmlns:a14="http://schemas.microsoft.com/office/drawing/2010/main" xmlns="" w="9525">
+                <a14:hiddenLine xmlns="" xmlns:a14="http://schemas.microsoft.com/office/drawing/2010/main" w="9525">
                   <a:solidFill>
                     <a:srgbClr val="000000"/>
                   </a:solidFill>
@@ -2804,7 +2813,7 @@
             </a:ln>
             <a:extLst>
               <a:ext uri="{91240B29-F687-4f45-9708-019B960494DF}">
-                <a14:hiddenLine xmlns:a14="http://schemas.microsoft.com/office/drawing/2010/main" xmlns="" w="9525">
+                <a14:hiddenLine xmlns="" xmlns:a14="http://schemas.microsoft.com/office/drawing/2010/main" w="9525">
                   <a:solidFill>
                     <a:srgbClr val="000000"/>
                   </a:solidFill>
@@ -2866,7 +2875,7 @@
             </a:ln>
             <a:extLst>
               <a:ext uri="{91240B29-F687-4f45-9708-019B960494DF}">
-                <a14:hiddenLine xmlns:a14="http://schemas.microsoft.com/office/drawing/2010/main" xmlns="" w="9525">
+                <a14:hiddenLine xmlns="" xmlns:a14="http://schemas.microsoft.com/office/drawing/2010/main" w="9525">
                   <a:solidFill>
                     <a:srgbClr val="000000"/>
                   </a:solidFill>
@@ -2928,7 +2937,7 @@
             </a:ln>
             <a:extLst>
               <a:ext uri="{91240B29-F687-4f45-9708-019B960494DF}">
-                <a14:hiddenLine xmlns:a14="http://schemas.microsoft.com/office/drawing/2010/main" xmlns="" w="9525">
+                <a14:hiddenLine xmlns="" xmlns:a14="http://schemas.microsoft.com/office/drawing/2010/main" w="9525">
                   <a:solidFill>
                     <a:srgbClr val="000000"/>
                   </a:solidFill>
@@ -3018,7 +3027,7 @@
             </a:ln>
             <a:extLst>
               <a:ext uri="{91240B29-F687-4f45-9708-019B960494DF}">
-                <a14:hiddenLine xmlns:a14="http://schemas.microsoft.com/office/drawing/2010/main" xmlns="" w="9525">
+                <a14:hiddenLine xmlns="" xmlns:a14="http://schemas.microsoft.com/office/drawing/2010/main" w="9525">
                   <a:solidFill>
                     <a:srgbClr val="000000"/>
                   </a:solidFill>
@@ -3086,7 +3095,7 @@
             </a:ln>
             <a:extLst>
               <a:ext uri="{91240B29-F687-4f45-9708-019B960494DF}">
-                <a14:hiddenLine xmlns:a14="http://schemas.microsoft.com/office/drawing/2010/main" xmlns="" w="9525">
+                <a14:hiddenLine xmlns="" xmlns:a14="http://schemas.microsoft.com/office/drawing/2010/main" w="9525">
                   <a:solidFill>
                     <a:srgbClr val="000000"/>
                   </a:solidFill>
@@ -3148,7 +3157,7 @@
             </a:ln>
             <a:extLst>
               <a:ext uri="{91240B29-F687-4f45-9708-019B960494DF}">
-                <a14:hiddenLine xmlns:a14="http://schemas.microsoft.com/office/drawing/2010/main" xmlns="" w="9525">
+                <a14:hiddenLine xmlns="" xmlns:a14="http://schemas.microsoft.com/office/drawing/2010/main" w="9525">
                   <a:solidFill>
                     <a:srgbClr val="000000"/>
                   </a:solidFill>
@@ -3238,7 +3247,7 @@
             </a:ln>
             <a:extLst>
               <a:ext uri="{91240B29-F687-4f45-9708-019B960494DF}">
-                <a14:hiddenLine xmlns:a14="http://schemas.microsoft.com/office/drawing/2010/main" xmlns="" w="9525">
+                <a14:hiddenLine xmlns="" xmlns:a14="http://schemas.microsoft.com/office/drawing/2010/main" w="9525">
                   <a:solidFill>
                     <a:srgbClr val="000000"/>
                   </a:solidFill>
@@ -3300,7 +3309,7 @@
             </a:ln>
             <a:extLst>
               <a:ext uri="{91240B29-F687-4f45-9708-019B960494DF}">
-                <a14:hiddenLine xmlns:a14="http://schemas.microsoft.com/office/drawing/2010/main" xmlns="" w="9525">
+                <a14:hiddenLine xmlns="" xmlns:a14="http://schemas.microsoft.com/office/drawing/2010/main" w="9525">
                   <a:solidFill>
                     <a:srgbClr val="000000"/>
                   </a:solidFill>
@@ -3390,7 +3399,7 @@
             </a:ln>
             <a:extLst>
               <a:ext uri="{91240B29-F687-4f45-9708-019B960494DF}">
-                <a14:hiddenLine xmlns:a14="http://schemas.microsoft.com/office/drawing/2010/main" xmlns="" w="9525">
+                <a14:hiddenLine xmlns="" xmlns:a14="http://schemas.microsoft.com/office/drawing/2010/main" w="9525">
                   <a:solidFill>
                     <a:srgbClr val="000000"/>
                   </a:solidFill>
@@ -3452,7 +3461,7 @@
             </a:ln>
             <a:extLst>
               <a:ext uri="{91240B29-F687-4f45-9708-019B960494DF}">
-                <a14:hiddenLine xmlns:a14="http://schemas.microsoft.com/office/drawing/2010/main" xmlns="" w="9525">
+                <a14:hiddenLine xmlns="" xmlns:a14="http://schemas.microsoft.com/office/drawing/2010/main" w="9525">
                   <a:solidFill>
                     <a:srgbClr val="000000"/>
                   </a:solidFill>
@@ -3542,7 +3551,7 @@
             </a:ln>
             <a:extLst>
               <a:ext uri="{91240B29-F687-4f45-9708-019B960494DF}">
-                <a14:hiddenLine xmlns:a14="http://schemas.microsoft.com/office/drawing/2010/main" xmlns="" w="9525">
+                <a14:hiddenLine xmlns="" xmlns:a14="http://schemas.microsoft.com/office/drawing/2010/main" w="9525">
                   <a:solidFill>
                     <a:srgbClr val="000000"/>
                   </a:solidFill>
@@ -3576,7 +3585,7 @@
             </a:ln>
             <a:extLst>
               <a:ext uri="{91240B29-F687-4f45-9708-019B960494DF}">
-                <a14:hiddenLine xmlns:a14="http://schemas.microsoft.com/office/drawing/2010/main" xmlns="" w="9525">
+                <a14:hiddenLine xmlns="" xmlns:a14="http://schemas.microsoft.com/office/drawing/2010/main" w="9525">
                   <a:solidFill>
                     <a:srgbClr val="000000"/>
                   </a:solidFill>
@@ -3641,7 +3650,7 @@
             </a:ln>
             <a:extLst>
               <a:ext uri="{91240B29-F687-4f45-9708-019B960494DF}">
-                <a14:hiddenLine xmlns:a14="http://schemas.microsoft.com/office/drawing/2010/main" xmlns="" w="9525">
+                <a14:hiddenLine xmlns="" xmlns:a14="http://schemas.microsoft.com/office/drawing/2010/main" w="9525">
                   <a:solidFill>
                     <a:srgbClr val="000000"/>
                   </a:solidFill>
@@ -3731,7 +3740,7 @@
             </a:ln>
             <a:extLst>
               <a:ext uri="{91240B29-F687-4f45-9708-019B960494DF}">
-                <a14:hiddenLine xmlns:a14="http://schemas.microsoft.com/office/drawing/2010/main" xmlns="" w="9525">
+                <a14:hiddenLine xmlns="" xmlns:a14="http://schemas.microsoft.com/office/drawing/2010/main" w="9525">
                   <a:solidFill>
                     <a:srgbClr val="000000"/>
                   </a:solidFill>
@@ -3793,7 +3802,7 @@
             </a:ln>
             <a:extLst>
               <a:ext uri="{91240B29-F687-4f45-9708-019B960494DF}">
-                <a14:hiddenLine xmlns:a14="http://schemas.microsoft.com/office/drawing/2010/main" xmlns="" w="9525">
+                <a14:hiddenLine xmlns="" xmlns:a14="http://schemas.microsoft.com/office/drawing/2010/main" w="9525">
                   <a:solidFill>
                     <a:srgbClr val="000000"/>
                   </a:solidFill>
@@ -3883,7 +3892,7 @@
             </a:ln>
             <a:extLst>
               <a:ext uri="{91240B29-F687-4f45-9708-019B960494DF}">
-                <a14:hiddenLine xmlns:a14="http://schemas.microsoft.com/office/drawing/2010/main" xmlns="" w="9525">
+                <a14:hiddenLine xmlns="" xmlns:a14="http://schemas.microsoft.com/office/drawing/2010/main" w="9525">
                   <a:solidFill>
                     <a:srgbClr val="000000"/>
                   </a:solidFill>
@@ -3973,7 +3982,7 @@
             </a:ln>
             <a:extLst>
               <a:ext uri="{91240B29-F687-4f45-9708-019B960494DF}">
-                <a14:hiddenLine xmlns:a14="http://schemas.microsoft.com/office/drawing/2010/main" xmlns="" w="9525">
+                <a14:hiddenLine xmlns="" xmlns:a14="http://schemas.microsoft.com/office/drawing/2010/main" w="9525">
                   <a:solidFill>
                     <a:srgbClr val="000000"/>
                   </a:solidFill>
@@ -4038,7 +4047,7 @@
             </a:ln>
             <a:extLst>
               <a:ext uri="{91240B29-F687-4f45-9708-019B960494DF}">
-                <a14:hiddenLine xmlns:a14="http://schemas.microsoft.com/office/drawing/2010/main" xmlns="" w="9525">
+                <a14:hiddenLine xmlns="" xmlns:a14="http://schemas.microsoft.com/office/drawing/2010/main" w="9525">
                   <a:solidFill>
                     <a:srgbClr val="000000"/>
                   </a:solidFill>
@@ -4100,7 +4109,7 @@
             </a:ln>
             <a:extLst>
               <a:ext uri="{91240B29-F687-4f45-9708-019B960494DF}">
-                <a14:hiddenLine xmlns:a14="http://schemas.microsoft.com/office/drawing/2010/main" xmlns="" w="9525">
+                <a14:hiddenLine xmlns="" xmlns:a14="http://schemas.microsoft.com/office/drawing/2010/main" w="9525">
                   <a:solidFill>
                     <a:srgbClr val="000000"/>
                   </a:solidFill>
@@ -4190,7 +4199,7 @@
             </a:ln>
             <a:extLst>
               <a:ext uri="{91240B29-F687-4f45-9708-019B960494DF}">
-                <a14:hiddenLine xmlns:a14="http://schemas.microsoft.com/office/drawing/2010/main" xmlns="" w="9525">
+                <a14:hiddenLine xmlns="" xmlns:a14="http://schemas.microsoft.com/office/drawing/2010/main" w="9525">
                   <a:solidFill>
                     <a:srgbClr val="000000"/>
                   </a:solidFill>
@@ -4280,7 +4289,7 @@
             </a:ln>
             <a:extLst>
               <a:ext uri="{91240B29-F687-4f45-9708-019B960494DF}">
-                <a14:hiddenLine xmlns:a14="http://schemas.microsoft.com/office/drawing/2010/main" xmlns="" w="9525">
+                <a14:hiddenLine xmlns="" xmlns:a14="http://schemas.microsoft.com/office/drawing/2010/main" w="9525">
                   <a:solidFill>
                     <a:srgbClr val="000000"/>
                   </a:solidFill>
@@ -4342,7 +4351,7 @@
             </a:ln>
             <a:extLst>
               <a:ext uri="{91240B29-F687-4f45-9708-019B960494DF}">
-                <a14:hiddenLine xmlns:a14="http://schemas.microsoft.com/office/drawing/2010/main" xmlns="" w="9525">
+                <a14:hiddenLine xmlns="" xmlns:a14="http://schemas.microsoft.com/office/drawing/2010/main" w="9525">
                   <a:solidFill>
                     <a:srgbClr val="000000"/>
                   </a:solidFill>
@@ -4462,7 +4471,7 @@
             </a:ln>
             <a:extLst>
               <a:ext uri="{91240B29-F687-4f45-9708-019B960494DF}">
-                <a14:hiddenLine xmlns:a14="http://schemas.microsoft.com/office/drawing/2010/main" xmlns="" w="9525">
+                <a14:hiddenLine xmlns="" xmlns:a14="http://schemas.microsoft.com/office/drawing/2010/main" w="9525">
                   <a:solidFill>
                     <a:srgbClr val="000000"/>
                   </a:solidFill>
@@ -4530,7 +4539,7 @@
             </a:ln>
             <a:extLst>
               <a:ext uri="{91240B29-F687-4f45-9708-019B960494DF}">
-                <a14:hiddenLine xmlns:a14="http://schemas.microsoft.com/office/drawing/2010/main" xmlns="" w="9525">
+                <a14:hiddenLine xmlns="" xmlns:a14="http://schemas.microsoft.com/office/drawing/2010/main" w="9525">
                   <a:solidFill>
                     <a:srgbClr val="000000"/>
                   </a:solidFill>
@@ -4620,7 +4629,7 @@
             </a:ln>
             <a:extLst>
               <a:ext uri="{91240B29-F687-4f45-9708-019B960494DF}">
-                <a14:hiddenLine xmlns:a14="http://schemas.microsoft.com/office/drawing/2010/main" xmlns="" w="9525">
+                <a14:hiddenLine xmlns="" xmlns:a14="http://schemas.microsoft.com/office/drawing/2010/main" w="9525">
                   <a:solidFill>
                     <a:srgbClr val="000000"/>
                   </a:solidFill>
@@ -9410,7 +9419,7 @@
           <a:noFill/>
           <a:extLst>
             <a:ext uri="{909E8E84-426E-40dd-AFC4-6F175D3DCCD1}">
-              <a14:hiddenFill xmlns:a14="http://schemas.microsoft.com/office/drawing/2010/main" xmlns="">
+              <a14:hiddenFill xmlns="" xmlns:a14="http://schemas.microsoft.com/office/drawing/2010/main">
                 <a:solidFill>
                   <a:srgbClr val="FFFFFF"/>
                 </a:solidFill>
@@ -9484,7 +9493,7 @@
               </a:ln>
               <a:extLst>
                 <a:ext uri="{91240B29-F687-4f45-9708-019B960494DF}">
-                  <a14:hiddenLine xmlns:a14="http://schemas.microsoft.com/office/drawing/2010/main" xmlns="" w="9525">
+                  <a14:hiddenLine xmlns="" xmlns:a14="http://schemas.microsoft.com/office/drawing/2010/main" w="9525">
                     <a:solidFill>
                       <a:srgbClr val="000000"/>
                     </a:solidFill>
@@ -9574,7 +9583,7 @@
               </a:ln>
               <a:extLst>
                 <a:ext uri="{91240B29-F687-4f45-9708-019B960494DF}">
-                  <a14:hiddenLine xmlns:a14="http://schemas.microsoft.com/office/drawing/2010/main" xmlns="" w="9525">
+                  <a14:hiddenLine xmlns="" xmlns:a14="http://schemas.microsoft.com/office/drawing/2010/main" w="9525">
                     <a:solidFill>
                       <a:srgbClr val="000000"/>
                     </a:solidFill>
@@ -9664,7 +9673,7 @@
               </a:ln>
               <a:extLst>
                 <a:ext uri="{91240B29-F687-4f45-9708-019B960494DF}">
-                  <a14:hiddenLine xmlns:a14="http://schemas.microsoft.com/office/drawing/2010/main" xmlns="" w="9525">
+                  <a14:hiddenLine xmlns="" xmlns:a14="http://schemas.microsoft.com/office/drawing/2010/main" w="9525">
                     <a:solidFill>
                       <a:srgbClr val="000000"/>
                     </a:solidFill>
@@ -9726,7 +9735,7 @@
               </a:ln>
               <a:extLst>
                 <a:ext uri="{91240B29-F687-4f45-9708-019B960494DF}">
-                  <a14:hiddenLine xmlns:a14="http://schemas.microsoft.com/office/drawing/2010/main" xmlns="" w="9525">
+                  <a14:hiddenLine xmlns="" xmlns:a14="http://schemas.microsoft.com/office/drawing/2010/main" w="9525">
                     <a:solidFill>
                       <a:srgbClr val="000000"/>
                     </a:solidFill>
@@ -9816,7 +9825,7 @@
               </a:ln>
               <a:extLst>
                 <a:ext uri="{91240B29-F687-4f45-9708-019B960494DF}">
-                  <a14:hiddenLine xmlns:a14="http://schemas.microsoft.com/office/drawing/2010/main" xmlns="" w="9525">
+                  <a14:hiddenLine xmlns="" xmlns:a14="http://schemas.microsoft.com/office/drawing/2010/main" w="9525">
                     <a:solidFill>
                       <a:srgbClr val="000000"/>
                     </a:solidFill>
@@ -9878,7 +9887,7 @@
               </a:ln>
               <a:extLst>
                 <a:ext uri="{91240B29-F687-4f45-9708-019B960494DF}">
-                  <a14:hiddenLine xmlns:a14="http://schemas.microsoft.com/office/drawing/2010/main" xmlns="" w="9525">
+                  <a14:hiddenLine xmlns="" xmlns:a14="http://schemas.microsoft.com/office/drawing/2010/main" w="9525">
                     <a:solidFill>
                       <a:srgbClr val="000000"/>
                     </a:solidFill>
@@ -9940,7 +9949,7 @@
               </a:ln>
               <a:extLst>
                 <a:ext uri="{91240B29-F687-4f45-9708-019B960494DF}">
-                  <a14:hiddenLine xmlns:a14="http://schemas.microsoft.com/office/drawing/2010/main" xmlns="" w="9525">
+                  <a14:hiddenLine xmlns="" xmlns:a14="http://schemas.microsoft.com/office/drawing/2010/main" w="9525">
                     <a:solidFill>
                       <a:srgbClr val="000000"/>
                     </a:solidFill>
@@ -10030,7 +10039,7 @@
               </a:ln>
               <a:extLst>
                 <a:ext uri="{91240B29-F687-4f45-9708-019B960494DF}">
-                  <a14:hiddenLine xmlns:a14="http://schemas.microsoft.com/office/drawing/2010/main" xmlns="" w="9525">
+                  <a14:hiddenLine xmlns="" xmlns:a14="http://schemas.microsoft.com/office/drawing/2010/main" w="9525">
                     <a:solidFill>
                       <a:srgbClr val="000000"/>
                     </a:solidFill>
@@ -10120,7 +10129,7 @@
               </a:ln>
               <a:extLst>
                 <a:ext uri="{91240B29-F687-4f45-9708-019B960494DF}">
-                  <a14:hiddenLine xmlns:a14="http://schemas.microsoft.com/office/drawing/2010/main" xmlns="" w="9525">
+                  <a14:hiddenLine xmlns="" xmlns:a14="http://schemas.microsoft.com/office/drawing/2010/main" w="9525">
                     <a:solidFill>
                       <a:srgbClr val="000000"/>
                     </a:solidFill>
@@ -10182,7 +10191,7 @@
               </a:ln>
               <a:extLst>
                 <a:ext uri="{91240B29-F687-4f45-9708-019B960494DF}">
-                  <a14:hiddenLine xmlns:a14="http://schemas.microsoft.com/office/drawing/2010/main" xmlns="" w="9525">
+                  <a14:hiddenLine xmlns="" xmlns:a14="http://schemas.microsoft.com/office/drawing/2010/main" w="9525">
                     <a:solidFill>
                       <a:srgbClr val="000000"/>
                     </a:solidFill>
@@ -10292,7 +10301,7 @@
               </a:ln>
               <a:extLst>
                 <a:ext uri="{91240B29-F687-4f45-9708-019B960494DF}">
-                  <a14:hiddenLine xmlns:a14="http://schemas.microsoft.com/office/drawing/2010/main" xmlns="" w="9525">
+                  <a14:hiddenLine xmlns="" xmlns:a14="http://schemas.microsoft.com/office/drawing/2010/main" w="9525">
                     <a:solidFill>
                       <a:srgbClr val="000000"/>
                     </a:solidFill>
@@ -10376,7 +10385,7 @@
               </a:ln>
               <a:extLst>
                 <a:ext uri="{91240B29-F687-4f45-9708-019B960494DF}">
-                  <a14:hiddenLine xmlns:a14="http://schemas.microsoft.com/office/drawing/2010/main" xmlns="" w="9525">
+                  <a14:hiddenLine xmlns="" xmlns:a14="http://schemas.microsoft.com/office/drawing/2010/main" w="9525">
                     <a:solidFill>
                       <a:srgbClr val="000000"/>
                     </a:solidFill>
@@ -10438,7 +10447,7 @@
               </a:ln>
               <a:extLst>
                 <a:ext uri="{91240B29-F687-4f45-9708-019B960494DF}">
-                  <a14:hiddenLine xmlns:a14="http://schemas.microsoft.com/office/drawing/2010/main" xmlns="" w="9525">
+                  <a14:hiddenLine xmlns="" xmlns:a14="http://schemas.microsoft.com/office/drawing/2010/main" w="9525">
                     <a:solidFill>
                       <a:srgbClr val="000000"/>
                     </a:solidFill>
@@ -10500,7 +10509,7 @@
               </a:ln>
               <a:extLst>
                 <a:ext uri="{91240B29-F687-4f45-9708-019B960494DF}">
-                  <a14:hiddenLine xmlns:a14="http://schemas.microsoft.com/office/drawing/2010/main" xmlns="" w="9525">
+                  <a14:hiddenLine xmlns="" xmlns:a14="http://schemas.microsoft.com/office/drawing/2010/main" w="9525">
                     <a:solidFill>
                       <a:srgbClr val="000000"/>
                     </a:solidFill>
@@ -10590,7 +10599,7 @@
               </a:ln>
               <a:extLst>
                 <a:ext uri="{91240B29-F687-4f45-9708-019B960494DF}">
-                  <a14:hiddenLine xmlns:a14="http://schemas.microsoft.com/office/drawing/2010/main" xmlns="" w="9525">
+                  <a14:hiddenLine xmlns="" xmlns:a14="http://schemas.microsoft.com/office/drawing/2010/main" w="9525">
                     <a:solidFill>
                       <a:srgbClr val="000000"/>
                     </a:solidFill>
@@ -10624,7 +10633,7 @@
               </a:ln>
               <a:extLst>
                 <a:ext uri="{91240B29-F687-4f45-9708-019B960494DF}">
-                  <a14:hiddenLine xmlns:a14="http://schemas.microsoft.com/office/drawing/2010/main" xmlns="" w="9525">
+                  <a14:hiddenLine xmlns="" xmlns:a14="http://schemas.microsoft.com/office/drawing/2010/main" w="9525">
                     <a:solidFill>
                       <a:srgbClr val="000000"/>
                     </a:solidFill>
@@ -10689,7 +10698,7 @@
               </a:ln>
               <a:extLst>
                 <a:ext uri="{91240B29-F687-4f45-9708-019B960494DF}">
-                  <a14:hiddenLine xmlns:a14="http://schemas.microsoft.com/office/drawing/2010/main" xmlns="" w="9525">
+                  <a14:hiddenLine xmlns="" xmlns:a14="http://schemas.microsoft.com/office/drawing/2010/main" w="9525">
                     <a:solidFill>
                       <a:srgbClr val="000000"/>
                     </a:solidFill>
@@ -10779,7 +10788,7 @@
               </a:ln>
               <a:extLst>
                 <a:ext uri="{91240B29-F687-4f45-9708-019B960494DF}">
-                  <a14:hiddenLine xmlns:a14="http://schemas.microsoft.com/office/drawing/2010/main" xmlns="" w="9525">
+                  <a14:hiddenLine xmlns="" xmlns:a14="http://schemas.microsoft.com/office/drawing/2010/main" w="9525">
                     <a:solidFill>
                       <a:srgbClr val="000000"/>
                     </a:solidFill>
@@ -10841,7 +10850,7 @@
               </a:ln>
               <a:extLst>
                 <a:ext uri="{91240B29-F687-4f45-9708-019B960494DF}">
-                  <a14:hiddenLine xmlns:a14="http://schemas.microsoft.com/office/drawing/2010/main" xmlns="" w="9525">
+                  <a14:hiddenLine xmlns="" xmlns:a14="http://schemas.microsoft.com/office/drawing/2010/main" w="9525">
                     <a:solidFill>
                       <a:srgbClr val="000000"/>
                     </a:solidFill>
@@ -10931,7 +10940,7 @@
               </a:ln>
               <a:extLst>
                 <a:ext uri="{91240B29-F687-4f45-9708-019B960494DF}">
-                  <a14:hiddenLine xmlns:a14="http://schemas.microsoft.com/office/drawing/2010/main" xmlns="" w="9525">
+                  <a14:hiddenLine xmlns="" xmlns:a14="http://schemas.microsoft.com/office/drawing/2010/main" w="9525">
                     <a:solidFill>
                       <a:srgbClr val="000000"/>
                     </a:solidFill>
@@ -10996,7 +11005,7 @@
               </a:ln>
               <a:extLst>
                 <a:ext uri="{91240B29-F687-4f45-9708-019B960494DF}">
-                  <a14:hiddenLine xmlns:a14="http://schemas.microsoft.com/office/drawing/2010/main" xmlns="" w="9525">
+                  <a14:hiddenLine xmlns="" xmlns:a14="http://schemas.microsoft.com/office/drawing/2010/main" w="9525">
                     <a:solidFill>
                       <a:srgbClr val="000000"/>
                     </a:solidFill>
@@ -11058,7 +11067,7 @@
               </a:ln>
               <a:extLst>
                 <a:ext uri="{91240B29-F687-4f45-9708-019B960494DF}">
-                  <a14:hiddenLine xmlns:a14="http://schemas.microsoft.com/office/drawing/2010/main" xmlns="" w="9525">
+                  <a14:hiddenLine xmlns="" xmlns:a14="http://schemas.microsoft.com/office/drawing/2010/main" w="9525">
                     <a:solidFill>
                       <a:srgbClr val="000000"/>
                     </a:solidFill>
@@ -11148,7 +11157,7 @@
               </a:ln>
               <a:extLst>
                 <a:ext uri="{91240B29-F687-4f45-9708-019B960494DF}">
-                  <a14:hiddenLine xmlns:a14="http://schemas.microsoft.com/office/drawing/2010/main" xmlns="" w="9525">
+                  <a14:hiddenLine xmlns="" xmlns:a14="http://schemas.microsoft.com/office/drawing/2010/main" w="9525">
                     <a:solidFill>
                       <a:srgbClr val="000000"/>
                     </a:solidFill>
@@ -11238,7 +11247,7 @@
               </a:ln>
               <a:extLst>
                 <a:ext uri="{91240B29-F687-4f45-9708-019B960494DF}">
-                  <a14:hiddenLine xmlns:a14="http://schemas.microsoft.com/office/drawing/2010/main" xmlns="" w="9525">
+                  <a14:hiddenLine xmlns="" xmlns:a14="http://schemas.microsoft.com/office/drawing/2010/main" w="9525">
                     <a:solidFill>
                       <a:srgbClr val="000000"/>
                     </a:solidFill>
@@ -11303,7 +11312,7 @@
               </a:ln>
               <a:extLst>
                 <a:ext uri="{91240B29-F687-4f45-9708-019B960494DF}">
-                  <a14:hiddenLine xmlns:a14="http://schemas.microsoft.com/office/drawing/2010/main" xmlns="" w="9525">
+                  <a14:hiddenLine xmlns="" xmlns:a14="http://schemas.microsoft.com/office/drawing/2010/main" w="9525">
                     <a:solidFill>
                       <a:srgbClr val="000000"/>
                     </a:solidFill>
@@ -11423,7 +11432,7 @@
               </a:ln>
               <a:extLst>
                 <a:ext uri="{91240B29-F687-4f45-9708-019B960494DF}">
-                  <a14:hiddenLine xmlns:a14="http://schemas.microsoft.com/office/drawing/2010/main" xmlns="" w="9525">
+                  <a14:hiddenLine xmlns="" xmlns:a14="http://schemas.microsoft.com/office/drawing/2010/main" w="9525">
                     <a:solidFill>
                       <a:srgbClr val="000000"/>
                     </a:solidFill>
@@ -11521,7 +11530,7 @@
               </a:ln>
               <a:extLst>
                 <a:ext uri="{91240B29-F687-4f45-9708-019B960494DF}">
-                  <a14:hiddenLine xmlns:a14="http://schemas.microsoft.com/office/drawing/2010/main" xmlns="" w="9525">
+                  <a14:hiddenLine xmlns="" xmlns:a14="http://schemas.microsoft.com/office/drawing/2010/main" w="9525">
                     <a:solidFill>
                       <a:srgbClr val="000000"/>
                     </a:solidFill>
@@ -11636,7 +11645,7 @@
               </a:ln>
               <a:extLst>
                 <a:ext uri="{91240B29-F687-4f45-9708-019B960494DF}">
-                  <a14:hiddenLine xmlns:a14="http://schemas.microsoft.com/office/drawing/2010/main" xmlns="" w="9525">
+                  <a14:hiddenLine xmlns="" xmlns:a14="http://schemas.microsoft.com/office/drawing/2010/main" w="9525">
                     <a:solidFill>
                       <a:srgbClr val="000000"/>
                     </a:solidFill>
@@ -11726,7 +11735,7 @@
               </a:ln>
               <a:extLst>
                 <a:ext uri="{91240B29-F687-4f45-9708-019B960494DF}">
-                  <a14:hiddenLine xmlns:a14="http://schemas.microsoft.com/office/drawing/2010/main" xmlns="" w="9525">
+                  <a14:hiddenLine xmlns="" xmlns:a14="http://schemas.microsoft.com/office/drawing/2010/main" w="9525">
                     <a:solidFill>
                       <a:srgbClr val="000000"/>
                     </a:solidFill>
@@ -11791,7 +11800,7 @@
               </a:ln>
               <a:extLst>
                 <a:ext uri="{91240B29-F687-4f45-9708-019B960494DF}">
-                  <a14:hiddenLine xmlns:a14="http://schemas.microsoft.com/office/drawing/2010/main" xmlns="" w="9525">
+                  <a14:hiddenLine xmlns="" xmlns:a14="http://schemas.microsoft.com/office/drawing/2010/main" w="9525">
                     <a:solidFill>
                       <a:srgbClr val="000000"/>
                     </a:solidFill>
@@ -11881,7 +11890,7 @@
               </a:ln>
               <a:extLst>
                 <a:ext uri="{91240B29-F687-4f45-9708-019B960494DF}">
-                  <a14:hiddenLine xmlns:a14="http://schemas.microsoft.com/office/drawing/2010/main" xmlns="" w="9525">
+                  <a14:hiddenLine xmlns="" xmlns:a14="http://schemas.microsoft.com/office/drawing/2010/main" w="9525">
                     <a:solidFill>
                       <a:srgbClr val="000000"/>
                     </a:solidFill>
@@ -11949,7 +11958,7 @@
               </a:ln>
               <a:extLst>
                 <a:ext uri="{91240B29-F687-4f45-9708-019B960494DF}">
-                  <a14:hiddenLine xmlns:a14="http://schemas.microsoft.com/office/drawing/2010/main" xmlns="" w="9525">
+                  <a14:hiddenLine xmlns="" xmlns:a14="http://schemas.microsoft.com/office/drawing/2010/main" w="9525">
                     <a:solidFill>
                       <a:srgbClr val="000000"/>
                     </a:solidFill>
@@ -12039,7 +12048,7 @@
               </a:ln>
               <a:extLst>
                 <a:ext uri="{91240B29-F687-4f45-9708-019B960494DF}">
-                  <a14:hiddenLine xmlns:a14="http://schemas.microsoft.com/office/drawing/2010/main" xmlns="" w="9525">
+                  <a14:hiddenLine xmlns="" xmlns:a14="http://schemas.microsoft.com/office/drawing/2010/main" w="9525">
                     <a:solidFill>
                       <a:srgbClr val="000000"/>
                     </a:solidFill>
@@ -12107,7 +12116,7 @@
               </a:ln>
               <a:extLst>
                 <a:ext uri="{91240B29-F687-4f45-9708-019B960494DF}">
-                  <a14:hiddenLine xmlns:a14="http://schemas.microsoft.com/office/drawing/2010/main" xmlns="" w="9525">
+                  <a14:hiddenLine xmlns="" xmlns:a14="http://schemas.microsoft.com/office/drawing/2010/main" w="9525">
                     <a:solidFill>
                       <a:srgbClr val="000000"/>
                     </a:solidFill>
@@ -12197,7 +12206,7 @@
               </a:ln>
               <a:extLst>
                 <a:ext uri="{91240B29-F687-4f45-9708-019B960494DF}">
-                  <a14:hiddenLine xmlns:a14="http://schemas.microsoft.com/office/drawing/2010/main" xmlns="" w="9525">
+                  <a14:hiddenLine xmlns="" xmlns:a14="http://schemas.microsoft.com/office/drawing/2010/main" w="9525">
                     <a:solidFill>
                       <a:srgbClr val="000000"/>
                     </a:solidFill>
@@ -12231,7 +12240,7 @@
               </a:ln>
               <a:extLst>
                 <a:ext uri="{91240B29-F687-4f45-9708-019B960494DF}">
-                  <a14:hiddenLine xmlns:a14="http://schemas.microsoft.com/office/drawing/2010/main" xmlns="" w="9525">
+                  <a14:hiddenLine xmlns="" xmlns:a14="http://schemas.microsoft.com/office/drawing/2010/main" w="9525">
                     <a:solidFill>
                       <a:srgbClr val="000000"/>
                     </a:solidFill>
@@ -12861,6 +12870,346 @@
 </p:sld>
 </file>
 
+<file path=ppt/slides/slide10.xml><?xml version="1.0" encoding="utf-8"?>
+<p:sld xmlns:a="http://schemas.openxmlformats.org/drawingml/2006/main" xmlns:r="http://schemas.openxmlformats.org/officeDocument/2006/relationships" xmlns:p="http://schemas.openxmlformats.org/presentationml/2006/main">
+  <p:cSld>
+    <p:spTree>
+      <p:nvGrpSpPr>
+        <p:cNvPr id="1" name=""/>
+        <p:cNvGrpSpPr/>
+        <p:nvPr/>
+      </p:nvGrpSpPr>
+      <p:grpSpPr>
+        <a:xfrm>
+          <a:off x="0" y="0"/>
+          <a:ext cx="0" cy="0"/>
+          <a:chOff x="0" y="0"/>
+          <a:chExt cx="0" cy="0"/>
+        </a:xfrm>
+      </p:grpSpPr>
+      <p:sp>
+        <p:nvSpPr>
+          <p:cNvPr id="2" name="Titel 1">
+            <a:extLst>
+              <a:ext uri="{FF2B5EF4-FFF2-40B4-BE49-F238E27FC236}">
+                <a16:creationId xmlns:a16="http://schemas.microsoft.com/office/drawing/2014/main" id="{1C379F61-BCEA-496B-995A-3B4C7DB56E6E}"/>
+              </a:ext>
+            </a:extLst>
+          </p:cNvPr>
+          <p:cNvSpPr>
+            <a:spLocks noGrp="1"/>
+          </p:cNvSpPr>
+          <p:nvPr>
+            <p:ph type="title"/>
+          </p:nvPr>
+        </p:nvSpPr>
+        <p:spPr/>
+        <p:txBody>
+          <a:bodyPr/>
+          <a:lstStyle/>
+          <a:p>
+            <a:r>
+              <a:rPr lang="de-DE" dirty="0"/>
+              <a:t>Vorführung Projektstand</a:t>
+            </a:r>
+          </a:p>
+        </p:txBody>
+      </p:sp>
+      <p:sp>
+        <p:nvSpPr>
+          <p:cNvPr id="3" name="Inhaltsplatzhalter 2">
+            <a:extLst>
+              <a:ext uri="{FF2B5EF4-FFF2-40B4-BE49-F238E27FC236}">
+                <a16:creationId xmlns:a16="http://schemas.microsoft.com/office/drawing/2014/main" id="{D22270B8-41F5-470C-B4EE-8587859F517A}"/>
+              </a:ext>
+            </a:extLst>
+          </p:cNvPr>
+          <p:cNvSpPr>
+            <a:spLocks noGrp="1"/>
+          </p:cNvSpPr>
+          <p:nvPr>
+            <p:ph idx="1"/>
+          </p:nvPr>
+        </p:nvSpPr>
+        <p:spPr/>
+        <p:txBody>
+          <a:bodyPr/>
+          <a:lstStyle/>
+          <a:p>
+            <a:endParaRPr lang="de-DE"/>
+          </a:p>
+        </p:txBody>
+      </p:sp>
+      <p:sp>
+        <p:nvSpPr>
+          <p:cNvPr id="4" name="Datumsplatzhalter 3">
+            <a:extLst>
+              <a:ext uri="{FF2B5EF4-FFF2-40B4-BE49-F238E27FC236}">
+                <a16:creationId xmlns:a16="http://schemas.microsoft.com/office/drawing/2014/main" id="{E0DA990B-59DC-46D5-ACD5-7DE03A5DC6DA}"/>
+              </a:ext>
+            </a:extLst>
+          </p:cNvPr>
+          <p:cNvSpPr>
+            <a:spLocks noGrp="1"/>
+          </p:cNvSpPr>
+          <p:nvPr>
+            <p:ph type="dt" sz="half" idx="10"/>
+          </p:nvPr>
+        </p:nvSpPr>
+        <p:spPr/>
+        <p:txBody>
+          <a:bodyPr/>
+          <a:lstStyle/>
+          <a:p>
+            <a:fld id="{E1D1844E-27EB-425F-8EA3-7C4C4F30C79E}" type="datetime1">
+              <a:rPr lang="de-DE" smtClean="0"/>
+              <a:t>03.12.2018</a:t>
+            </a:fld>
+            <a:endParaRPr lang="en-US" dirty="0"/>
+          </a:p>
+        </p:txBody>
+      </p:sp>
+      <p:sp>
+        <p:nvSpPr>
+          <p:cNvPr id="5" name="Fußzeilenplatzhalter 4">
+            <a:extLst>
+              <a:ext uri="{FF2B5EF4-FFF2-40B4-BE49-F238E27FC236}">
+                <a16:creationId xmlns:a16="http://schemas.microsoft.com/office/drawing/2014/main" id="{CB34AA42-14F1-4DAA-8526-0ADDB91776EA}"/>
+              </a:ext>
+            </a:extLst>
+          </p:cNvPr>
+          <p:cNvSpPr>
+            <a:spLocks noGrp="1"/>
+          </p:cNvSpPr>
+          <p:nvPr>
+            <p:ph type="ftr" sz="quarter" idx="11"/>
+          </p:nvPr>
+        </p:nvSpPr>
+        <p:spPr/>
+        <p:txBody>
+          <a:bodyPr/>
+          <a:lstStyle/>
+          <a:p>
+            <a:r>
+              <a:rPr lang="de-DE"/>
+              <a:t>Bosin, Espig, Lauenroth, Siefert, Techel</a:t>
+            </a:r>
+            <a:endParaRPr lang="en-US" dirty="0"/>
+          </a:p>
+        </p:txBody>
+      </p:sp>
+      <p:sp>
+        <p:nvSpPr>
+          <p:cNvPr id="6" name="Foliennummernplatzhalter 5">
+            <a:extLst>
+              <a:ext uri="{FF2B5EF4-FFF2-40B4-BE49-F238E27FC236}">
+                <a16:creationId xmlns:a16="http://schemas.microsoft.com/office/drawing/2014/main" id="{89613E97-9FFE-427F-8BC3-F0DE82C5149A}"/>
+              </a:ext>
+            </a:extLst>
+          </p:cNvPr>
+          <p:cNvSpPr>
+            <a:spLocks noGrp="1"/>
+          </p:cNvSpPr>
+          <p:nvPr>
+            <p:ph type="sldNum" sz="quarter" idx="12"/>
+          </p:nvPr>
+        </p:nvSpPr>
+        <p:spPr/>
+        <p:txBody>
+          <a:bodyPr/>
+          <a:lstStyle/>
+          <a:p>
+            <a:fld id="{6D22F896-40B5-4ADD-8801-0D06FADFA095}" type="slidenum">
+              <a:rPr lang="en-US" smtClean="0"/>
+              <a:t>10</a:t>
+            </a:fld>
+            <a:endParaRPr lang="en-US" dirty="0"/>
+          </a:p>
+        </p:txBody>
+      </p:sp>
+    </p:spTree>
+    <p:extLst>
+      <p:ext uri="{BB962C8B-B14F-4D97-AF65-F5344CB8AC3E}">
+        <p14:creationId xmlns:p14="http://schemas.microsoft.com/office/powerpoint/2010/main" val="3231929460"/>
+      </p:ext>
+    </p:extLst>
+  </p:cSld>
+  <p:clrMapOvr>
+    <a:masterClrMapping/>
+  </p:clrMapOvr>
+</p:sld>
+</file>
+
+<file path=ppt/slides/slide11.xml><?xml version="1.0" encoding="utf-8"?>
+<p:sld xmlns:a="http://schemas.openxmlformats.org/drawingml/2006/main" xmlns:r="http://schemas.openxmlformats.org/officeDocument/2006/relationships" xmlns:p="http://schemas.openxmlformats.org/presentationml/2006/main">
+  <p:cSld>
+    <p:spTree>
+      <p:nvGrpSpPr>
+        <p:cNvPr id="1" name=""/>
+        <p:cNvGrpSpPr/>
+        <p:nvPr/>
+      </p:nvGrpSpPr>
+      <p:grpSpPr>
+        <a:xfrm>
+          <a:off x="0" y="0"/>
+          <a:ext cx="0" cy="0"/>
+          <a:chOff x="0" y="0"/>
+          <a:chExt cx="0" cy="0"/>
+        </a:xfrm>
+      </p:grpSpPr>
+      <p:sp>
+        <p:nvSpPr>
+          <p:cNvPr id="2" name="Titel 1">
+            <a:extLst>
+              <a:ext uri="{FF2B5EF4-FFF2-40B4-BE49-F238E27FC236}">
+                <a16:creationId xmlns:a16="http://schemas.microsoft.com/office/drawing/2014/main" id="{03FD57A2-14B8-4EE4-A02B-29DEF1978A65}"/>
+              </a:ext>
+            </a:extLst>
+          </p:cNvPr>
+          <p:cNvSpPr>
+            <a:spLocks noGrp="1"/>
+          </p:cNvSpPr>
+          <p:nvPr>
+            <p:ph type="title"/>
+          </p:nvPr>
+        </p:nvSpPr>
+        <p:spPr/>
+        <p:txBody>
+          <a:bodyPr/>
+          <a:lstStyle/>
+          <a:p>
+            <a:r>
+              <a:rPr lang="de-DE" dirty="0"/>
+              <a:t>Eigene Eindrücke</a:t>
+            </a:r>
+          </a:p>
+        </p:txBody>
+      </p:sp>
+      <p:sp>
+        <p:nvSpPr>
+          <p:cNvPr id="3" name="Inhaltsplatzhalter 2">
+            <a:extLst>
+              <a:ext uri="{FF2B5EF4-FFF2-40B4-BE49-F238E27FC236}">
+                <a16:creationId xmlns:a16="http://schemas.microsoft.com/office/drawing/2014/main" id="{A72392CE-DCDF-4855-9E88-365021A93C6C}"/>
+              </a:ext>
+            </a:extLst>
+          </p:cNvPr>
+          <p:cNvSpPr>
+            <a:spLocks noGrp="1"/>
+          </p:cNvSpPr>
+          <p:nvPr>
+            <p:ph idx="1"/>
+          </p:nvPr>
+        </p:nvSpPr>
+        <p:spPr/>
+        <p:txBody>
+          <a:bodyPr/>
+          <a:lstStyle/>
+          <a:p>
+            <a:endParaRPr lang="de-DE" dirty="0"/>
+          </a:p>
+        </p:txBody>
+      </p:sp>
+      <p:sp>
+        <p:nvSpPr>
+          <p:cNvPr id="4" name="Datumsplatzhalter 3">
+            <a:extLst>
+              <a:ext uri="{FF2B5EF4-FFF2-40B4-BE49-F238E27FC236}">
+                <a16:creationId xmlns:a16="http://schemas.microsoft.com/office/drawing/2014/main" id="{AAC72671-405C-4324-8617-159D7E4B4144}"/>
+              </a:ext>
+            </a:extLst>
+          </p:cNvPr>
+          <p:cNvSpPr>
+            <a:spLocks noGrp="1"/>
+          </p:cNvSpPr>
+          <p:nvPr>
+            <p:ph type="dt" sz="half" idx="10"/>
+          </p:nvPr>
+        </p:nvSpPr>
+        <p:spPr/>
+        <p:txBody>
+          <a:bodyPr/>
+          <a:lstStyle/>
+          <a:p>
+            <a:fld id="{AEE2B4A9-8F5E-4B84-8661-FDAE7821C466}" type="datetime1">
+              <a:rPr lang="de-DE" smtClean="0"/>
+              <a:t>03.12.2018</a:t>
+            </a:fld>
+            <a:endParaRPr lang="en-US" dirty="0"/>
+          </a:p>
+        </p:txBody>
+      </p:sp>
+      <p:sp>
+        <p:nvSpPr>
+          <p:cNvPr id="5" name="Fußzeilenplatzhalter 4">
+            <a:extLst>
+              <a:ext uri="{FF2B5EF4-FFF2-40B4-BE49-F238E27FC236}">
+                <a16:creationId xmlns:a16="http://schemas.microsoft.com/office/drawing/2014/main" id="{B32BF021-8C3F-4D6C-9960-69040C7827C0}"/>
+              </a:ext>
+            </a:extLst>
+          </p:cNvPr>
+          <p:cNvSpPr>
+            <a:spLocks noGrp="1"/>
+          </p:cNvSpPr>
+          <p:nvPr>
+            <p:ph type="ftr" sz="quarter" idx="11"/>
+          </p:nvPr>
+        </p:nvSpPr>
+        <p:spPr/>
+        <p:txBody>
+          <a:bodyPr/>
+          <a:lstStyle/>
+          <a:p>
+            <a:r>
+              <a:rPr lang="de-DE" dirty="0"/>
+              <a:t>Bosin, Espig, Lauenroth, Siefert, Techel</a:t>
+            </a:r>
+            <a:endParaRPr lang="en-US" dirty="0"/>
+          </a:p>
+        </p:txBody>
+      </p:sp>
+      <p:sp>
+        <p:nvSpPr>
+          <p:cNvPr id="6" name="Foliennummernplatzhalter 5">
+            <a:extLst>
+              <a:ext uri="{FF2B5EF4-FFF2-40B4-BE49-F238E27FC236}">
+                <a16:creationId xmlns:a16="http://schemas.microsoft.com/office/drawing/2014/main" id="{4F7659D2-FB7D-437D-AB9C-CF2D17066A96}"/>
+              </a:ext>
+            </a:extLst>
+          </p:cNvPr>
+          <p:cNvSpPr>
+            <a:spLocks noGrp="1"/>
+          </p:cNvSpPr>
+          <p:nvPr>
+            <p:ph type="sldNum" sz="quarter" idx="12"/>
+          </p:nvPr>
+        </p:nvSpPr>
+        <p:spPr/>
+        <p:txBody>
+          <a:bodyPr/>
+          <a:lstStyle/>
+          <a:p>
+            <a:fld id="{6D22F896-40B5-4ADD-8801-0D06FADFA095}" type="slidenum">
+              <a:rPr lang="en-US" smtClean="0"/>
+              <a:t>11</a:t>
+            </a:fld>
+            <a:endParaRPr lang="en-US" dirty="0"/>
+          </a:p>
+        </p:txBody>
+      </p:sp>
+    </p:spTree>
+    <p:extLst>
+      <p:ext uri="{BB962C8B-B14F-4D97-AF65-F5344CB8AC3E}">
+        <p14:creationId xmlns:p14="http://schemas.microsoft.com/office/powerpoint/2010/main" val="1140022867"/>
+      </p:ext>
+    </p:extLst>
+  </p:cSld>
+  <p:clrMapOvr>
+    <a:masterClrMapping/>
+  </p:clrMapOvr>
+</p:sld>
+</file>
+
 <file path=ppt/slides/slide2.xml><?xml version="1.0" encoding="utf-8"?>
 <p:sld xmlns:a="http://schemas.openxmlformats.org/drawingml/2006/main" xmlns:r="http://schemas.openxmlformats.org/officeDocument/2006/relationships" xmlns:p="http://schemas.openxmlformats.org/presentationml/2006/main">
   <p:cSld>
@@ -12947,14 +13296,13 @@
           <a:p>
             <a:r>
               <a:rPr lang="de-DE" dirty="0"/>
-              <a:t>Vorführung Projektstand (Spieler anmelden)</a:t>
+              <a:t>Vorführung Projektstand (Spieler anmelden</a:t>
             </a:r>
-          </a:p>
-          <a:p>
             <a:r>
-              <a:rPr lang="de-DE" dirty="0"/>
-              <a:t>Testprotokolle</a:t>
+              <a:rPr lang="de-DE" dirty="0" smtClean="0"/>
+              <a:t>)</a:t>
             </a:r>
+            <a:endParaRPr lang="de-DE" dirty="0"/>
           </a:p>
           <a:p>
             <a:r>
@@ -13305,7 +13653,30 @@
           <a:bodyPr/>
           <a:lstStyle/>
           <a:p>
-            <a:endParaRPr lang="de-DE"/>
+            <a:r>
+              <a:rPr lang="de-DE" dirty="0" smtClean="0"/>
+              <a:t>Anforderungsspezifikation</a:t>
+            </a:r>
+          </a:p>
+          <a:p>
+            <a:r>
+              <a:rPr lang="de-DE" dirty="0" smtClean="0"/>
+              <a:t>Fachliches Datenmodell</a:t>
+            </a:r>
+            <a:endParaRPr lang="de-DE" dirty="0"/>
+          </a:p>
+          <a:p>
+            <a:r>
+              <a:rPr lang="de-DE" dirty="0" smtClean="0"/>
+              <a:t>Architekturdokument</a:t>
+            </a:r>
+          </a:p>
+          <a:p>
+            <a:r>
+              <a:rPr lang="de-DE" dirty="0" smtClean="0"/>
+              <a:t>Testprotokolle</a:t>
+            </a:r>
+            <a:endParaRPr lang="de-DE" dirty="0"/>
           </a:p>
         </p:txBody>
       </p:sp>
@@ -13428,13 +13799,7 @@
       </p:grpSpPr>
       <p:sp>
         <p:nvSpPr>
-          <p:cNvPr id="2" name="Titel 1">
-            <a:extLst>
-              <a:ext uri="{FF2B5EF4-FFF2-40B4-BE49-F238E27FC236}">
-                <a16:creationId xmlns:a16="http://schemas.microsoft.com/office/drawing/2014/main" id="{88B74F27-9CBE-419F-A429-4D948C81C3BB}"/>
-              </a:ext>
-            </a:extLst>
-          </p:cNvPr>
+          <p:cNvPr id="2" name="Titel 1"/>
           <p:cNvSpPr>
             <a:spLocks noGrp="1"/>
           </p:cNvSpPr>
@@ -13448,21 +13813,16 @@
           <a:lstStyle/>
           <a:p>
             <a:r>
-              <a:rPr lang="de-DE" dirty="0"/>
-              <a:t>Projektstand</a:t>
+              <a:rPr lang="de-DE" dirty="0" smtClean="0"/>
+              <a:t>Anforderungsspezifikation</a:t>
             </a:r>
-          </a:p>
-        </p:txBody>
-      </p:sp>
-      <p:sp>
-        <p:nvSpPr>
-          <p:cNvPr id="3" name="Inhaltsplatzhalter 2">
-            <a:extLst>
-              <a:ext uri="{FF2B5EF4-FFF2-40B4-BE49-F238E27FC236}">
-                <a16:creationId xmlns:a16="http://schemas.microsoft.com/office/drawing/2014/main" id="{998602D6-0B61-45AF-B8CF-37D49DF8F6B0}"/>
-              </a:ext>
-            </a:extLst>
-          </p:cNvPr>
+            <a:endParaRPr lang="de-DE" dirty="0"/>
+          </a:p>
+        </p:txBody>
+      </p:sp>
+      <p:sp>
+        <p:nvSpPr>
+          <p:cNvPr id="3" name="Inhaltsplatzhalter 2"/>
           <p:cNvSpPr>
             <a:spLocks noGrp="1"/>
           </p:cNvSpPr>
@@ -13481,13 +13841,7 @@
       </p:sp>
       <p:sp>
         <p:nvSpPr>
-          <p:cNvPr id="4" name="Datumsplatzhalter 3">
-            <a:extLst>
-              <a:ext uri="{FF2B5EF4-FFF2-40B4-BE49-F238E27FC236}">
-                <a16:creationId xmlns:a16="http://schemas.microsoft.com/office/drawing/2014/main" id="{17CA8981-94D5-466D-86BA-414D50D3DA3C}"/>
-              </a:ext>
-            </a:extLst>
-          </p:cNvPr>
+          <p:cNvPr id="4" name="Datumsplatzhalter 3"/>
           <p:cNvSpPr>
             <a:spLocks noGrp="1"/>
           </p:cNvSpPr>
@@ -13500,7 +13854,7 @@
           <a:bodyPr/>
           <a:lstStyle/>
           <a:p>
-            <a:fld id="{5D7886D7-8107-45E6-97F3-CCD9494AACB9}" type="datetime1">
+            <a:fld id="{FF78DB55-C754-4AB2-B9F1-CF00D12F7BCC}" type="datetime1">
               <a:rPr lang="de-DE" smtClean="0"/>
               <a:t>03.12.2018</a:t>
             </a:fld>
@@ -13510,13 +13864,7 @@
       </p:sp>
       <p:sp>
         <p:nvSpPr>
-          <p:cNvPr id="5" name="Fußzeilenplatzhalter 4">
-            <a:extLst>
-              <a:ext uri="{FF2B5EF4-FFF2-40B4-BE49-F238E27FC236}">
-                <a16:creationId xmlns:a16="http://schemas.microsoft.com/office/drawing/2014/main" id="{51CD46FE-E2F8-4F36-9798-EA2C0B431472}"/>
-              </a:ext>
-            </a:extLst>
-          </p:cNvPr>
+          <p:cNvPr id="5" name="Fußzeilenplatzhalter 4"/>
           <p:cNvSpPr>
             <a:spLocks noGrp="1"/>
           </p:cNvSpPr>
@@ -13530,7 +13878,7 @@
           <a:lstStyle/>
           <a:p>
             <a:r>
-              <a:rPr lang="de-DE"/>
+              <a:rPr lang="de-DE" smtClean="0"/>
               <a:t>Bosin, Espig, Lauenroth, Siefert, Techel</a:t>
             </a:r>
             <a:endParaRPr lang="en-US" dirty="0"/>
@@ -13539,13 +13887,7 @@
       </p:sp>
       <p:sp>
         <p:nvSpPr>
-          <p:cNvPr id="6" name="Foliennummernplatzhalter 5">
-            <a:extLst>
-              <a:ext uri="{FF2B5EF4-FFF2-40B4-BE49-F238E27FC236}">
-                <a16:creationId xmlns:a16="http://schemas.microsoft.com/office/drawing/2014/main" id="{BE6718E8-5376-4C31-96DF-487D1C462FC1}"/>
-              </a:ext>
-            </a:extLst>
-          </p:cNvPr>
+          <p:cNvPr id="6" name="Foliennummernplatzhalter 5"/>
           <p:cNvSpPr>
             <a:spLocks noGrp="1"/>
           </p:cNvSpPr>
@@ -13569,7 +13911,7 @@
     </p:spTree>
     <p:extLst>
       <p:ext uri="{BB962C8B-B14F-4D97-AF65-F5344CB8AC3E}">
-        <p14:creationId xmlns:p14="http://schemas.microsoft.com/office/powerpoint/2010/main" val="1130107068"/>
+        <p14:creationId xmlns:p14="http://schemas.microsoft.com/office/powerpoint/2010/main" val="3187139348"/>
       </p:ext>
     </p:extLst>
   </p:cSld>
@@ -13598,13 +13940,7 @@
       </p:grpSpPr>
       <p:sp>
         <p:nvSpPr>
-          <p:cNvPr id="2" name="Titel 1">
-            <a:extLst>
-              <a:ext uri="{FF2B5EF4-FFF2-40B4-BE49-F238E27FC236}">
-                <a16:creationId xmlns:a16="http://schemas.microsoft.com/office/drawing/2014/main" id="{1C379F61-BCEA-496B-995A-3B4C7DB56E6E}"/>
-              </a:ext>
-            </a:extLst>
-          </p:cNvPr>
+          <p:cNvPr id="2" name="Titel 1"/>
           <p:cNvSpPr>
             <a:spLocks noGrp="1"/>
           </p:cNvSpPr>
@@ -13618,21 +13954,20 @@
           <a:lstStyle/>
           <a:p>
             <a:r>
-              <a:rPr lang="de-DE" dirty="0"/>
-              <a:t>Vorführung Projektstand</a:t>
+              <a:rPr lang="de-DE" dirty="0" smtClean="0"/>
+              <a:t>Fachliches </a:t>
             </a:r>
-          </a:p>
-        </p:txBody>
-      </p:sp>
-      <p:sp>
-        <p:nvSpPr>
-          <p:cNvPr id="3" name="Inhaltsplatzhalter 2">
-            <a:extLst>
-              <a:ext uri="{FF2B5EF4-FFF2-40B4-BE49-F238E27FC236}">
-                <a16:creationId xmlns:a16="http://schemas.microsoft.com/office/drawing/2014/main" id="{D22270B8-41F5-470C-B4EE-8587859F517A}"/>
-              </a:ext>
-            </a:extLst>
-          </p:cNvPr>
+            <a:r>
+              <a:rPr lang="de-DE" dirty="0" err="1" smtClean="0"/>
+              <a:t>DatenModell</a:t>
+            </a:r>
+            <a:endParaRPr lang="de-DE" dirty="0"/>
+          </a:p>
+        </p:txBody>
+      </p:sp>
+      <p:sp>
+        <p:nvSpPr>
+          <p:cNvPr id="3" name="Inhaltsplatzhalter 2"/>
           <p:cNvSpPr>
             <a:spLocks noGrp="1"/>
           </p:cNvSpPr>
@@ -13651,13 +13986,7 @@
       </p:sp>
       <p:sp>
         <p:nvSpPr>
-          <p:cNvPr id="4" name="Datumsplatzhalter 3">
-            <a:extLst>
-              <a:ext uri="{FF2B5EF4-FFF2-40B4-BE49-F238E27FC236}">
-                <a16:creationId xmlns:a16="http://schemas.microsoft.com/office/drawing/2014/main" id="{E0DA990B-59DC-46D5-ACD5-7DE03A5DC6DA}"/>
-              </a:ext>
-            </a:extLst>
-          </p:cNvPr>
+          <p:cNvPr id="4" name="Datumsplatzhalter 3"/>
           <p:cNvSpPr>
             <a:spLocks noGrp="1"/>
           </p:cNvSpPr>
@@ -13670,7 +13999,7 @@
           <a:bodyPr/>
           <a:lstStyle/>
           <a:p>
-            <a:fld id="{E1D1844E-27EB-425F-8EA3-7C4C4F30C79E}" type="datetime1">
+            <a:fld id="{FF78DB55-C754-4AB2-B9F1-CF00D12F7BCC}" type="datetime1">
               <a:rPr lang="de-DE" smtClean="0"/>
               <a:t>03.12.2018</a:t>
             </a:fld>
@@ -13680,13 +14009,7 @@
       </p:sp>
       <p:sp>
         <p:nvSpPr>
-          <p:cNvPr id="5" name="Fußzeilenplatzhalter 4">
-            <a:extLst>
-              <a:ext uri="{FF2B5EF4-FFF2-40B4-BE49-F238E27FC236}">
-                <a16:creationId xmlns:a16="http://schemas.microsoft.com/office/drawing/2014/main" id="{CB34AA42-14F1-4DAA-8526-0ADDB91776EA}"/>
-              </a:ext>
-            </a:extLst>
-          </p:cNvPr>
+          <p:cNvPr id="5" name="Fußzeilenplatzhalter 4"/>
           <p:cNvSpPr>
             <a:spLocks noGrp="1"/>
           </p:cNvSpPr>
@@ -13700,7 +14023,7 @@
           <a:lstStyle/>
           <a:p>
             <a:r>
-              <a:rPr lang="de-DE"/>
+              <a:rPr lang="de-DE" smtClean="0"/>
               <a:t>Bosin, Espig, Lauenroth, Siefert, Techel</a:t>
             </a:r>
             <a:endParaRPr lang="en-US" dirty="0"/>
@@ -13709,13 +14032,7 @@
       </p:sp>
       <p:sp>
         <p:nvSpPr>
-          <p:cNvPr id="6" name="Foliennummernplatzhalter 5">
-            <a:extLst>
-              <a:ext uri="{FF2B5EF4-FFF2-40B4-BE49-F238E27FC236}">
-                <a16:creationId xmlns:a16="http://schemas.microsoft.com/office/drawing/2014/main" id="{89613E97-9FFE-427F-8BC3-F0DE82C5149A}"/>
-              </a:ext>
-            </a:extLst>
-          </p:cNvPr>
+          <p:cNvPr id="6" name="Foliennummernplatzhalter 5"/>
           <p:cNvSpPr>
             <a:spLocks noGrp="1"/>
           </p:cNvSpPr>
@@ -13739,7 +14056,7 @@
     </p:spTree>
     <p:extLst>
       <p:ext uri="{BB962C8B-B14F-4D97-AF65-F5344CB8AC3E}">
-        <p14:creationId xmlns:p14="http://schemas.microsoft.com/office/powerpoint/2010/main" val="3231929460"/>
+        <p14:creationId xmlns:p14="http://schemas.microsoft.com/office/powerpoint/2010/main" val="2253824735"/>
       </p:ext>
     </p:extLst>
   </p:cSld>
@@ -13768,13 +14085,7 @@
       </p:grpSpPr>
       <p:sp>
         <p:nvSpPr>
-          <p:cNvPr id="2" name="Titel 1">
-            <a:extLst>
-              <a:ext uri="{FF2B5EF4-FFF2-40B4-BE49-F238E27FC236}">
-                <a16:creationId xmlns:a16="http://schemas.microsoft.com/office/drawing/2014/main" id="{B4D152A1-CE8D-4C1A-96EF-E089FC846801}"/>
-              </a:ext>
-            </a:extLst>
-          </p:cNvPr>
+          <p:cNvPr id="2" name="Titel 1"/>
           <p:cNvSpPr>
             <a:spLocks noGrp="1"/>
           </p:cNvSpPr>
@@ -13788,21 +14099,16 @@
           <a:lstStyle/>
           <a:p>
             <a:r>
-              <a:rPr lang="de-DE" dirty="0"/>
-              <a:t>Testprotokolle</a:t>
+              <a:rPr lang="de-DE" dirty="0" smtClean="0"/>
+              <a:t>Architekturdokument</a:t>
             </a:r>
-          </a:p>
-        </p:txBody>
-      </p:sp>
-      <p:sp>
-        <p:nvSpPr>
-          <p:cNvPr id="3" name="Inhaltsplatzhalter 2">
-            <a:extLst>
-              <a:ext uri="{FF2B5EF4-FFF2-40B4-BE49-F238E27FC236}">
-                <a16:creationId xmlns:a16="http://schemas.microsoft.com/office/drawing/2014/main" id="{021ECC26-7F01-4244-894E-634DF134F600}"/>
-              </a:ext>
-            </a:extLst>
-          </p:cNvPr>
+            <a:endParaRPr lang="de-DE" dirty="0"/>
+          </a:p>
+        </p:txBody>
+      </p:sp>
+      <p:sp>
+        <p:nvSpPr>
+          <p:cNvPr id="3" name="Inhaltsplatzhalter 2"/>
           <p:cNvSpPr>
             <a:spLocks noGrp="1"/>
           </p:cNvSpPr>
@@ -13821,13 +14127,7 @@
       </p:sp>
       <p:sp>
         <p:nvSpPr>
-          <p:cNvPr id="4" name="Datumsplatzhalter 3">
-            <a:extLst>
-              <a:ext uri="{FF2B5EF4-FFF2-40B4-BE49-F238E27FC236}">
-                <a16:creationId xmlns:a16="http://schemas.microsoft.com/office/drawing/2014/main" id="{D2DE94A1-17C0-48D1-8FAB-E25355A62BCE}"/>
-              </a:ext>
-            </a:extLst>
-          </p:cNvPr>
+          <p:cNvPr id="4" name="Datumsplatzhalter 3"/>
           <p:cNvSpPr>
             <a:spLocks noGrp="1"/>
           </p:cNvSpPr>
@@ -13840,7 +14140,7 @@
           <a:bodyPr/>
           <a:lstStyle/>
           <a:p>
-            <a:fld id="{16BBF690-EDEA-4878-8544-36D02AD65506}" type="datetime1">
+            <a:fld id="{FF78DB55-C754-4AB2-B9F1-CF00D12F7BCC}" type="datetime1">
               <a:rPr lang="de-DE" smtClean="0"/>
               <a:t>03.12.2018</a:t>
             </a:fld>
@@ -13850,13 +14150,7 @@
       </p:sp>
       <p:sp>
         <p:nvSpPr>
-          <p:cNvPr id="5" name="Fußzeilenplatzhalter 4">
-            <a:extLst>
-              <a:ext uri="{FF2B5EF4-FFF2-40B4-BE49-F238E27FC236}">
-                <a16:creationId xmlns:a16="http://schemas.microsoft.com/office/drawing/2014/main" id="{27D3DE53-672C-4016-A2BF-C5C0CA708938}"/>
-              </a:ext>
-            </a:extLst>
-          </p:cNvPr>
+          <p:cNvPr id="5" name="Fußzeilenplatzhalter 4"/>
           <p:cNvSpPr>
             <a:spLocks noGrp="1"/>
           </p:cNvSpPr>
@@ -13870,7 +14164,7 @@
           <a:lstStyle/>
           <a:p>
             <a:r>
-              <a:rPr lang="de-DE"/>
+              <a:rPr lang="de-DE" smtClean="0"/>
               <a:t>Bosin, Espig, Lauenroth, Siefert, Techel</a:t>
             </a:r>
             <a:endParaRPr lang="en-US" dirty="0"/>
@@ -13879,13 +14173,7 @@
       </p:sp>
       <p:sp>
         <p:nvSpPr>
-          <p:cNvPr id="6" name="Foliennummernplatzhalter 5">
-            <a:extLst>
-              <a:ext uri="{FF2B5EF4-FFF2-40B4-BE49-F238E27FC236}">
-                <a16:creationId xmlns:a16="http://schemas.microsoft.com/office/drawing/2014/main" id="{42D1B134-44D3-4475-89B3-F71CF8EE8DD5}"/>
-              </a:ext>
-            </a:extLst>
-          </p:cNvPr>
+          <p:cNvPr id="6" name="Foliennummernplatzhalter 5"/>
           <p:cNvSpPr>
             <a:spLocks noGrp="1"/>
           </p:cNvSpPr>
@@ -13909,7 +14197,7 @@
     </p:spTree>
     <p:extLst>
       <p:ext uri="{BB962C8B-B14F-4D97-AF65-F5344CB8AC3E}">
-        <p14:creationId xmlns:p14="http://schemas.microsoft.com/office/powerpoint/2010/main" val="152518024"/>
+        <p14:creationId xmlns:p14="http://schemas.microsoft.com/office/powerpoint/2010/main" val="1986882840"/>
       </p:ext>
     </p:extLst>
   </p:cSld>
@@ -13938,13 +14226,7 @@
       </p:grpSpPr>
       <p:sp>
         <p:nvSpPr>
-          <p:cNvPr id="2" name="Titel 1">
-            <a:extLst>
-              <a:ext uri="{FF2B5EF4-FFF2-40B4-BE49-F238E27FC236}">
-                <a16:creationId xmlns:a16="http://schemas.microsoft.com/office/drawing/2014/main" id="{03FD57A2-14B8-4EE4-A02B-29DEF1978A65}"/>
-              </a:ext>
-            </a:extLst>
-          </p:cNvPr>
+          <p:cNvPr id="2" name="Titel 1"/>
           <p:cNvSpPr>
             <a:spLocks noGrp="1"/>
           </p:cNvSpPr>
@@ -13958,21 +14240,16 @@
           <a:lstStyle/>
           <a:p>
             <a:r>
-              <a:rPr lang="de-DE" dirty="0"/>
-              <a:t>Eigene Eindrücke</a:t>
+              <a:rPr lang="de-DE" dirty="0" smtClean="0"/>
+              <a:t>Testprotokolle</a:t>
             </a:r>
-          </a:p>
-        </p:txBody>
-      </p:sp>
-      <p:sp>
-        <p:nvSpPr>
-          <p:cNvPr id="3" name="Inhaltsplatzhalter 2">
-            <a:extLst>
-              <a:ext uri="{FF2B5EF4-FFF2-40B4-BE49-F238E27FC236}">
-                <a16:creationId xmlns:a16="http://schemas.microsoft.com/office/drawing/2014/main" id="{A72392CE-DCDF-4855-9E88-365021A93C6C}"/>
-              </a:ext>
-            </a:extLst>
-          </p:cNvPr>
+            <a:endParaRPr lang="de-DE" dirty="0"/>
+          </a:p>
+        </p:txBody>
+      </p:sp>
+      <p:sp>
+        <p:nvSpPr>
+          <p:cNvPr id="3" name="Inhaltsplatzhalter 2"/>
           <p:cNvSpPr>
             <a:spLocks noGrp="1"/>
           </p:cNvSpPr>
@@ -13985,19 +14262,13 @@
           <a:bodyPr/>
           <a:lstStyle/>
           <a:p>
-            <a:endParaRPr lang="de-DE" dirty="0"/>
-          </a:p>
-        </p:txBody>
-      </p:sp>
-      <p:sp>
-        <p:nvSpPr>
-          <p:cNvPr id="4" name="Datumsplatzhalter 3">
-            <a:extLst>
-              <a:ext uri="{FF2B5EF4-FFF2-40B4-BE49-F238E27FC236}">
-                <a16:creationId xmlns:a16="http://schemas.microsoft.com/office/drawing/2014/main" id="{AAC72671-405C-4324-8617-159D7E4B4144}"/>
-              </a:ext>
-            </a:extLst>
-          </p:cNvPr>
+            <a:endParaRPr lang="de-DE"/>
+          </a:p>
+        </p:txBody>
+      </p:sp>
+      <p:sp>
+        <p:nvSpPr>
+          <p:cNvPr id="4" name="Datumsplatzhalter 3"/>
           <p:cNvSpPr>
             <a:spLocks noGrp="1"/>
           </p:cNvSpPr>
@@ -14010,7 +14281,7 @@
           <a:bodyPr/>
           <a:lstStyle/>
           <a:p>
-            <a:fld id="{AEE2B4A9-8F5E-4B84-8661-FDAE7821C466}" type="datetime1">
+            <a:fld id="{FF78DB55-C754-4AB2-B9F1-CF00D12F7BCC}" type="datetime1">
               <a:rPr lang="de-DE" smtClean="0"/>
               <a:t>03.12.2018</a:t>
             </a:fld>
@@ -14020,13 +14291,7 @@
       </p:sp>
       <p:sp>
         <p:nvSpPr>
-          <p:cNvPr id="5" name="Fußzeilenplatzhalter 4">
-            <a:extLst>
-              <a:ext uri="{FF2B5EF4-FFF2-40B4-BE49-F238E27FC236}">
-                <a16:creationId xmlns:a16="http://schemas.microsoft.com/office/drawing/2014/main" id="{B32BF021-8C3F-4D6C-9960-69040C7827C0}"/>
-              </a:ext>
-            </a:extLst>
-          </p:cNvPr>
+          <p:cNvPr id="5" name="Fußzeilenplatzhalter 4"/>
           <p:cNvSpPr>
             <a:spLocks noGrp="1"/>
           </p:cNvSpPr>
@@ -14040,7 +14305,7 @@
           <a:lstStyle/>
           <a:p>
             <a:r>
-              <a:rPr lang="de-DE" dirty="0"/>
+              <a:rPr lang="de-DE" smtClean="0"/>
               <a:t>Bosin, Espig, Lauenroth, Siefert, Techel</a:t>
             </a:r>
             <a:endParaRPr lang="en-US" dirty="0"/>
@@ -14049,13 +14314,7 @@
       </p:sp>
       <p:sp>
         <p:nvSpPr>
-          <p:cNvPr id="6" name="Foliennummernplatzhalter 5">
-            <a:extLst>
-              <a:ext uri="{FF2B5EF4-FFF2-40B4-BE49-F238E27FC236}">
-                <a16:creationId xmlns:a16="http://schemas.microsoft.com/office/drawing/2014/main" id="{4F7659D2-FB7D-437D-AB9C-CF2D17066A96}"/>
-              </a:ext>
-            </a:extLst>
-          </p:cNvPr>
+          <p:cNvPr id="6" name="Foliennummernplatzhalter 5"/>
           <p:cNvSpPr>
             <a:spLocks noGrp="1"/>
           </p:cNvSpPr>
@@ -14079,7 +14338,177 @@
     </p:spTree>
     <p:extLst>
       <p:ext uri="{BB962C8B-B14F-4D97-AF65-F5344CB8AC3E}">
-        <p14:creationId xmlns:p14="http://schemas.microsoft.com/office/powerpoint/2010/main" val="1140022867"/>
+        <p14:creationId xmlns:p14="http://schemas.microsoft.com/office/powerpoint/2010/main" val="4041166535"/>
+      </p:ext>
+    </p:extLst>
+  </p:cSld>
+  <p:clrMapOvr>
+    <a:masterClrMapping/>
+  </p:clrMapOvr>
+</p:sld>
+</file>
+
+<file path=ppt/slides/slide9.xml><?xml version="1.0" encoding="utf-8"?>
+<p:sld xmlns:a="http://schemas.openxmlformats.org/drawingml/2006/main" xmlns:r="http://schemas.openxmlformats.org/officeDocument/2006/relationships" xmlns:p="http://schemas.openxmlformats.org/presentationml/2006/main">
+  <p:cSld>
+    <p:spTree>
+      <p:nvGrpSpPr>
+        <p:cNvPr id="1" name=""/>
+        <p:cNvGrpSpPr/>
+        <p:nvPr/>
+      </p:nvGrpSpPr>
+      <p:grpSpPr>
+        <a:xfrm>
+          <a:off x="0" y="0"/>
+          <a:ext cx="0" cy="0"/>
+          <a:chOff x="0" y="0"/>
+          <a:chExt cx="0" cy="0"/>
+        </a:xfrm>
+      </p:grpSpPr>
+      <p:sp>
+        <p:nvSpPr>
+          <p:cNvPr id="2" name="Titel 1">
+            <a:extLst>
+              <a:ext uri="{FF2B5EF4-FFF2-40B4-BE49-F238E27FC236}">
+                <a16:creationId xmlns:a16="http://schemas.microsoft.com/office/drawing/2014/main" id="{88B74F27-9CBE-419F-A429-4D948C81C3BB}"/>
+              </a:ext>
+            </a:extLst>
+          </p:cNvPr>
+          <p:cNvSpPr>
+            <a:spLocks noGrp="1"/>
+          </p:cNvSpPr>
+          <p:nvPr>
+            <p:ph type="title"/>
+          </p:nvPr>
+        </p:nvSpPr>
+        <p:spPr/>
+        <p:txBody>
+          <a:bodyPr/>
+          <a:lstStyle/>
+          <a:p>
+            <a:r>
+              <a:rPr lang="de-DE" dirty="0"/>
+              <a:t>Projektstand</a:t>
+            </a:r>
+          </a:p>
+        </p:txBody>
+      </p:sp>
+      <p:sp>
+        <p:nvSpPr>
+          <p:cNvPr id="3" name="Inhaltsplatzhalter 2">
+            <a:extLst>
+              <a:ext uri="{FF2B5EF4-FFF2-40B4-BE49-F238E27FC236}">
+                <a16:creationId xmlns:a16="http://schemas.microsoft.com/office/drawing/2014/main" id="{998602D6-0B61-45AF-B8CF-37D49DF8F6B0}"/>
+              </a:ext>
+            </a:extLst>
+          </p:cNvPr>
+          <p:cNvSpPr>
+            <a:spLocks noGrp="1"/>
+          </p:cNvSpPr>
+          <p:nvPr>
+            <p:ph idx="1"/>
+          </p:nvPr>
+        </p:nvSpPr>
+        <p:spPr/>
+        <p:txBody>
+          <a:bodyPr/>
+          <a:lstStyle/>
+          <a:p>
+            <a:endParaRPr lang="de-DE"/>
+          </a:p>
+        </p:txBody>
+      </p:sp>
+      <p:sp>
+        <p:nvSpPr>
+          <p:cNvPr id="4" name="Datumsplatzhalter 3">
+            <a:extLst>
+              <a:ext uri="{FF2B5EF4-FFF2-40B4-BE49-F238E27FC236}">
+                <a16:creationId xmlns:a16="http://schemas.microsoft.com/office/drawing/2014/main" id="{17CA8981-94D5-466D-86BA-414D50D3DA3C}"/>
+              </a:ext>
+            </a:extLst>
+          </p:cNvPr>
+          <p:cNvSpPr>
+            <a:spLocks noGrp="1"/>
+          </p:cNvSpPr>
+          <p:nvPr>
+            <p:ph type="dt" sz="half" idx="10"/>
+          </p:nvPr>
+        </p:nvSpPr>
+        <p:spPr/>
+        <p:txBody>
+          <a:bodyPr/>
+          <a:lstStyle/>
+          <a:p>
+            <a:fld id="{5D7886D7-8107-45E6-97F3-CCD9494AACB9}" type="datetime1">
+              <a:rPr lang="de-DE" smtClean="0"/>
+              <a:t>03.12.2018</a:t>
+            </a:fld>
+            <a:endParaRPr lang="en-US" dirty="0"/>
+          </a:p>
+        </p:txBody>
+      </p:sp>
+      <p:sp>
+        <p:nvSpPr>
+          <p:cNvPr id="5" name="Fußzeilenplatzhalter 4">
+            <a:extLst>
+              <a:ext uri="{FF2B5EF4-FFF2-40B4-BE49-F238E27FC236}">
+                <a16:creationId xmlns:a16="http://schemas.microsoft.com/office/drawing/2014/main" id="{51CD46FE-E2F8-4F36-9798-EA2C0B431472}"/>
+              </a:ext>
+            </a:extLst>
+          </p:cNvPr>
+          <p:cNvSpPr>
+            <a:spLocks noGrp="1"/>
+          </p:cNvSpPr>
+          <p:nvPr>
+            <p:ph type="ftr" sz="quarter" idx="11"/>
+          </p:nvPr>
+        </p:nvSpPr>
+        <p:spPr/>
+        <p:txBody>
+          <a:bodyPr/>
+          <a:lstStyle/>
+          <a:p>
+            <a:r>
+              <a:rPr lang="de-DE"/>
+              <a:t>Bosin, Espig, Lauenroth, Siefert, Techel</a:t>
+            </a:r>
+            <a:endParaRPr lang="en-US" dirty="0"/>
+          </a:p>
+        </p:txBody>
+      </p:sp>
+      <p:sp>
+        <p:nvSpPr>
+          <p:cNvPr id="6" name="Foliennummernplatzhalter 5">
+            <a:extLst>
+              <a:ext uri="{FF2B5EF4-FFF2-40B4-BE49-F238E27FC236}">
+                <a16:creationId xmlns:a16="http://schemas.microsoft.com/office/drawing/2014/main" id="{BE6718E8-5376-4C31-96DF-487D1C462FC1}"/>
+              </a:ext>
+            </a:extLst>
+          </p:cNvPr>
+          <p:cNvSpPr>
+            <a:spLocks noGrp="1"/>
+          </p:cNvSpPr>
+          <p:nvPr>
+            <p:ph type="sldNum" sz="quarter" idx="12"/>
+          </p:nvPr>
+        </p:nvSpPr>
+        <p:spPr/>
+        <p:txBody>
+          <a:bodyPr/>
+          <a:lstStyle/>
+          <a:p>
+            <a:fld id="{6D22F896-40B5-4ADD-8801-0D06FADFA095}" type="slidenum">
+              <a:rPr lang="en-US" smtClean="0"/>
+              <a:t>9</a:t>
+            </a:fld>
+            <a:endParaRPr lang="en-US" dirty="0"/>
+          </a:p>
+        </p:txBody>
+      </p:sp>
+    </p:spTree>
+    <p:extLst>
+      <p:ext uri="{BB962C8B-B14F-4D97-AF65-F5344CB8AC3E}">
+        <p14:creationId xmlns:p14="http://schemas.microsoft.com/office/powerpoint/2010/main" val="1130107068"/>
       </p:ext>
     </p:extLst>
   </p:cSld>

--- a/Dokumente/02_Arbeitsbereich/01_Projekthandbuch/TouchDown Präsentation UniRisk.pptx
+++ b/Dokumente/02_Arbeitsbereich/01_Projekthandbuch/TouchDown Präsentation UniRisk.pptx
@@ -5,21 +5,23 @@
     <p:sldMasterId id="2147483686" r:id="rId1"/>
   </p:sldMasterIdLst>
   <p:notesMasterIdLst>
-    <p:notesMasterId r:id="rId14"/>
+    <p:notesMasterId r:id="rId16"/>
   </p:notesMasterIdLst>
   <p:sldIdLst>
     <p:sldId id="256" r:id="rId2"/>
     <p:sldId id="257" r:id="rId3"/>
     <p:sldId id="258" r:id="rId4"/>
     <p:sldId id="259" r:id="rId5"/>
-    <p:sldId id="268" r:id="rId6"/>
-    <p:sldId id="264" r:id="rId7"/>
-    <p:sldId id="265" r:id="rId8"/>
-    <p:sldId id="266" r:id="rId9"/>
-    <p:sldId id="267" r:id="rId10"/>
-    <p:sldId id="260" r:id="rId11"/>
-    <p:sldId id="261" r:id="rId12"/>
-    <p:sldId id="263" r:id="rId13"/>
+    <p:sldId id="271" r:id="rId6"/>
+    <p:sldId id="272" r:id="rId7"/>
+    <p:sldId id="273" r:id="rId8"/>
+    <p:sldId id="268" r:id="rId9"/>
+    <p:sldId id="264" r:id="rId10"/>
+    <p:sldId id="265" r:id="rId11"/>
+    <p:sldId id="266" r:id="rId12"/>
+    <p:sldId id="267" r:id="rId13"/>
+    <p:sldId id="260" r:id="rId14"/>
+    <p:sldId id="269" r:id="rId15"/>
   </p:sldIdLst>
   <p:sldSz cx="12192000" cy="6858000"/>
   <p:notesSz cx="6858000" cy="9144000"/>
@@ -127,14 +129,16 @@
             <p14:sldId id="257"/>
             <p14:sldId id="258"/>
             <p14:sldId id="259"/>
+            <p14:sldId id="271"/>
+            <p14:sldId id="272"/>
+            <p14:sldId id="273"/>
             <p14:sldId id="268"/>
             <p14:sldId id="264"/>
             <p14:sldId id="265"/>
             <p14:sldId id="266"/>
             <p14:sldId id="267"/>
             <p14:sldId id="260"/>
-            <p14:sldId id="261"/>
-            <p14:sldId id="263"/>
+            <p14:sldId id="269"/>
           </p14:sldIdLst>
         </p14:section>
       </p14:sectionLst>
@@ -4228,6 +4232,14 @@
 <file path=ppt/slides/slide1.xml><?xml version="1.0" encoding="utf-8"?>
 <p:sld xmlns:a="http://schemas.openxmlformats.org/drawingml/2006/main" xmlns:r="http://schemas.openxmlformats.org/officeDocument/2006/relationships" xmlns:p="http://schemas.openxmlformats.org/presentationml/2006/main">
   <p:cSld>
+    <p:bg>
+      <p:bgPr>
+        <a:solidFill>
+          <a:schemeClr val="bg1"/>
+        </a:solidFill>
+        <a:effectLst/>
+      </p:bgPr>
+    </p:bg>
     <p:spTree>
       <p:nvGrpSpPr>
         <p:cNvPr id="1" name=""/>
@@ -4242,6 +4254,66 @@
           <a:chExt cx="0" cy="0"/>
         </a:xfrm>
       </p:grpSpPr>
+      <p:sp useBgFill="1">
+        <p:nvSpPr>
+          <p:cNvPr id="15" name="Rectangle 7">
+            <a:extLst>
+              <a:ext uri="{FF2B5EF4-FFF2-40B4-BE49-F238E27FC236}">
+                <a16:creationId xmlns:a16="http://schemas.microsoft.com/office/drawing/2014/main" id="{8C6E698C-8155-4B8B-BDC9-B7299772B509}"/>
+              </a:ext>
+              <a:ext uri="{C183D7F6-B498-43B3-948B-1728B52AA6E4}">
+                <adec:decorative xmlns:adec="http://schemas.microsoft.com/office/drawing/2017/decorative" val="1"/>
+              </a:ext>
+            </a:extLst>
+          </p:cNvPr>
+          <p:cNvSpPr>
+            <a:spLocks noGrp="1" noRot="1" noChangeAspect="1" noMove="1" noResize="1" noEditPoints="1" noAdjustHandles="1" noChangeArrowheads="1" noChangeShapeType="1" noTextEdit="1"/>
+          </p:cNvSpPr>
+          <p:nvPr>
+            <p:extLst>
+              <p:ext uri="{386F3935-93C4-4BCD-93E2-E3B085C9AB24}">
+                <p16:designElem xmlns:p16="http://schemas.microsoft.com/office/powerpoint/2015/main" val="1"/>
+              </p:ext>
+            </p:extLst>
+          </p:nvPr>
+        </p:nvSpPr>
+        <p:spPr>
+          <a:xfrm>
+            <a:off x="0" y="0"/>
+            <a:ext cx="12188952" cy="6858000"/>
+          </a:xfrm>
+          <a:prstGeom prst="rect">
+            <a:avLst/>
+          </a:prstGeom>
+          <a:ln>
+            <a:noFill/>
+          </a:ln>
+        </p:spPr>
+        <p:style>
+          <a:lnRef idx="2">
+            <a:schemeClr val="accent1">
+              <a:shade val="50000"/>
+            </a:schemeClr>
+          </a:lnRef>
+          <a:fillRef idx="1">
+            <a:schemeClr val="accent1"/>
+          </a:fillRef>
+          <a:effectRef idx="0">
+            <a:schemeClr val="accent1"/>
+          </a:effectRef>
+          <a:fontRef idx="minor">
+            <a:schemeClr val="lt1"/>
+          </a:fontRef>
+        </p:style>
+        <p:txBody>
+          <a:bodyPr rtlCol="0" anchor="ctr"/>
+          <a:lstStyle/>
+          <a:p>
+            <a:pPr algn="ctr"/>
+            <a:endParaRPr lang="en-US"/>
+          </a:p>
+        </p:txBody>
+      </p:sp>
       <p:sp>
         <p:nvSpPr>
           <p:cNvPr id="2" name="Titel 1">
@@ -4258,14 +4330,22 @@
             <p:ph type="ctrTitle"/>
           </p:nvPr>
         </p:nvSpPr>
-        <p:spPr/>
-        <p:txBody>
-          <a:bodyPr/>
-          <a:lstStyle/>
-          <a:p>
+        <p:spPr>
+          <a:xfrm>
+            <a:off x="965201" y="643467"/>
+            <a:ext cx="6255026" cy="5054008"/>
+          </a:xfrm>
+        </p:spPr>
+        <p:txBody>
+          <a:bodyPr anchor="ctr">
+            <a:normAutofit/>
+          </a:bodyPr>
+          <a:lstStyle/>
+          <a:p>
+            <a:pPr algn="r"/>
             <a:r>
               <a:rPr lang="de-DE" dirty="0"/>
-              <a:t>Touch Down UniRisk</a:t>
+              <a:t>Touch Down -  UniRisk</a:t>
             </a:r>
           </a:p>
         </p:txBody>
@@ -4286,9 +4366,16 @@
             <p:ph type="subTitle" idx="1"/>
           </p:nvPr>
         </p:nvSpPr>
-        <p:spPr/>
-        <p:txBody>
-          <a:bodyPr/>
+        <p:spPr>
+          <a:xfrm>
+            <a:off x="7870995" y="643467"/>
+            <a:ext cx="3341488" cy="5054008"/>
+          </a:xfrm>
+        </p:spPr>
+        <p:txBody>
+          <a:bodyPr anchor="ctr">
+            <a:normAutofit/>
+          </a:bodyPr>
           <a:lstStyle/>
           <a:p>
             <a:r>
@@ -4297,6 +4384,168 @@
             </a:r>
           </a:p>
         </p:txBody>
+      </p:sp>
+      <p:cxnSp>
+        <p:nvCxnSpPr>
+          <p:cNvPr id="16" name="Straight Connector 9">
+            <a:extLst>
+              <a:ext uri="{FF2B5EF4-FFF2-40B4-BE49-F238E27FC236}">
+                <a16:creationId xmlns:a16="http://schemas.microsoft.com/office/drawing/2014/main" id="{09525C9A-1972-4836-BA7A-706C946EF4DA}"/>
+              </a:ext>
+              <a:ext uri="{C183D7F6-B498-43B3-948B-1728B52AA6E4}">
+                <adec:decorative xmlns:adec="http://schemas.microsoft.com/office/drawing/2017/decorative" val="1"/>
+              </a:ext>
+            </a:extLst>
+          </p:cNvPr>
+          <p:cNvCxnSpPr>
+            <a:cxnSpLocks noGrp="1" noRot="1" noChangeAspect="1" noMove="1" noResize="1" noEditPoints="1" noAdjustHandles="1" noChangeArrowheads="1" noChangeShapeType="1"/>
+          </p:cNvCxnSpPr>
+          <p:nvPr>
+            <p:extLst>
+              <p:ext uri="{386F3935-93C4-4BCD-93E2-E3B085C9AB24}">
+                <p16:designElem xmlns:p16="http://schemas.microsoft.com/office/powerpoint/2015/main" val="1"/>
+              </p:ext>
+            </p:extLst>
+          </p:nvPr>
+        </p:nvCxnSpPr>
+        <p:spPr>
+          <a:xfrm>
+            <a:off x="7534656" y="1391367"/>
+            <a:ext cx="0" cy="3558208"/>
+          </a:xfrm>
+          <a:prstGeom prst="line">
+            <a:avLst/>
+          </a:prstGeom>
+          <a:ln>
+            <a:solidFill>
+              <a:schemeClr val="tx2"/>
+            </a:solidFill>
+          </a:ln>
+        </p:spPr>
+        <p:style>
+          <a:lnRef idx="1">
+            <a:schemeClr val="accent1"/>
+          </a:lnRef>
+          <a:fillRef idx="0">
+            <a:schemeClr val="accent1"/>
+          </a:fillRef>
+          <a:effectRef idx="0">
+            <a:schemeClr val="accent1"/>
+          </a:effectRef>
+          <a:fontRef idx="minor">
+            <a:schemeClr val="tx1"/>
+          </a:fontRef>
+        </p:style>
+      </p:cxnSp>
+      <p:sp>
+        <p:nvSpPr>
+          <p:cNvPr id="17" name="Rectangle 11">
+            <a:extLst>
+              <a:ext uri="{FF2B5EF4-FFF2-40B4-BE49-F238E27FC236}">
+                <a16:creationId xmlns:a16="http://schemas.microsoft.com/office/drawing/2014/main" id="{8A549DE7-671D-4575-AF43-858FD99981CF}"/>
+              </a:ext>
+              <a:ext uri="{C183D7F6-B498-43B3-948B-1728B52AA6E4}">
+                <adec:decorative xmlns:adec="http://schemas.microsoft.com/office/drawing/2017/decorative" val="1"/>
+              </a:ext>
+            </a:extLst>
+          </p:cNvPr>
+          <p:cNvSpPr>
+            <a:spLocks noGrp="1" noRot="1" noChangeAspect="1" noMove="1" noResize="1" noEditPoints="1" noAdjustHandles="1" noChangeArrowheads="1" noChangeShapeType="1" noTextEdit="1"/>
+          </p:cNvSpPr>
+          <p:nvPr>
+            <p:extLst>
+              <p:ext uri="{386F3935-93C4-4BCD-93E2-E3B085C9AB24}">
+                <p16:designElem xmlns:p16="http://schemas.microsoft.com/office/powerpoint/2015/main" val="1"/>
+              </p:ext>
+            </p:extLst>
+          </p:nvPr>
+        </p:nvSpPr>
+        <p:spPr>
+          <a:xfrm>
+            <a:off x="3175" y="6400800"/>
+            <a:ext cx="12188825" cy="457200"/>
+          </a:xfrm>
+          <a:prstGeom prst="rect">
+            <a:avLst/>
+          </a:prstGeom>
+          <a:solidFill>
+            <a:schemeClr val="accent2"/>
+          </a:solidFill>
+          <a:ln>
+            <a:noFill/>
+          </a:ln>
+        </p:spPr>
+        <p:style>
+          <a:lnRef idx="2">
+            <a:schemeClr val="accent1">
+              <a:shade val="50000"/>
+            </a:schemeClr>
+          </a:lnRef>
+          <a:fillRef idx="1">
+            <a:schemeClr val="accent1"/>
+          </a:fillRef>
+          <a:effectRef idx="0">
+            <a:schemeClr val="accent1"/>
+          </a:effectRef>
+          <a:fontRef idx="minor">
+            <a:schemeClr val="lt1"/>
+          </a:fontRef>
+        </p:style>
+      </p:sp>
+      <p:sp>
+        <p:nvSpPr>
+          <p:cNvPr id="14" name="Rectangle 13">
+            <a:extLst>
+              <a:ext uri="{FF2B5EF4-FFF2-40B4-BE49-F238E27FC236}">
+                <a16:creationId xmlns:a16="http://schemas.microsoft.com/office/drawing/2014/main" id="{C22D9B36-9BE7-472B-8808-7E0D6810738F}"/>
+              </a:ext>
+              <a:ext uri="{C183D7F6-B498-43B3-948B-1728B52AA6E4}">
+                <adec:decorative xmlns:adec="http://schemas.microsoft.com/office/drawing/2017/decorative" val="1"/>
+              </a:ext>
+            </a:extLst>
+          </p:cNvPr>
+          <p:cNvSpPr>
+            <a:spLocks noGrp="1" noRot="1" noChangeAspect="1" noMove="1" noResize="1" noEditPoints="1" noAdjustHandles="1" noChangeArrowheads="1" noChangeShapeType="1" noTextEdit="1"/>
+          </p:cNvSpPr>
+          <p:nvPr>
+            <p:extLst>
+              <p:ext uri="{386F3935-93C4-4BCD-93E2-E3B085C9AB24}">
+                <p16:designElem xmlns:p16="http://schemas.microsoft.com/office/powerpoint/2015/main" val="1"/>
+              </p:ext>
+            </p:extLst>
+          </p:nvPr>
+        </p:nvSpPr>
+        <p:spPr>
+          <a:xfrm>
+            <a:off x="15" y="6340942"/>
+            <a:ext cx="12188825" cy="64008"/>
+          </a:xfrm>
+          <a:prstGeom prst="rect">
+            <a:avLst/>
+          </a:prstGeom>
+          <a:solidFill>
+            <a:schemeClr val="accent1"/>
+          </a:solidFill>
+          <a:ln>
+            <a:noFill/>
+          </a:ln>
+        </p:spPr>
+        <p:style>
+          <a:lnRef idx="2">
+            <a:schemeClr val="accent1">
+              <a:shade val="50000"/>
+            </a:schemeClr>
+          </a:lnRef>
+          <a:fillRef idx="1">
+            <a:schemeClr val="accent1"/>
+          </a:fillRef>
+          <a:effectRef idx="0">
+            <a:schemeClr val="accent1"/>
+          </a:effectRef>
+          <a:fontRef idx="minor">
+            <a:schemeClr val="lt1"/>
+          </a:fontRef>
+        </p:style>
       </p:sp>
     </p:spTree>
     <p:extLst>
@@ -4330,13 +4579,7 @@
       </p:grpSpPr>
       <p:sp>
         <p:nvSpPr>
-          <p:cNvPr id="2" name="Titel 1">
-            <a:extLst>
-              <a:ext uri="{FF2B5EF4-FFF2-40B4-BE49-F238E27FC236}">
-                <a16:creationId xmlns:a16="http://schemas.microsoft.com/office/drawing/2014/main" id="{88B74F27-9CBE-419F-A429-4D948C81C3BB}"/>
-              </a:ext>
-            </a:extLst>
-          </p:cNvPr>
+          <p:cNvPr id="2" name="Titel 1"/>
           <p:cNvSpPr>
             <a:spLocks noGrp="1"/>
           </p:cNvSpPr>
@@ -4347,7 +4590,7 @@
         <p:spPr>
           <a:xfrm>
             <a:off x="1141413" y="618518"/>
-            <a:ext cx="9905998" cy="669106"/>
+            <a:ext cx="9905998" cy="650445"/>
           </a:xfrm>
         </p:spPr>
         <p:txBody>
@@ -4358,58 +4601,56 @@
           <a:p>
             <a:r>
               <a:rPr lang="de-DE" dirty="0"/>
-              <a:t>Projektstand</a:t>
-            </a:r>
-          </a:p>
-        </p:txBody>
-      </p:sp>
-      <p:sp>
-        <p:nvSpPr>
-          <p:cNvPr id="3" name="Inhaltsplatzhalter 2">
+              <a:t>Fachliches Datenmodell</a:t>
+            </a:r>
+          </a:p>
+        </p:txBody>
+      </p:sp>
+      <p:pic>
+        <p:nvPicPr>
+          <p:cNvPr id="8" name="Inhaltsplatzhalter 7">
             <a:extLst>
               <a:ext uri="{FF2B5EF4-FFF2-40B4-BE49-F238E27FC236}">
-                <a16:creationId xmlns:a16="http://schemas.microsoft.com/office/drawing/2014/main" id="{998602D6-0B61-45AF-B8CF-37D49DF8F6B0}"/>
+                <a16:creationId xmlns:a16="http://schemas.microsoft.com/office/drawing/2014/main" id="{80C75481-0B0E-4AD0-866D-94B4CD7E8FFA}"/>
               </a:ext>
             </a:extLst>
           </p:cNvPr>
-          <p:cNvSpPr>
-            <a:spLocks noGrp="1"/>
-          </p:cNvSpPr>
+          <p:cNvPicPr>
+            <a:picLocks noGrp="1" noChangeAspect="1"/>
+          </p:cNvPicPr>
           <p:nvPr>
             <p:ph idx="1"/>
           </p:nvPr>
+        </p:nvPicPr>
+        <p:blipFill>
+          <a:blip r:embed="rId2"/>
+          <a:stretch>
+            <a:fillRect/>
+          </a:stretch>
+        </p:blipFill>
+        <p:spPr>
+          <a:xfrm>
+            <a:off x="2057363" y="1792288"/>
+            <a:ext cx="8074098" cy="4309932"/>
+          </a:xfrm>
+        </p:spPr>
+      </p:pic>
+      <p:sp>
+        <p:nvSpPr>
+          <p:cNvPr id="4" name="Datumsplatzhalter 3"/>
+          <p:cNvSpPr>
+            <a:spLocks noGrp="1"/>
+          </p:cNvSpPr>
+          <p:nvPr>
+            <p:ph type="dt" sz="half" idx="10"/>
+          </p:nvPr>
         </p:nvSpPr>
         <p:spPr/>
         <p:txBody>
           <a:bodyPr/>
           <a:lstStyle/>
           <a:p>
-            <a:endParaRPr lang="de-DE" dirty="0"/>
-          </a:p>
-        </p:txBody>
-      </p:sp>
-      <p:sp>
-        <p:nvSpPr>
-          <p:cNvPr id="4" name="Datumsplatzhalter 3">
-            <a:extLst>
-              <a:ext uri="{FF2B5EF4-FFF2-40B4-BE49-F238E27FC236}">
-                <a16:creationId xmlns:a16="http://schemas.microsoft.com/office/drawing/2014/main" id="{17CA8981-94D5-466D-86BA-414D50D3DA3C}"/>
-              </a:ext>
-            </a:extLst>
-          </p:cNvPr>
-          <p:cNvSpPr>
-            <a:spLocks noGrp="1"/>
-          </p:cNvSpPr>
-          <p:nvPr>
-            <p:ph type="dt" sz="half" idx="10"/>
-          </p:nvPr>
-        </p:nvSpPr>
-        <p:spPr/>
-        <p:txBody>
-          <a:bodyPr/>
-          <a:lstStyle/>
-          <a:p>
-            <a:fld id="{5D7886D7-8107-45E6-97F3-CCD9494AACB9}" type="datetime1">
+            <a:fld id="{FF78DB55-C754-4AB2-B9F1-CF00D12F7BCC}" type="datetime1">
               <a:rPr lang="de-DE" smtClean="0"/>
               <a:t>04.12.2018</a:t>
             </a:fld>
@@ -4419,13 +4660,7 @@
       </p:sp>
       <p:sp>
         <p:nvSpPr>
-          <p:cNvPr id="5" name="Fußzeilenplatzhalter 4">
-            <a:extLst>
-              <a:ext uri="{FF2B5EF4-FFF2-40B4-BE49-F238E27FC236}">
-                <a16:creationId xmlns:a16="http://schemas.microsoft.com/office/drawing/2014/main" id="{51CD46FE-E2F8-4F36-9798-EA2C0B431472}"/>
-              </a:ext>
-            </a:extLst>
-          </p:cNvPr>
+          <p:cNvPr id="5" name="Fußzeilenplatzhalter 4"/>
           <p:cNvSpPr>
             <a:spLocks noGrp="1"/>
           </p:cNvSpPr>
@@ -4448,13 +4683,7 @@
       </p:sp>
       <p:sp>
         <p:nvSpPr>
-          <p:cNvPr id="6" name="Foliennummernplatzhalter 5">
-            <a:extLst>
-              <a:ext uri="{FF2B5EF4-FFF2-40B4-BE49-F238E27FC236}">
-                <a16:creationId xmlns:a16="http://schemas.microsoft.com/office/drawing/2014/main" id="{BE6718E8-5376-4C31-96DF-487D1C462FC1}"/>
-              </a:ext>
-            </a:extLst>
-          </p:cNvPr>
+          <p:cNvPr id="6" name="Foliennummernplatzhalter 5"/>
           <p:cNvSpPr>
             <a:spLocks noGrp="1"/>
           </p:cNvSpPr>
@@ -4478,7 +4707,7 @@
     </p:spTree>
     <p:extLst>
       <p:ext uri="{BB962C8B-B14F-4D97-AF65-F5344CB8AC3E}">
-        <p14:creationId xmlns:p14="http://schemas.microsoft.com/office/powerpoint/2010/main" val="1130107068"/>
+        <p14:creationId xmlns:p14="http://schemas.microsoft.com/office/powerpoint/2010/main" val="2253824735"/>
       </p:ext>
     </p:extLst>
   </p:cSld>
@@ -4507,13 +4736,7 @@
       </p:grpSpPr>
       <p:sp>
         <p:nvSpPr>
-          <p:cNvPr id="2" name="Titel 1">
-            <a:extLst>
-              <a:ext uri="{FF2B5EF4-FFF2-40B4-BE49-F238E27FC236}">
-                <a16:creationId xmlns:a16="http://schemas.microsoft.com/office/drawing/2014/main" id="{1C379F61-BCEA-496B-995A-3B4C7DB56E6E}"/>
-              </a:ext>
-            </a:extLst>
-          </p:cNvPr>
+          <p:cNvPr id="2" name="Titel 1"/>
           <p:cNvSpPr>
             <a:spLocks noGrp="1"/>
           </p:cNvSpPr>
@@ -4524,7 +4747,7 @@
         <p:spPr>
           <a:xfrm>
             <a:off x="1141413" y="618518"/>
-            <a:ext cx="9905998" cy="678437"/>
+            <a:ext cx="9905998" cy="706429"/>
           </a:xfrm>
         </p:spPr>
         <p:txBody>
@@ -4535,58 +4758,56 @@
           <a:p>
             <a:r>
               <a:rPr lang="de-DE" dirty="0"/>
-              <a:t>Vorführung Projektstand</a:t>
-            </a:r>
-          </a:p>
-        </p:txBody>
-      </p:sp>
-      <p:sp>
-        <p:nvSpPr>
-          <p:cNvPr id="3" name="Inhaltsplatzhalter 2">
+              <a:t>Architekturdokument</a:t>
+            </a:r>
+          </a:p>
+        </p:txBody>
+      </p:sp>
+      <p:pic>
+        <p:nvPicPr>
+          <p:cNvPr id="8" name="Inhaltsplatzhalter 7">
             <a:extLst>
               <a:ext uri="{FF2B5EF4-FFF2-40B4-BE49-F238E27FC236}">
-                <a16:creationId xmlns:a16="http://schemas.microsoft.com/office/drawing/2014/main" id="{D22270B8-41F5-470C-B4EE-8587859F517A}"/>
+                <a16:creationId xmlns:a16="http://schemas.microsoft.com/office/drawing/2014/main" id="{AE76C21F-AC56-4D3A-8853-B06AEB0F4E61}"/>
               </a:ext>
             </a:extLst>
           </p:cNvPr>
-          <p:cNvSpPr>
-            <a:spLocks noGrp="1"/>
-          </p:cNvSpPr>
+          <p:cNvPicPr>
+            <a:picLocks noGrp="1" noChangeAspect="1"/>
+          </p:cNvPicPr>
           <p:nvPr>
             <p:ph idx="1"/>
           </p:nvPr>
+        </p:nvPicPr>
+        <p:blipFill>
+          <a:blip r:embed="rId2"/>
+          <a:stretch>
+            <a:fillRect/>
+          </a:stretch>
+        </p:blipFill>
+        <p:spPr>
+          <a:xfrm>
+            <a:off x="2452404" y="1202005"/>
+            <a:ext cx="7287192" cy="4953502"/>
+          </a:xfrm>
+        </p:spPr>
+      </p:pic>
+      <p:sp>
+        <p:nvSpPr>
+          <p:cNvPr id="4" name="Datumsplatzhalter 3"/>
+          <p:cNvSpPr>
+            <a:spLocks noGrp="1"/>
+          </p:cNvSpPr>
+          <p:nvPr>
+            <p:ph type="dt" sz="half" idx="10"/>
+          </p:nvPr>
         </p:nvSpPr>
         <p:spPr/>
         <p:txBody>
           <a:bodyPr/>
           <a:lstStyle/>
           <a:p>
-            <a:endParaRPr lang="de-DE"/>
-          </a:p>
-        </p:txBody>
-      </p:sp>
-      <p:sp>
-        <p:nvSpPr>
-          <p:cNvPr id="4" name="Datumsplatzhalter 3">
-            <a:extLst>
-              <a:ext uri="{FF2B5EF4-FFF2-40B4-BE49-F238E27FC236}">
-                <a16:creationId xmlns:a16="http://schemas.microsoft.com/office/drawing/2014/main" id="{E0DA990B-59DC-46D5-ACD5-7DE03A5DC6DA}"/>
-              </a:ext>
-            </a:extLst>
-          </p:cNvPr>
-          <p:cNvSpPr>
-            <a:spLocks noGrp="1"/>
-          </p:cNvSpPr>
-          <p:nvPr>
-            <p:ph type="dt" sz="half" idx="10"/>
-          </p:nvPr>
-        </p:nvSpPr>
-        <p:spPr/>
-        <p:txBody>
-          <a:bodyPr/>
-          <a:lstStyle/>
-          <a:p>
-            <a:fld id="{E1D1844E-27EB-425F-8EA3-7C4C4F30C79E}" type="datetime1">
+            <a:fld id="{FF78DB55-C754-4AB2-B9F1-CF00D12F7BCC}" type="datetime1">
               <a:rPr lang="de-DE" smtClean="0"/>
               <a:t>04.12.2018</a:t>
             </a:fld>
@@ -4596,13 +4817,7 @@
       </p:sp>
       <p:sp>
         <p:nvSpPr>
-          <p:cNvPr id="5" name="Fußzeilenplatzhalter 4">
-            <a:extLst>
-              <a:ext uri="{FF2B5EF4-FFF2-40B4-BE49-F238E27FC236}">
-                <a16:creationId xmlns:a16="http://schemas.microsoft.com/office/drawing/2014/main" id="{CB34AA42-14F1-4DAA-8526-0ADDB91776EA}"/>
-              </a:ext>
-            </a:extLst>
-          </p:cNvPr>
+          <p:cNvPr id="5" name="Fußzeilenplatzhalter 4"/>
           <p:cNvSpPr>
             <a:spLocks noGrp="1"/>
           </p:cNvSpPr>
@@ -4625,13 +4840,7 @@
       </p:sp>
       <p:sp>
         <p:nvSpPr>
-          <p:cNvPr id="6" name="Foliennummernplatzhalter 5">
-            <a:extLst>
-              <a:ext uri="{FF2B5EF4-FFF2-40B4-BE49-F238E27FC236}">
-                <a16:creationId xmlns:a16="http://schemas.microsoft.com/office/drawing/2014/main" id="{89613E97-9FFE-427F-8BC3-F0DE82C5149A}"/>
-              </a:ext>
-            </a:extLst>
-          </p:cNvPr>
+          <p:cNvPr id="6" name="Foliennummernplatzhalter 5"/>
           <p:cNvSpPr>
             <a:spLocks noGrp="1"/>
           </p:cNvSpPr>
@@ -4655,7 +4864,7 @@
     </p:spTree>
     <p:extLst>
       <p:ext uri="{BB962C8B-B14F-4D97-AF65-F5344CB8AC3E}">
-        <p14:creationId xmlns:p14="http://schemas.microsoft.com/office/powerpoint/2010/main" val="3231929460"/>
+        <p14:creationId xmlns:p14="http://schemas.microsoft.com/office/powerpoint/2010/main" val="1986882840"/>
       </p:ext>
     </p:extLst>
   </p:cSld>
@@ -4684,13 +4893,7 @@
       </p:grpSpPr>
       <p:sp>
         <p:nvSpPr>
-          <p:cNvPr id="2" name="Titel 1">
-            <a:extLst>
-              <a:ext uri="{FF2B5EF4-FFF2-40B4-BE49-F238E27FC236}">
-                <a16:creationId xmlns:a16="http://schemas.microsoft.com/office/drawing/2014/main" id="{03FD57A2-14B8-4EE4-A02B-29DEF1978A65}"/>
-              </a:ext>
-            </a:extLst>
-          </p:cNvPr>
+          <p:cNvPr id="2" name="Titel 1"/>
           <p:cNvSpPr>
             <a:spLocks noGrp="1"/>
           </p:cNvSpPr>
@@ -4701,7 +4904,7 @@
         <p:spPr>
           <a:xfrm>
             <a:off x="1141413" y="618518"/>
-            <a:ext cx="9905998" cy="641115"/>
+            <a:ext cx="9905998" cy="678437"/>
           </a:xfrm>
         </p:spPr>
         <p:txBody>
@@ -4712,20 +4915,14 @@
           <a:p>
             <a:r>
               <a:rPr lang="de-DE" dirty="0"/>
-              <a:t>Eigene Eindrücke</a:t>
-            </a:r>
-          </a:p>
-        </p:txBody>
-      </p:sp>
-      <p:sp>
-        <p:nvSpPr>
-          <p:cNvPr id="3" name="Inhaltsplatzhalter 2">
-            <a:extLst>
-              <a:ext uri="{FF2B5EF4-FFF2-40B4-BE49-F238E27FC236}">
-                <a16:creationId xmlns:a16="http://schemas.microsoft.com/office/drawing/2014/main" id="{A72392CE-DCDF-4855-9E88-365021A93C6C}"/>
-              </a:ext>
-            </a:extLst>
-          </p:cNvPr>
+              <a:t>Testprotokolle</a:t>
+            </a:r>
+          </a:p>
+        </p:txBody>
+      </p:sp>
+      <p:sp>
+        <p:nvSpPr>
+          <p:cNvPr id="3" name="Inhaltsplatzhalter 2"/>
           <p:cNvSpPr>
             <a:spLocks noGrp="1"/>
           </p:cNvSpPr>
@@ -4738,19 +4935,13 @@
           <a:bodyPr/>
           <a:lstStyle/>
           <a:p>
-            <a:endParaRPr lang="de-DE" dirty="0"/>
-          </a:p>
-        </p:txBody>
-      </p:sp>
-      <p:sp>
-        <p:nvSpPr>
-          <p:cNvPr id="4" name="Datumsplatzhalter 3">
-            <a:extLst>
-              <a:ext uri="{FF2B5EF4-FFF2-40B4-BE49-F238E27FC236}">
-                <a16:creationId xmlns:a16="http://schemas.microsoft.com/office/drawing/2014/main" id="{AAC72671-405C-4324-8617-159D7E4B4144}"/>
-              </a:ext>
-            </a:extLst>
-          </p:cNvPr>
+            <a:endParaRPr lang="de-DE"/>
+          </a:p>
+        </p:txBody>
+      </p:sp>
+      <p:sp>
+        <p:nvSpPr>
+          <p:cNvPr id="4" name="Datumsplatzhalter 3"/>
           <p:cNvSpPr>
             <a:spLocks noGrp="1"/>
           </p:cNvSpPr>
@@ -4763,7 +4954,7 @@
           <a:bodyPr/>
           <a:lstStyle/>
           <a:p>
-            <a:fld id="{AEE2B4A9-8F5E-4B84-8661-FDAE7821C466}" type="datetime1">
+            <a:fld id="{FF78DB55-C754-4AB2-B9F1-CF00D12F7BCC}" type="datetime1">
               <a:rPr lang="de-DE" smtClean="0"/>
               <a:t>04.12.2018</a:t>
             </a:fld>
@@ -4773,13 +4964,7 @@
       </p:sp>
       <p:sp>
         <p:nvSpPr>
-          <p:cNvPr id="5" name="Fußzeilenplatzhalter 4">
-            <a:extLst>
-              <a:ext uri="{FF2B5EF4-FFF2-40B4-BE49-F238E27FC236}">
-                <a16:creationId xmlns:a16="http://schemas.microsoft.com/office/drawing/2014/main" id="{B32BF021-8C3F-4D6C-9960-69040C7827C0}"/>
-              </a:ext>
-            </a:extLst>
-          </p:cNvPr>
+          <p:cNvPr id="5" name="Fußzeilenplatzhalter 4"/>
           <p:cNvSpPr>
             <a:spLocks noGrp="1"/>
           </p:cNvSpPr>
@@ -4793,7 +4978,7 @@
           <a:lstStyle/>
           <a:p>
             <a:r>
-              <a:rPr lang="de-DE" dirty="0"/>
+              <a:rPr lang="de-DE"/>
               <a:t>Bosin, Espig, Lauenroth, Siefert, Techel</a:t>
             </a:r>
             <a:endParaRPr lang="en-US" dirty="0"/>
@@ -4802,13 +4987,7 @@
       </p:sp>
       <p:sp>
         <p:nvSpPr>
-          <p:cNvPr id="6" name="Foliennummernplatzhalter 5">
-            <a:extLst>
-              <a:ext uri="{FF2B5EF4-FFF2-40B4-BE49-F238E27FC236}">
-                <a16:creationId xmlns:a16="http://schemas.microsoft.com/office/drawing/2014/main" id="{4F7659D2-FB7D-437D-AB9C-CF2D17066A96}"/>
-              </a:ext>
-            </a:extLst>
-          </p:cNvPr>
+          <p:cNvPr id="6" name="Foliennummernplatzhalter 5"/>
           <p:cNvSpPr>
             <a:spLocks noGrp="1"/>
           </p:cNvSpPr>
@@ -4832,7 +5011,7 @@
     </p:spTree>
     <p:extLst>
       <p:ext uri="{BB962C8B-B14F-4D97-AF65-F5344CB8AC3E}">
-        <p14:creationId xmlns:p14="http://schemas.microsoft.com/office/powerpoint/2010/main" val="1140022867"/>
+        <p14:creationId xmlns:p14="http://schemas.microsoft.com/office/powerpoint/2010/main" val="4041166535"/>
       </p:ext>
     </p:extLst>
   </p:cSld>
@@ -4842,7 +5021,450 @@
 </p:sld>
 </file>
 
-<file path=ppt/slides/slide2.xml><?xml version="1.0" encoding="utf-8"?>
+<file path=ppt/slides/slide13.xml><?xml version="1.0" encoding="utf-8"?>
+<p:sld xmlns:a="http://schemas.openxmlformats.org/drawingml/2006/main" xmlns:r="http://schemas.openxmlformats.org/officeDocument/2006/relationships" xmlns:p="http://schemas.openxmlformats.org/presentationml/2006/main">
+  <p:cSld>
+    <p:bg>
+      <p:bgPr>
+        <a:solidFill>
+          <a:schemeClr val="bg1"/>
+        </a:solidFill>
+        <a:effectLst/>
+      </p:bgPr>
+    </p:bg>
+    <p:spTree>
+      <p:nvGrpSpPr>
+        <p:cNvPr id="1" name=""/>
+        <p:cNvGrpSpPr/>
+        <p:nvPr/>
+      </p:nvGrpSpPr>
+      <p:grpSpPr>
+        <a:xfrm>
+          <a:off x="0" y="0"/>
+          <a:ext cx="0" cy="0"/>
+          <a:chOff x="0" y="0"/>
+          <a:chExt cx="0" cy="0"/>
+        </a:xfrm>
+      </p:grpSpPr>
+      <p:sp useBgFill="1">
+        <p:nvSpPr>
+          <p:cNvPr id="11" name="Rectangle 10">
+            <a:extLst>
+              <a:ext uri="{FF2B5EF4-FFF2-40B4-BE49-F238E27FC236}">
+                <a16:creationId xmlns:a16="http://schemas.microsoft.com/office/drawing/2014/main" id="{3741B58E-3B65-4A01-A276-975AB2CF8A08}"/>
+              </a:ext>
+              <a:ext uri="{C183D7F6-B498-43B3-948B-1728B52AA6E4}">
+                <adec:decorative xmlns:adec="http://schemas.microsoft.com/office/drawing/2017/decorative" val="1"/>
+              </a:ext>
+            </a:extLst>
+          </p:cNvPr>
+          <p:cNvSpPr>
+            <a:spLocks noGrp="1" noRot="1" noChangeAspect="1" noMove="1" noResize="1" noEditPoints="1" noAdjustHandles="1" noChangeArrowheads="1" noChangeShapeType="1" noTextEdit="1"/>
+          </p:cNvSpPr>
+          <p:nvPr>
+            <p:extLst>
+              <p:ext uri="{386F3935-93C4-4BCD-93E2-E3B085C9AB24}">
+                <p16:designElem xmlns:p16="http://schemas.microsoft.com/office/powerpoint/2015/main" val="1"/>
+              </p:ext>
+            </p:extLst>
+          </p:nvPr>
+        </p:nvSpPr>
+        <p:spPr>
+          <a:xfrm>
+            <a:off x="0" y="0"/>
+            <a:ext cx="12186315" cy="6858000"/>
+          </a:xfrm>
+          <a:prstGeom prst="rect">
+            <a:avLst/>
+          </a:prstGeom>
+          <a:ln>
+            <a:noFill/>
+          </a:ln>
+        </p:spPr>
+        <p:style>
+          <a:lnRef idx="2">
+            <a:schemeClr val="accent6">
+              <a:shade val="50000"/>
+            </a:schemeClr>
+          </a:lnRef>
+          <a:fillRef idx="1001">
+            <a:schemeClr val="lt1"/>
+          </a:fillRef>
+          <a:effectRef idx="0">
+            <a:schemeClr val="accent6"/>
+          </a:effectRef>
+          <a:fontRef idx="minor">
+            <a:schemeClr val="lt1"/>
+          </a:fontRef>
+        </p:style>
+        <p:txBody>
+          <a:bodyPr rtlCol="0" anchor="ctr"/>
+          <a:lstStyle/>
+          <a:p>
+            <a:pPr algn="ctr"/>
+            <a:endParaRPr lang="en-US"/>
+          </a:p>
+        </p:txBody>
+      </p:sp>
+      <p:sp>
+        <p:nvSpPr>
+          <p:cNvPr id="13" name="Rectangle 12">
+            <a:extLst>
+              <a:ext uri="{FF2B5EF4-FFF2-40B4-BE49-F238E27FC236}">
+                <a16:creationId xmlns:a16="http://schemas.microsoft.com/office/drawing/2014/main" id="{7AAC67C3-831B-4AB1-A259-DFB839CAFAFC}"/>
+              </a:ext>
+              <a:ext uri="{C183D7F6-B498-43B3-948B-1728B52AA6E4}">
+                <adec:decorative xmlns:adec="http://schemas.microsoft.com/office/drawing/2017/decorative" val="1"/>
+              </a:ext>
+            </a:extLst>
+          </p:cNvPr>
+          <p:cNvSpPr>
+            <a:spLocks noGrp="1" noRot="1" noChangeAspect="1" noMove="1" noResize="1" noEditPoints="1" noAdjustHandles="1" noChangeArrowheads="1" noChangeShapeType="1" noTextEdit="1"/>
+          </p:cNvSpPr>
+          <p:nvPr>
+            <p:extLst>
+              <p:ext uri="{386F3935-93C4-4BCD-93E2-E3B085C9AB24}">
+                <p16:designElem xmlns:p16="http://schemas.microsoft.com/office/powerpoint/2015/main" val="1"/>
+              </p:ext>
+            </p:extLst>
+          </p:nvPr>
+        </p:nvSpPr>
+        <p:spPr>
+          <a:xfrm>
+            <a:off x="16" y="0"/>
+            <a:ext cx="4050791" cy="6858000"/>
+          </a:xfrm>
+          <a:prstGeom prst="rect">
+            <a:avLst/>
+          </a:prstGeom>
+          <a:solidFill>
+            <a:schemeClr val="accent2"/>
+          </a:solidFill>
+          <a:ln>
+            <a:noFill/>
+          </a:ln>
+        </p:spPr>
+        <p:style>
+          <a:lnRef idx="2">
+            <a:schemeClr val="accent1">
+              <a:shade val="50000"/>
+            </a:schemeClr>
+          </a:lnRef>
+          <a:fillRef idx="1">
+            <a:schemeClr val="accent1"/>
+          </a:fillRef>
+          <a:effectRef idx="0">
+            <a:schemeClr val="accent1"/>
+          </a:effectRef>
+          <a:fontRef idx="minor">
+            <a:schemeClr val="lt1"/>
+          </a:fontRef>
+        </p:style>
+      </p:sp>
+      <p:sp>
+        <p:nvSpPr>
+          <p:cNvPr id="2" name="Titel 1">
+            <a:extLst>
+              <a:ext uri="{FF2B5EF4-FFF2-40B4-BE49-F238E27FC236}">
+                <a16:creationId xmlns:a16="http://schemas.microsoft.com/office/drawing/2014/main" id="{88B74F27-9CBE-419F-A429-4D948C81C3BB}"/>
+              </a:ext>
+            </a:extLst>
+          </p:cNvPr>
+          <p:cNvSpPr>
+            <a:spLocks noGrp="1"/>
+          </p:cNvSpPr>
+          <p:nvPr>
+            <p:ph type="title"/>
+          </p:nvPr>
+        </p:nvSpPr>
+        <p:spPr>
+          <a:xfrm>
+            <a:off x="492370" y="605896"/>
+            <a:ext cx="3084844" cy="5646208"/>
+          </a:xfrm>
+        </p:spPr>
+        <p:txBody>
+          <a:bodyPr anchor="ctr">
+            <a:normAutofit/>
+          </a:bodyPr>
+          <a:lstStyle/>
+          <a:p>
+            <a:r>
+              <a:rPr lang="de-DE" sz="3600">
+                <a:solidFill>
+                  <a:srgbClr val="FFFFFF"/>
+                </a:solidFill>
+              </a:rPr>
+              <a:t>Aktuell</a:t>
+            </a:r>
+          </a:p>
+        </p:txBody>
+      </p:sp>
+      <p:sp>
+        <p:nvSpPr>
+          <p:cNvPr id="4" name="Datumsplatzhalter 3">
+            <a:extLst>
+              <a:ext uri="{FF2B5EF4-FFF2-40B4-BE49-F238E27FC236}">
+                <a16:creationId xmlns:a16="http://schemas.microsoft.com/office/drawing/2014/main" id="{17CA8981-94D5-466D-86BA-414D50D3DA3C}"/>
+              </a:ext>
+            </a:extLst>
+          </p:cNvPr>
+          <p:cNvSpPr>
+            <a:spLocks noGrp="1"/>
+          </p:cNvSpPr>
+          <p:nvPr>
+            <p:ph type="dt" sz="half" idx="10"/>
+          </p:nvPr>
+        </p:nvSpPr>
+        <p:spPr>
+          <a:xfrm>
+            <a:off x="492370" y="6459785"/>
+            <a:ext cx="1735371" cy="365125"/>
+          </a:xfrm>
+        </p:spPr>
+        <p:txBody>
+          <a:bodyPr>
+            <a:normAutofit/>
+          </a:bodyPr>
+          <a:lstStyle/>
+          <a:p>
+            <a:pPr>
+              <a:spcAft>
+                <a:spcPts val="600"/>
+              </a:spcAft>
+            </a:pPr>
+            <a:fld id="{5D7886D7-8107-45E6-97F3-CCD9494AACB9}" type="datetime1">
+              <a:rPr lang="de-DE" smtClean="0"/>
+              <a:pPr>
+                <a:spcAft>
+                  <a:spcPts val="600"/>
+                </a:spcAft>
+              </a:pPr>
+              <a:t>04.12.2018</a:t>
+            </a:fld>
+            <a:endParaRPr lang="en-US"/>
+          </a:p>
+        </p:txBody>
+      </p:sp>
+      <p:sp>
+        <p:nvSpPr>
+          <p:cNvPr id="15" name="Rectangle 14">
+            <a:extLst>
+              <a:ext uri="{FF2B5EF4-FFF2-40B4-BE49-F238E27FC236}">
+                <a16:creationId xmlns:a16="http://schemas.microsoft.com/office/drawing/2014/main" id="{054B3F04-9EAC-45C0-B3CE-0387EEA10A0C}"/>
+              </a:ext>
+              <a:ext uri="{C183D7F6-B498-43B3-948B-1728B52AA6E4}">
+                <adec:decorative xmlns:adec="http://schemas.microsoft.com/office/drawing/2017/decorative" val="1"/>
+              </a:ext>
+            </a:extLst>
+          </p:cNvPr>
+          <p:cNvSpPr>
+            <a:spLocks noGrp="1" noRot="1" noChangeAspect="1" noMove="1" noResize="1" noEditPoints="1" noAdjustHandles="1" noChangeArrowheads="1" noChangeShapeType="1" noTextEdit="1"/>
+          </p:cNvSpPr>
+          <p:nvPr>
+            <p:extLst>
+              <p:ext uri="{386F3935-93C4-4BCD-93E2-E3B085C9AB24}">
+                <p16:designElem xmlns:p16="http://schemas.microsoft.com/office/powerpoint/2015/main" val="1"/>
+              </p:ext>
+            </p:extLst>
+          </p:nvPr>
+        </p:nvSpPr>
+        <p:spPr>
+          <a:xfrm>
+            <a:off x="4040071" y="0"/>
+            <a:ext cx="64008" cy="6858000"/>
+          </a:xfrm>
+          <a:prstGeom prst="rect">
+            <a:avLst/>
+          </a:prstGeom>
+          <a:solidFill>
+            <a:schemeClr val="accent1"/>
+          </a:solidFill>
+          <a:ln>
+            <a:noFill/>
+          </a:ln>
+        </p:spPr>
+        <p:style>
+          <a:lnRef idx="2">
+            <a:schemeClr val="accent1">
+              <a:shade val="50000"/>
+            </a:schemeClr>
+          </a:lnRef>
+          <a:fillRef idx="1">
+            <a:schemeClr val="accent1"/>
+          </a:fillRef>
+          <a:effectRef idx="0">
+            <a:schemeClr val="accent1"/>
+          </a:effectRef>
+          <a:fontRef idx="minor">
+            <a:schemeClr val="lt1"/>
+          </a:fontRef>
+        </p:style>
+      </p:sp>
+      <p:sp>
+        <p:nvSpPr>
+          <p:cNvPr id="3" name="Inhaltsplatzhalter 2">
+            <a:extLst>
+              <a:ext uri="{FF2B5EF4-FFF2-40B4-BE49-F238E27FC236}">
+                <a16:creationId xmlns:a16="http://schemas.microsoft.com/office/drawing/2014/main" id="{998602D6-0B61-45AF-B8CF-37D49DF8F6B0}"/>
+              </a:ext>
+            </a:extLst>
+          </p:cNvPr>
+          <p:cNvSpPr>
+            <a:spLocks noGrp="1"/>
+          </p:cNvSpPr>
+          <p:nvPr>
+            <p:ph idx="1"/>
+          </p:nvPr>
+        </p:nvSpPr>
+        <p:spPr>
+          <a:xfrm>
+            <a:off x="4742016" y="605896"/>
+            <a:ext cx="6413663" cy="5646208"/>
+          </a:xfrm>
+        </p:spPr>
+        <p:txBody>
+          <a:bodyPr anchor="ctr">
+            <a:normAutofit/>
+          </a:bodyPr>
+          <a:lstStyle/>
+          <a:p>
+            <a:r>
+              <a:rPr lang="de-DE" dirty="0"/>
+              <a:t>Projektstand</a:t>
+            </a:r>
+          </a:p>
+          <a:p>
+            <a:r>
+              <a:rPr lang="de-DE" dirty="0"/>
+              <a:t>Vorführung Projektstand</a:t>
+            </a:r>
+          </a:p>
+          <a:p>
+            <a:r>
+              <a:rPr lang="de-DE" dirty="0"/>
+              <a:t>Eigene Eindrücke</a:t>
+            </a:r>
+          </a:p>
+        </p:txBody>
+      </p:sp>
+      <p:sp>
+        <p:nvSpPr>
+          <p:cNvPr id="5" name="Fußzeilenplatzhalter 4">
+            <a:extLst>
+              <a:ext uri="{FF2B5EF4-FFF2-40B4-BE49-F238E27FC236}">
+                <a16:creationId xmlns:a16="http://schemas.microsoft.com/office/drawing/2014/main" id="{51CD46FE-E2F8-4F36-9798-EA2C0B431472}"/>
+              </a:ext>
+            </a:extLst>
+          </p:cNvPr>
+          <p:cNvSpPr>
+            <a:spLocks noGrp="1"/>
+          </p:cNvSpPr>
+          <p:nvPr>
+            <p:ph type="ftr" sz="quarter" idx="11"/>
+          </p:nvPr>
+        </p:nvSpPr>
+        <p:spPr>
+          <a:xfrm>
+            <a:off x="4742017" y="6459785"/>
+            <a:ext cx="5105169" cy="365125"/>
+          </a:xfrm>
+        </p:spPr>
+        <p:txBody>
+          <a:bodyPr>
+            <a:normAutofit/>
+          </a:bodyPr>
+          <a:lstStyle/>
+          <a:p>
+            <a:pPr algn="l">
+              <a:spcAft>
+                <a:spcPts val="600"/>
+              </a:spcAft>
+            </a:pPr>
+            <a:r>
+              <a:rPr lang="de-DE">
+                <a:solidFill>
+                  <a:schemeClr val="tx2"/>
+                </a:solidFill>
+              </a:rPr>
+              <a:t>Bosin, Espig, Lauenroth, Siefert, Techel</a:t>
+            </a:r>
+            <a:endParaRPr lang="en-US">
+              <a:solidFill>
+                <a:schemeClr val="tx2"/>
+              </a:solidFill>
+            </a:endParaRPr>
+          </a:p>
+        </p:txBody>
+      </p:sp>
+      <p:sp>
+        <p:nvSpPr>
+          <p:cNvPr id="6" name="Foliennummernplatzhalter 5">
+            <a:extLst>
+              <a:ext uri="{FF2B5EF4-FFF2-40B4-BE49-F238E27FC236}">
+                <a16:creationId xmlns:a16="http://schemas.microsoft.com/office/drawing/2014/main" id="{BE6718E8-5376-4C31-96DF-487D1C462FC1}"/>
+              </a:ext>
+            </a:extLst>
+          </p:cNvPr>
+          <p:cNvSpPr>
+            <a:spLocks noGrp="1"/>
+          </p:cNvSpPr>
+          <p:nvPr>
+            <p:ph type="sldNum" sz="quarter" idx="12"/>
+          </p:nvPr>
+        </p:nvSpPr>
+        <p:spPr>
+          <a:xfrm>
+            <a:off x="10123055" y="6459785"/>
+            <a:ext cx="1089428" cy="365125"/>
+          </a:xfrm>
+        </p:spPr>
+        <p:txBody>
+          <a:bodyPr>
+            <a:normAutofit/>
+          </a:bodyPr>
+          <a:lstStyle/>
+          <a:p>
+            <a:pPr>
+              <a:spcAft>
+                <a:spcPts val="600"/>
+              </a:spcAft>
+            </a:pPr>
+            <a:fld id="{6D22F896-40B5-4ADD-8801-0D06FADFA095}" type="slidenum">
+              <a:rPr lang="en-US">
+                <a:solidFill>
+                  <a:schemeClr val="tx2"/>
+                </a:solidFill>
+              </a:rPr>
+              <a:pPr>
+                <a:spcAft>
+                  <a:spcPts val="600"/>
+                </a:spcAft>
+              </a:pPr>
+              <a:t>2</a:t>
+            </a:fld>
+            <a:endParaRPr lang="en-US">
+              <a:solidFill>
+                <a:schemeClr val="tx2"/>
+              </a:solidFill>
+            </a:endParaRPr>
+          </a:p>
+        </p:txBody>
+      </p:sp>
+    </p:spTree>
+    <p:extLst>
+      <p:ext uri="{BB962C8B-B14F-4D97-AF65-F5344CB8AC3E}">
+        <p14:creationId xmlns:p14="http://schemas.microsoft.com/office/powerpoint/2010/main" val="1130107068"/>
+      </p:ext>
+    </p:extLst>
+  </p:cSld>
+  <p:clrMapOvr>
+    <a:masterClrMapping/>
+  </p:clrMapOvr>
+</p:sld>
+</file>
+
+<file path=ppt/slides/slide14.xml><?xml version="1.0" encoding="utf-8"?>
 <p:sld xmlns:a="http://schemas.openxmlformats.org/drawingml/2006/main" xmlns:r="http://schemas.openxmlformats.org/officeDocument/2006/relationships" xmlns:p="http://schemas.openxmlformats.org/presentationml/2006/main">
   <p:cSld>
     <p:spTree>
@@ -4861,6 +5483,334 @@
       </p:grpSpPr>
       <p:sp>
         <p:nvSpPr>
+          <p:cNvPr id="4" name="Datumsplatzhalter 3">
+            <a:extLst>
+              <a:ext uri="{FF2B5EF4-FFF2-40B4-BE49-F238E27FC236}">
+                <a16:creationId xmlns:a16="http://schemas.microsoft.com/office/drawing/2014/main" id="{98D2B0F1-BCC9-41A1-8272-CD368193EC96}"/>
+              </a:ext>
+            </a:extLst>
+          </p:cNvPr>
+          <p:cNvSpPr>
+            <a:spLocks noGrp="1"/>
+          </p:cNvSpPr>
+          <p:nvPr>
+            <p:ph type="dt" sz="half" idx="10"/>
+          </p:nvPr>
+        </p:nvSpPr>
+        <p:spPr/>
+        <p:txBody>
+          <a:bodyPr/>
+          <a:lstStyle/>
+          <a:p>
+            <a:fld id="{FF78DB55-C754-4AB2-B9F1-CF00D12F7BCC}" type="datetime1">
+              <a:rPr lang="de-DE" smtClean="0"/>
+              <a:t>04.12.2018</a:t>
+            </a:fld>
+            <a:endParaRPr lang="en-US" dirty="0"/>
+          </a:p>
+        </p:txBody>
+      </p:sp>
+      <p:sp>
+        <p:nvSpPr>
+          <p:cNvPr id="5" name="Fußzeilenplatzhalter 4">
+            <a:extLst>
+              <a:ext uri="{FF2B5EF4-FFF2-40B4-BE49-F238E27FC236}">
+                <a16:creationId xmlns:a16="http://schemas.microsoft.com/office/drawing/2014/main" id="{EB0301F7-3EFB-4213-B23D-DBB6F6CED558}"/>
+              </a:ext>
+            </a:extLst>
+          </p:cNvPr>
+          <p:cNvSpPr>
+            <a:spLocks noGrp="1"/>
+          </p:cNvSpPr>
+          <p:nvPr>
+            <p:ph type="ftr" sz="quarter" idx="11"/>
+          </p:nvPr>
+        </p:nvSpPr>
+        <p:spPr/>
+        <p:txBody>
+          <a:bodyPr/>
+          <a:lstStyle/>
+          <a:p>
+            <a:r>
+              <a:rPr lang="de-DE"/>
+              <a:t>Bosin, Espig, Lauenroth, Siefert, Techel</a:t>
+            </a:r>
+            <a:endParaRPr lang="en-US" dirty="0"/>
+          </a:p>
+        </p:txBody>
+      </p:sp>
+      <p:sp>
+        <p:nvSpPr>
+          <p:cNvPr id="6" name="Foliennummernplatzhalter 5">
+            <a:extLst>
+              <a:ext uri="{FF2B5EF4-FFF2-40B4-BE49-F238E27FC236}">
+                <a16:creationId xmlns:a16="http://schemas.microsoft.com/office/drawing/2014/main" id="{8BD885BA-1121-41C6-8F81-237E36CC0BAF}"/>
+              </a:ext>
+            </a:extLst>
+          </p:cNvPr>
+          <p:cNvSpPr>
+            <a:spLocks noGrp="1"/>
+          </p:cNvSpPr>
+          <p:nvPr>
+            <p:ph type="sldNum" sz="quarter" idx="12"/>
+          </p:nvPr>
+        </p:nvSpPr>
+        <p:spPr/>
+        <p:txBody>
+          <a:bodyPr/>
+          <a:lstStyle/>
+          <a:p>
+            <a:fld id="{6D22F896-40B5-4ADD-8801-0D06FADFA095}" type="slidenum">
+              <a:rPr lang="en-US" smtClean="0"/>
+              <a:t>14</a:t>
+            </a:fld>
+            <a:endParaRPr lang="en-US" dirty="0"/>
+          </a:p>
+        </p:txBody>
+      </p:sp>
+      <p:pic>
+        <p:nvPicPr>
+          <p:cNvPr id="7" name="Grafik 6">
+            <a:extLst>
+              <a:ext uri="{FF2B5EF4-FFF2-40B4-BE49-F238E27FC236}">
+                <a16:creationId xmlns:a16="http://schemas.microsoft.com/office/drawing/2014/main" id="{92657903-DE6F-48E5-B5D4-69D88AEBF664}"/>
+              </a:ext>
+            </a:extLst>
+          </p:cNvPr>
+          <p:cNvPicPr>
+            <a:picLocks noChangeAspect="1"/>
+          </p:cNvPicPr>
+          <p:nvPr/>
+        </p:nvPicPr>
+        <p:blipFill>
+          <a:blip r:embed="rId2"/>
+          <a:stretch>
+            <a:fillRect/>
+          </a:stretch>
+        </p:blipFill>
+        <p:spPr>
+          <a:xfrm>
+            <a:off x="2786062" y="367392"/>
+            <a:ext cx="6619875" cy="4686300"/>
+          </a:xfrm>
+          <a:prstGeom prst="rect">
+            <a:avLst/>
+          </a:prstGeom>
+        </p:spPr>
+      </p:pic>
+      <p:sp>
+        <p:nvSpPr>
+          <p:cNvPr id="9" name="Titel 1">
+            <a:extLst>
+              <a:ext uri="{FF2B5EF4-FFF2-40B4-BE49-F238E27FC236}">
+                <a16:creationId xmlns:a16="http://schemas.microsoft.com/office/drawing/2014/main" id="{D4EC6FE8-BDB0-4EEF-BF58-93DD0B83FFDC}"/>
+              </a:ext>
+            </a:extLst>
+          </p:cNvPr>
+          <p:cNvSpPr txBox="1">
+            <a:spLocks/>
+          </p:cNvSpPr>
+          <p:nvPr/>
+        </p:nvSpPr>
+        <p:spPr>
+          <a:xfrm>
+            <a:off x="1306485" y="5436181"/>
+            <a:ext cx="9905998" cy="641115"/>
+          </a:xfrm>
+          <a:prstGeom prst="rect">
+            <a:avLst/>
+          </a:prstGeom>
+        </p:spPr>
+        <p:txBody>
+          <a:bodyPr>
+            <a:normAutofit fontScale="90000" lnSpcReduction="10000"/>
+          </a:bodyPr>
+          <a:lstStyle>
+            <a:lvl1pPr algn="l" defTabSz="914400" rtl="0" eaLnBrk="1" latinLnBrk="0" hangingPunct="1">
+              <a:lnSpc>
+                <a:spcPct val="85000"/>
+              </a:lnSpc>
+              <a:spcBef>
+                <a:spcPct val="0"/>
+              </a:spcBef>
+              <a:buNone/>
+              <a:defRPr sz="4800" kern="1200" spc="-50" baseline="0">
+                <a:solidFill>
+                  <a:schemeClr val="tx1">
+                    <a:lumMod val="75000"/>
+                    <a:lumOff val="25000"/>
+                  </a:schemeClr>
+                </a:solidFill>
+                <a:latin typeface="+mj-lt"/>
+                <a:ea typeface="+mj-ea"/>
+                <a:cs typeface="+mj-cs"/>
+              </a:defRPr>
+            </a:lvl1pPr>
+          </a:lstStyle>
+          <a:p>
+            <a:pPr algn="ctr"/>
+            <a:r>
+              <a:rPr lang="de-DE" dirty="0"/>
+              <a:t>Fragen?</a:t>
+            </a:r>
+          </a:p>
+        </p:txBody>
+      </p:sp>
+    </p:spTree>
+    <p:extLst>
+      <p:ext uri="{BB962C8B-B14F-4D97-AF65-F5344CB8AC3E}">
+        <p14:creationId xmlns:p14="http://schemas.microsoft.com/office/powerpoint/2010/main" val="3518592503"/>
+      </p:ext>
+    </p:extLst>
+  </p:cSld>
+  <p:clrMapOvr>
+    <a:masterClrMapping/>
+  </p:clrMapOvr>
+</p:sld>
+</file>
+
+<file path=ppt/slides/slide2.xml><?xml version="1.0" encoding="utf-8"?>
+<p:sld xmlns:a="http://schemas.openxmlformats.org/drawingml/2006/main" xmlns:r="http://schemas.openxmlformats.org/officeDocument/2006/relationships" xmlns:p="http://schemas.openxmlformats.org/presentationml/2006/main">
+  <p:cSld>
+    <p:bg>
+      <p:bgPr>
+        <a:solidFill>
+          <a:schemeClr val="bg1"/>
+        </a:solidFill>
+        <a:effectLst/>
+      </p:bgPr>
+    </p:bg>
+    <p:spTree>
+      <p:nvGrpSpPr>
+        <p:cNvPr id="1" name=""/>
+        <p:cNvGrpSpPr/>
+        <p:nvPr/>
+      </p:nvGrpSpPr>
+      <p:grpSpPr>
+        <a:xfrm>
+          <a:off x="0" y="0"/>
+          <a:ext cx="0" cy="0"/>
+          <a:chOff x="0" y="0"/>
+          <a:chExt cx="0" cy="0"/>
+        </a:xfrm>
+      </p:grpSpPr>
+      <p:sp useBgFill="1">
+        <p:nvSpPr>
+          <p:cNvPr id="11" name="Rectangle 10">
+            <a:extLst>
+              <a:ext uri="{FF2B5EF4-FFF2-40B4-BE49-F238E27FC236}">
+                <a16:creationId xmlns:a16="http://schemas.microsoft.com/office/drawing/2014/main" id="{3741B58E-3B65-4A01-A276-975AB2CF8A08}"/>
+              </a:ext>
+              <a:ext uri="{C183D7F6-B498-43B3-948B-1728B52AA6E4}">
+                <adec:decorative xmlns:adec="http://schemas.microsoft.com/office/drawing/2017/decorative" val="1"/>
+              </a:ext>
+            </a:extLst>
+          </p:cNvPr>
+          <p:cNvSpPr>
+            <a:spLocks noGrp="1" noRot="1" noChangeAspect="1" noMove="1" noResize="1" noEditPoints="1" noAdjustHandles="1" noChangeArrowheads="1" noChangeShapeType="1" noTextEdit="1"/>
+          </p:cNvSpPr>
+          <p:nvPr>
+            <p:extLst>
+              <p:ext uri="{386F3935-93C4-4BCD-93E2-E3B085C9AB24}">
+                <p16:designElem xmlns:p16="http://schemas.microsoft.com/office/powerpoint/2015/main" val="1"/>
+              </p:ext>
+            </p:extLst>
+          </p:nvPr>
+        </p:nvSpPr>
+        <p:spPr>
+          <a:xfrm>
+            <a:off x="0" y="0"/>
+            <a:ext cx="12186315" cy="6858000"/>
+          </a:xfrm>
+          <a:prstGeom prst="rect">
+            <a:avLst/>
+          </a:prstGeom>
+          <a:ln>
+            <a:noFill/>
+          </a:ln>
+        </p:spPr>
+        <p:style>
+          <a:lnRef idx="2">
+            <a:schemeClr val="accent6">
+              <a:shade val="50000"/>
+            </a:schemeClr>
+          </a:lnRef>
+          <a:fillRef idx="1001">
+            <a:schemeClr val="lt1"/>
+          </a:fillRef>
+          <a:effectRef idx="0">
+            <a:schemeClr val="accent6"/>
+          </a:effectRef>
+          <a:fontRef idx="minor">
+            <a:schemeClr val="lt1"/>
+          </a:fontRef>
+        </p:style>
+        <p:txBody>
+          <a:bodyPr rtlCol="0" anchor="ctr"/>
+          <a:lstStyle/>
+          <a:p>
+            <a:pPr algn="ctr"/>
+            <a:endParaRPr lang="en-US"/>
+          </a:p>
+        </p:txBody>
+      </p:sp>
+      <p:sp>
+        <p:nvSpPr>
+          <p:cNvPr id="13" name="Rectangle 12">
+            <a:extLst>
+              <a:ext uri="{FF2B5EF4-FFF2-40B4-BE49-F238E27FC236}">
+                <a16:creationId xmlns:a16="http://schemas.microsoft.com/office/drawing/2014/main" id="{7AAC67C3-831B-4AB1-A259-DFB839CAFAFC}"/>
+              </a:ext>
+              <a:ext uri="{C183D7F6-B498-43B3-948B-1728B52AA6E4}">
+                <adec:decorative xmlns:adec="http://schemas.microsoft.com/office/drawing/2017/decorative" val="1"/>
+              </a:ext>
+            </a:extLst>
+          </p:cNvPr>
+          <p:cNvSpPr>
+            <a:spLocks noGrp="1" noRot="1" noChangeAspect="1" noMove="1" noResize="1" noEditPoints="1" noAdjustHandles="1" noChangeArrowheads="1" noChangeShapeType="1" noTextEdit="1"/>
+          </p:cNvSpPr>
+          <p:nvPr>
+            <p:extLst>
+              <p:ext uri="{386F3935-93C4-4BCD-93E2-E3B085C9AB24}">
+                <p16:designElem xmlns:p16="http://schemas.microsoft.com/office/powerpoint/2015/main" val="1"/>
+              </p:ext>
+            </p:extLst>
+          </p:nvPr>
+        </p:nvSpPr>
+        <p:spPr>
+          <a:xfrm>
+            <a:off x="16" y="0"/>
+            <a:ext cx="4050791" cy="6858000"/>
+          </a:xfrm>
+          <a:prstGeom prst="rect">
+            <a:avLst/>
+          </a:prstGeom>
+          <a:solidFill>
+            <a:schemeClr val="accent2"/>
+          </a:solidFill>
+          <a:ln>
+            <a:noFill/>
+          </a:ln>
+        </p:spPr>
+        <p:style>
+          <a:lnRef idx="2">
+            <a:schemeClr val="accent1">
+              <a:shade val="50000"/>
+            </a:schemeClr>
+          </a:lnRef>
+          <a:fillRef idx="1">
+            <a:schemeClr val="accent1"/>
+          </a:fillRef>
+          <a:effectRef idx="0">
+            <a:schemeClr val="accent1"/>
+          </a:effectRef>
+          <a:fontRef idx="minor">
+            <a:schemeClr val="lt1"/>
+          </a:fontRef>
+        </p:style>
+      </p:sp>
+      <p:sp>
+        <p:nvSpPr>
           <p:cNvPr id="2" name="Titel 1">
             <a:extLst>
               <a:ext uri="{FF2B5EF4-FFF2-40B4-BE49-F238E27FC236}">
@@ -4877,22 +5827,127 @@
         </p:nvSpPr>
         <p:spPr>
           <a:xfrm>
-            <a:off x="1141413" y="618518"/>
-            <a:ext cx="9905998" cy="678437"/>
+            <a:off x="492370" y="605896"/>
+            <a:ext cx="3084844" cy="5646208"/>
+          </a:xfrm>
+        </p:spPr>
+        <p:txBody>
+          <a:bodyPr anchor="ctr">
+            <a:normAutofit/>
+          </a:bodyPr>
+          <a:lstStyle/>
+          <a:p>
+            <a:r>
+              <a:rPr lang="de-DE" sz="3600" dirty="0">
+                <a:solidFill>
+                  <a:srgbClr val="FFFFFF"/>
+                </a:solidFill>
+              </a:rPr>
+              <a:t>Agenda</a:t>
+            </a:r>
+          </a:p>
+        </p:txBody>
+      </p:sp>
+      <p:sp>
+        <p:nvSpPr>
+          <p:cNvPr id="4" name="Datumsplatzhalter 3">
+            <a:extLst>
+              <a:ext uri="{FF2B5EF4-FFF2-40B4-BE49-F238E27FC236}">
+                <a16:creationId xmlns:a16="http://schemas.microsoft.com/office/drawing/2014/main" id="{24145525-1D6D-4887-97E0-247834D5736D}"/>
+              </a:ext>
+            </a:extLst>
+          </p:cNvPr>
+          <p:cNvSpPr>
+            <a:spLocks noGrp="1"/>
+          </p:cNvSpPr>
+          <p:nvPr>
+            <p:ph type="dt" sz="half" idx="10"/>
+          </p:nvPr>
+        </p:nvSpPr>
+        <p:spPr>
+          <a:xfrm>
+            <a:off x="492370" y="6459785"/>
+            <a:ext cx="1735371" cy="365125"/>
           </a:xfrm>
         </p:spPr>
         <p:txBody>
           <a:bodyPr>
-            <a:normAutofit fontScale="90000"/>
+            <a:normAutofit/>
           </a:bodyPr>
           <a:lstStyle/>
           <a:p>
-            <a:r>
-              <a:rPr lang="de-DE" dirty="0"/>
-              <a:t>Agenda</a:t>
-            </a:r>
-          </a:p>
-        </p:txBody>
+            <a:pPr>
+              <a:spcAft>
+                <a:spcPts val="600"/>
+              </a:spcAft>
+            </a:pPr>
+            <a:fld id="{3BD44C77-B7E7-4497-975E-10443C40B2CF}" type="datetime1">
+              <a:rPr lang="de-DE" smtClean="0"/>
+              <a:pPr>
+                <a:spcAft>
+                  <a:spcPts val="600"/>
+                </a:spcAft>
+              </a:pPr>
+              <a:t>04.12.2018</a:t>
+            </a:fld>
+            <a:endParaRPr lang="en-US"/>
+          </a:p>
+        </p:txBody>
+      </p:sp>
+      <p:sp>
+        <p:nvSpPr>
+          <p:cNvPr id="15" name="Rectangle 14">
+            <a:extLst>
+              <a:ext uri="{FF2B5EF4-FFF2-40B4-BE49-F238E27FC236}">
+                <a16:creationId xmlns:a16="http://schemas.microsoft.com/office/drawing/2014/main" id="{054B3F04-9EAC-45C0-B3CE-0387EEA10A0C}"/>
+              </a:ext>
+              <a:ext uri="{C183D7F6-B498-43B3-948B-1728B52AA6E4}">
+                <adec:decorative xmlns:adec="http://schemas.microsoft.com/office/drawing/2017/decorative" val="1"/>
+              </a:ext>
+            </a:extLst>
+          </p:cNvPr>
+          <p:cNvSpPr>
+            <a:spLocks noGrp="1" noRot="1" noChangeAspect="1" noMove="1" noResize="1" noEditPoints="1" noAdjustHandles="1" noChangeArrowheads="1" noChangeShapeType="1" noTextEdit="1"/>
+          </p:cNvSpPr>
+          <p:nvPr>
+            <p:extLst>
+              <p:ext uri="{386F3935-93C4-4BCD-93E2-E3B085C9AB24}">
+                <p16:designElem xmlns:p16="http://schemas.microsoft.com/office/powerpoint/2015/main" val="1"/>
+              </p:ext>
+            </p:extLst>
+          </p:nvPr>
+        </p:nvSpPr>
+        <p:spPr>
+          <a:xfrm>
+            <a:off x="4040071" y="0"/>
+            <a:ext cx="64008" cy="6858000"/>
+          </a:xfrm>
+          <a:prstGeom prst="rect">
+            <a:avLst/>
+          </a:prstGeom>
+          <a:solidFill>
+            <a:schemeClr val="accent1"/>
+          </a:solidFill>
+          <a:ln>
+            <a:noFill/>
+          </a:ln>
+        </p:spPr>
+        <p:style>
+          <a:lnRef idx="2">
+            <a:schemeClr val="accent1">
+              <a:shade val="50000"/>
+            </a:schemeClr>
+          </a:lnRef>
+          <a:fillRef idx="1">
+            <a:schemeClr val="accent1"/>
+          </a:fillRef>
+          <a:effectRef idx="0">
+            <a:schemeClr val="accent1"/>
+          </a:effectRef>
+          <a:fontRef idx="minor">
+            <a:schemeClr val="lt1"/>
+          </a:fontRef>
+        </p:style>
       </p:sp>
       <p:sp>
         <p:nvSpPr>
@@ -4910,9 +5965,16 @@
             <p:ph idx="1"/>
           </p:nvPr>
         </p:nvSpPr>
-        <p:spPr/>
-        <p:txBody>
-          <a:bodyPr/>
+        <p:spPr>
+          <a:xfrm>
+            <a:off x="4742016" y="605896"/>
+            <a:ext cx="6413663" cy="5646208"/>
+          </a:xfrm>
+        </p:spPr>
+        <p:txBody>
+          <a:bodyPr anchor="ctr">
+            <a:normAutofit/>
+          </a:bodyPr>
           <a:lstStyle/>
           <a:p>
             <a:r>
@@ -4927,15 +5989,45 @@
             </a:r>
           </a:p>
           <a:p>
+            <a:pPr lvl="1"/>
+            <a:r>
+              <a:rPr lang="de-DE" dirty="0" err="1"/>
+              <a:t>UniRisk</a:t>
+            </a:r>
+            <a:endParaRPr lang="de-DE" dirty="0"/>
+          </a:p>
+          <a:p>
+            <a:pPr lvl="1"/>
             <a:r>
               <a:rPr lang="de-DE" dirty="0"/>
-              <a:t>Projektstand</a:t>
-            </a:r>
-          </a:p>
-          <a:p>
+              <a:t>Anforderungsspezifikation</a:t>
+            </a:r>
+          </a:p>
+          <a:p>
+            <a:pPr lvl="1"/>
             <a:r>
               <a:rPr lang="de-DE" dirty="0"/>
-              <a:t>Vorführung Projektstand (Spieler anmelden)</a:t>
+              <a:t>Fachliches Datenmodell</a:t>
+            </a:r>
+          </a:p>
+          <a:p>
+            <a:pPr lvl="1"/>
+            <a:r>
+              <a:rPr lang="de-DE" dirty="0"/>
+              <a:t>Architekturdokument</a:t>
+            </a:r>
+          </a:p>
+          <a:p>
+            <a:pPr lvl="1"/>
+            <a:r>
+              <a:rPr lang="de-DE" dirty="0"/>
+              <a:t>Testprotokoll</a:t>
+            </a:r>
+          </a:p>
+          <a:p>
+            <a:r>
+              <a:rPr lang="de-DE" dirty="0"/>
+              <a:t>Aktueller Stand</a:t>
             </a:r>
           </a:p>
           <a:p>
@@ -4943,35 +6035,6 @@
               <a:rPr lang="de-DE" dirty="0"/>
               <a:t>Eigene Eindrücke</a:t>
             </a:r>
-          </a:p>
-        </p:txBody>
-      </p:sp>
-      <p:sp>
-        <p:nvSpPr>
-          <p:cNvPr id="4" name="Datumsplatzhalter 3">
-            <a:extLst>
-              <a:ext uri="{FF2B5EF4-FFF2-40B4-BE49-F238E27FC236}">
-                <a16:creationId xmlns:a16="http://schemas.microsoft.com/office/drawing/2014/main" id="{24145525-1D6D-4887-97E0-247834D5736D}"/>
-              </a:ext>
-            </a:extLst>
-          </p:cNvPr>
-          <p:cNvSpPr>
-            <a:spLocks noGrp="1"/>
-          </p:cNvSpPr>
-          <p:nvPr>
-            <p:ph type="dt" sz="half" idx="10"/>
-          </p:nvPr>
-        </p:nvSpPr>
-        <p:spPr/>
-        <p:txBody>
-          <a:bodyPr/>
-          <a:lstStyle/>
-          <a:p>
-            <a:fld id="{3BD44C77-B7E7-4497-975E-10443C40B2CF}" type="datetime1">
-              <a:rPr lang="de-DE" smtClean="0"/>
-              <a:t>04.12.2018</a:t>
-            </a:fld>
-            <a:endParaRPr lang="en-US" dirty="0"/>
           </a:p>
         </p:txBody>
       </p:sp>
@@ -4991,16 +6054,36 @@
             <p:ph type="ftr" sz="quarter" idx="11"/>
           </p:nvPr>
         </p:nvSpPr>
-        <p:spPr/>
-        <p:txBody>
-          <a:bodyPr/>
-          <a:lstStyle/>
-          <a:p>
-            <a:r>
-              <a:rPr lang="de-DE" dirty="0"/>
+        <p:spPr>
+          <a:xfrm>
+            <a:off x="4742017" y="6459785"/>
+            <a:ext cx="5105169" cy="365125"/>
+          </a:xfrm>
+        </p:spPr>
+        <p:txBody>
+          <a:bodyPr>
+            <a:normAutofit/>
+          </a:bodyPr>
+          <a:lstStyle/>
+          <a:p>
+            <a:pPr algn="l">
+              <a:spcAft>
+                <a:spcPts val="600"/>
+              </a:spcAft>
+            </a:pPr>
+            <a:r>
+              <a:rPr lang="de-DE">
+                <a:solidFill>
+                  <a:schemeClr val="tx2"/>
+                </a:solidFill>
+              </a:rPr>
               <a:t>Bosin, Espig, Lauenroth, Siefert, Techel</a:t>
             </a:r>
-            <a:endParaRPr lang="en-US" dirty="0"/>
+            <a:endParaRPr lang="en-US">
+              <a:solidFill>
+                <a:schemeClr val="tx2"/>
+              </a:solidFill>
+            </a:endParaRPr>
           </a:p>
         </p:txBody>
       </p:sp>
@@ -5020,16 +6103,41 @@
             <p:ph type="sldNum" sz="quarter" idx="12"/>
           </p:nvPr>
         </p:nvSpPr>
-        <p:spPr/>
-        <p:txBody>
-          <a:bodyPr/>
-          <a:lstStyle/>
-          <a:p>
+        <p:spPr>
+          <a:xfrm>
+            <a:off x="10123055" y="6459785"/>
+            <a:ext cx="1089428" cy="365125"/>
+          </a:xfrm>
+        </p:spPr>
+        <p:txBody>
+          <a:bodyPr>
+            <a:normAutofit/>
+          </a:bodyPr>
+          <a:lstStyle/>
+          <a:p>
+            <a:pPr>
+              <a:spcAft>
+                <a:spcPts val="600"/>
+              </a:spcAft>
+            </a:pPr>
             <a:fld id="{6D22F896-40B5-4ADD-8801-0D06FADFA095}" type="slidenum">
-              <a:rPr lang="en-US" smtClean="0"/>
+              <a:rPr lang="en-US">
+                <a:solidFill>
+                  <a:schemeClr val="tx2"/>
+                </a:solidFill>
+              </a:rPr>
+              <a:pPr>
+                <a:spcAft>
+                  <a:spcPts val="600"/>
+                </a:spcAft>
+              </a:pPr>
               <a:t>2</a:t>
             </a:fld>
-            <a:endParaRPr lang="en-US" dirty="0"/>
+            <a:endParaRPr lang="en-US">
+              <a:solidFill>
+                <a:schemeClr val="tx2"/>
+              </a:solidFill>
+            </a:endParaRPr>
           </a:p>
         </p:txBody>
       </p:sp>
@@ -5049,6 +6157,14 @@
 <file path=ppt/slides/slide3.xml><?xml version="1.0" encoding="utf-8"?>
 <p:sld xmlns:a="http://schemas.openxmlformats.org/drawingml/2006/main" xmlns:r="http://schemas.openxmlformats.org/officeDocument/2006/relationships" xmlns:p="http://schemas.openxmlformats.org/presentationml/2006/main">
   <p:cSld>
+    <p:bg>
+      <p:bgPr>
+        <a:solidFill>
+          <a:schemeClr val="bg1"/>
+        </a:solidFill>
+        <a:effectLst/>
+      </p:bgPr>
+    </p:bg>
     <p:spTree>
       <p:nvGrpSpPr>
         <p:cNvPr id="1" name=""/>
@@ -5063,6 +6179,121 @@
           <a:chExt cx="0" cy="0"/>
         </a:xfrm>
       </p:grpSpPr>
+      <p:sp useBgFill="1">
+        <p:nvSpPr>
+          <p:cNvPr id="12" name="Rectangle 11">
+            <a:extLst>
+              <a:ext uri="{FF2B5EF4-FFF2-40B4-BE49-F238E27FC236}">
+                <a16:creationId xmlns:a16="http://schemas.microsoft.com/office/drawing/2014/main" id="{44CC594A-A820-450F-B363-C19201FCFEC6}"/>
+              </a:ext>
+              <a:ext uri="{C183D7F6-B498-43B3-948B-1728B52AA6E4}">
+                <adec:decorative xmlns:adec="http://schemas.microsoft.com/office/drawing/2017/decorative" val="1"/>
+              </a:ext>
+            </a:extLst>
+          </p:cNvPr>
+          <p:cNvSpPr>
+            <a:spLocks noGrp="1" noRot="1" noChangeAspect="1" noMove="1" noResize="1" noEditPoints="1" noAdjustHandles="1" noChangeArrowheads="1" noChangeShapeType="1" noTextEdit="1"/>
+          </p:cNvSpPr>
+          <p:nvPr>
+            <p:extLst>
+              <p:ext uri="{386F3935-93C4-4BCD-93E2-E3B085C9AB24}">
+                <p16:designElem xmlns:p16="http://schemas.microsoft.com/office/powerpoint/2015/main" val="1"/>
+              </p:ext>
+            </p:extLst>
+          </p:nvPr>
+        </p:nvSpPr>
+        <p:spPr>
+          <a:xfrm>
+            <a:off x="0" y="0"/>
+            <a:ext cx="12186315" cy="6858000"/>
+          </a:xfrm>
+          <a:prstGeom prst="rect">
+            <a:avLst/>
+          </a:prstGeom>
+          <a:ln>
+            <a:noFill/>
+          </a:ln>
+        </p:spPr>
+        <p:style>
+          <a:lnRef idx="2">
+            <a:schemeClr val="accent6">
+              <a:shade val="50000"/>
+            </a:schemeClr>
+          </a:lnRef>
+          <a:fillRef idx="1001">
+            <a:schemeClr val="lt1"/>
+          </a:fillRef>
+          <a:effectRef idx="0">
+            <a:schemeClr val="accent6"/>
+          </a:effectRef>
+          <a:fontRef idx="minor">
+            <a:schemeClr val="lt1"/>
+          </a:fontRef>
+        </p:style>
+        <p:txBody>
+          <a:bodyPr rtlCol="0" anchor="ctr"/>
+          <a:lstStyle/>
+          <a:p>
+            <a:pPr algn="ctr"/>
+            <a:endParaRPr lang="en-US"/>
+          </a:p>
+        </p:txBody>
+      </p:sp>
+      <p:sp>
+        <p:nvSpPr>
+          <p:cNvPr id="14" name="Rectangle 13">
+            <a:extLst>
+              <a:ext uri="{FF2B5EF4-FFF2-40B4-BE49-F238E27FC236}">
+                <a16:creationId xmlns:a16="http://schemas.microsoft.com/office/drawing/2014/main" id="{59FAB3DA-E9ED-4574-ABCC-378BC0FF1BBC}"/>
+              </a:ext>
+              <a:ext uri="{C183D7F6-B498-43B3-948B-1728B52AA6E4}">
+                <adec:decorative xmlns:adec="http://schemas.microsoft.com/office/drawing/2017/decorative" val="1"/>
+              </a:ext>
+            </a:extLst>
+          </p:cNvPr>
+          <p:cNvSpPr>
+            <a:spLocks noGrp="1" noRot="1" noChangeAspect="1" noMove="1" noResize="1" noEditPoints="1" noAdjustHandles="1" noChangeArrowheads="1" noChangeShapeType="1" noTextEdit="1"/>
+          </p:cNvSpPr>
+          <p:nvPr>
+            <p:extLst>
+              <p:ext uri="{386F3935-93C4-4BCD-93E2-E3B085C9AB24}">
+                <p16:designElem xmlns:p16="http://schemas.microsoft.com/office/powerpoint/2015/main" val="1"/>
+              </p:ext>
+            </p:extLst>
+          </p:nvPr>
+        </p:nvSpPr>
+        <p:spPr>
+          <a:xfrm>
+            <a:off x="16" y="0"/>
+            <a:ext cx="4050791" cy="6858000"/>
+          </a:xfrm>
+          <a:prstGeom prst="rect">
+            <a:avLst/>
+          </a:prstGeom>
+          <a:solidFill>
+            <a:schemeClr val="accent2"/>
+          </a:solidFill>
+          <a:ln>
+            <a:noFill/>
+          </a:ln>
+        </p:spPr>
+        <p:style>
+          <a:lnRef idx="2">
+            <a:schemeClr val="accent1">
+              <a:shade val="50000"/>
+            </a:schemeClr>
+          </a:lnRef>
+          <a:fillRef idx="1">
+            <a:schemeClr val="accent1"/>
+          </a:fillRef>
+          <a:effectRef idx="0">
+            <a:schemeClr val="accent1"/>
+          </a:effectRef>
+          <a:fontRef idx="minor">
+            <a:schemeClr val="lt1"/>
+          </a:fontRef>
+        </p:style>
+      </p:sp>
       <p:sp>
         <p:nvSpPr>
           <p:cNvPr id="2" name="Titel 1">
@@ -5081,18 +6312,22 @@
         </p:nvSpPr>
         <p:spPr>
           <a:xfrm>
-            <a:off x="1141413" y="618518"/>
-            <a:ext cx="9905998" cy="650445"/>
+            <a:off x="492370" y="516835"/>
+            <a:ext cx="3084844" cy="2103875"/>
           </a:xfrm>
         </p:spPr>
         <p:txBody>
           <a:bodyPr>
-            <a:normAutofit fontScale="90000"/>
+            <a:normAutofit/>
           </a:bodyPr>
           <a:lstStyle/>
           <a:p>
             <a:r>
-              <a:rPr lang="de-DE" dirty="0"/>
+              <a:rPr lang="de-DE" sz="3600" dirty="0">
+                <a:solidFill>
+                  <a:srgbClr val="FFFFFF"/>
+                </a:solidFill>
+              </a:rPr>
               <a:t>Die Idee</a:t>
             </a:r>
           </a:p>
@@ -5114,18 +6349,233 @@
             <p:ph idx="1"/>
           </p:nvPr>
         </p:nvSpPr>
-        <p:spPr/>
-        <p:txBody>
-          <a:bodyPr/>
-          <a:lstStyle/>
-          <a:p>
-            <a:r>
-              <a:rPr lang="de-DE" dirty="0"/>
-              <a:t>Risiko</a:t>
-            </a:r>
-          </a:p>
-          <a:p>
-            <a:endParaRPr lang="de-DE" dirty="0"/>
+        <p:spPr>
+          <a:xfrm>
+            <a:off x="492371" y="2653800"/>
+            <a:ext cx="3084844" cy="3335519"/>
+          </a:xfrm>
+        </p:spPr>
+        <p:txBody>
+          <a:bodyPr>
+            <a:normAutofit/>
+          </a:bodyPr>
+          <a:lstStyle/>
+          <a:p>
+            <a:endParaRPr lang="de-DE" sz="1500" dirty="0">
+              <a:solidFill>
+                <a:srgbClr val="FFFFFF"/>
+              </a:solidFill>
+            </a:endParaRPr>
+          </a:p>
+          <a:p>
+            <a:r>
+              <a:rPr lang="de-DE" sz="1500" dirty="0">
+                <a:solidFill>
+                  <a:srgbClr val="FFFFFF"/>
+                </a:solidFill>
+              </a:rPr>
+              <a:t>Risiko Deluxe</a:t>
+            </a:r>
+          </a:p>
+          <a:p>
+            <a:r>
+              <a:rPr lang="de-DE" sz="1500" dirty="0">
+                <a:solidFill>
+                  <a:srgbClr val="FFFFFF"/>
+                </a:solidFill>
+              </a:rPr>
+              <a:t>- Länder</a:t>
+            </a:r>
+          </a:p>
+          <a:p>
+            <a:r>
+              <a:rPr lang="de-DE" sz="1500" dirty="0">
+                <a:solidFill>
+                  <a:srgbClr val="FFFFFF"/>
+                </a:solidFill>
+              </a:rPr>
+              <a:t>- Kontinente</a:t>
+            </a:r>
+          </a:p>
+          <a:p>
+            <a:r>
+              <a:rPr lang="de-DE" sz="1500" dirty="0">
+                <a:solidFill>
+                  <a:srgbClr val="FFFFFF"/>
+                </a:solidFill>
+              </a:rPr>
+              <a:t>- Spielfiguren</a:t>
+            </a:r>
+          </a:p>
+          <a:p>
+            <a:r>
+              <a:rPr lang="de-DE" sz="1500" dirty="0">
+                <a:solidFill>
+                  <a:srgbClr val="FFFFFF"/>
+                </a:solidFill>
+              </a:rPr>
+              <a:t>- Bonuskarten</a:t>
+            </a:r>
+          </a:p>
+          <a:p>
+            <a:r>
+              <a:rPr lang="de-DE" sz="1500" dirty="0">
+                <a:solidFill>
+                  <a:srgbClr val="FFFFFF"/>
+                </a:solidFill>
+              </a:rPr>
+              <a:t>- Missionskarten</a:t>
+            </a:r>
+          </a:p>
+          <a:p>
+            <a:r>
+              <a:rPr lang="de-DE" sz="1500" dirty="0">
+                <a:solidFill>
+                  <a:srgbClr val="FFFFFF"/>
+                </a:solidFill>
+              </a:rPr>
+              <a:t>- Spielzugphasen</a:t>
+            </a:r>
+          </a:p>
+          <a:p>
+            <a:endParaRPr lang="de-DE" sz="1500" dirty="0">
+              <a:solidFill>
+                <a:srgbClr val="FFFFFF"/>
+              </a:solidFill>
+            </a:endParaRPr>
+          </a:p>
+          <a:p>
+            <a:endParaRPr lang="de-DE" sz="1500" dirty="0">
+              <a:solidFill>
+                <a:srgbClr val="FFFFFF"/>
+              </a:solidFill>
+            </a:endParaRPr>
+          </a:p>
+        </p:txBody>
+      </p:sp>
+      <p:sp>
+        <p:nvSpPr>
+          <p:cNvPr id="16" name="Rectangle 15">
+            <a:extLst>
+              <a:ext uri="{FF2B5EF4-FFF2-40B4-BE49-F238E27FC236}">
+                <a16:creationId xmlns:a16="http://schemas.microsoft.com/office/drawing/2014/main" id="{53B8D6B0-55D6-48DC-86D8-FD95D5F118AB}"/>
+              </a:ext>
+              <a:ext uri="{C183D7F6-B498-43B3-948B-1728B52AA6E4}">
+                <adec:decorative xmlns:adec="http://schemas.microsoft.com/office/drawing/2017/decorative" val="1"/>
+              </a:ext>
+            </a:extLst>
+          </p:cNvPr>
+          <p:cNvSpPr>
+            <a:spLocks noGrp="1" noRot="1" noChangeAspect="1" noMove="1" noResize="1" noEditPoints="1" noAdjustHandles="1" noChangeArrowheads="1" noChangeShapeType="1" noTextEdit="1"/>
+          </p:cNvSpPr>
+          <p:nvPr>
+            <p:extLst>
+              <p:ext uri="{386F3935-93C4-4BCD-93E2-E3B085C9AB24}">
+                <p16:designElem xmlns:p16="http://schemas.microsoft.com/office/powerpoint/2015/main" val="1"/>
+              </p:ext>
+            </p:extLst>
+          </p:nvPr>
+        </p:nvSpPr>
+        <p:spPr>
+          <a:xfrm>
+            <a:off x="4040071" y="0"/>
+            <a:ext cx="64008" cy="6858000"/>
+          </a:xfrm>
+          <a:prstGeom prst="rect">
+            <a:avLst/>
+          </a:prstGeom>
+          <a:solidFill>
+            <a:schemeClr val="accent1"/>
+          </a:solidFill>
+          <a:ln>
+            <a:noFill/>
+          </a:ln>
+        </p:spPr>
+        <p:style>
+          <a:lnRef idx="2">
+            <a:schemeClr val="accent1">
+              <a:shade val="50000"/>
+            </a:schemeClr>
+          </a:lnRef>
+          <a:fillRef idx="1">
+            <a:schemeClr val="accent1"/>
+          </a:fillRef>
+          <a:effectRef idx="0">
+            <a:schemeClr val="accent1"/>
+          </a:effectRef>
+          <a:fontRef idx="minor">
+            <a:schemeClr val="lt1"/>
+          </a:fontRef>
+        </p:style>
+      </p:sp>
+      <p:pic>
+        <p:nvPicPr>
+          <p:cNvPr id="7" name="Grafik 6">
+            <a:extLst>
+              <a:ext uri="{FF2B5EF4-FFF2-40B4-BE49-F238E27FC236}">
+                <a16:creationId xmlns:a16="http://schemas.microsoft.com/office/drawing/2014/main" id="{68CB0720-C5AE-442C-A013-FE02BE17293C}"/>
+              </a:ext>
+            </a:extLst>
+          </p:cNvPr>
+          <p:cNvPicPr>
+            <a:picLocks noChangeAspect="1"/>
+          </p:cNvPicPr>
+          <p:nvPr/>
+        </p:nvPicPr>
+        <p:blipFill>
+          <a:blip r:embed="rId2"/>
+          <a:stretch>
+            <a:fillRect/>
+          </a:stretch>
+        </p:blipFill>
+        <p:spPr>
+          <a:xfrm>
+            <a:off x="4742017" y="777748"/>
+            <a:ext cx="6798082" cy="5302504"/>
+          </a:xfrm>
+          <a:prstGeom prst="rect">
+            <a:avLst/>
+          </a:prstGeom>
+        </p:spPr>
+      </p:pic>
+      <p:sp>
+        <p:nvSpPr>
+          <p:cNvPr id="5" name="Fußzeilenplatzhalter 4">
+            <a:extLst>
+              <a:ext uri="{FF2B5EF4-FFF2-40B4-BE49-F238E27FC236}">
+                <a16:creationId xmlns:a16="http://schemas.microsoft.com/office/drawing/2014/main" id="{3E9997F8-3509-4D72-AC82-0238C9ECF4CC}"/>
+              </a:ext>
+            </a:extLst>
+          </p:cNvPr>
+          <p:cNvSpPr>
+            <a:spLocks noGrp="1"/>
+          </p:cNvSpPr>
+          <p:nvPr>
+            <p:ph type="ftr" sz="quarter" idx="11"/>
+          </p:nvPr>
+        </p:nvSpPr>
+        <p:spPr>
+          <a:xfrm>
+            <a:off x="1089175" y="6459785"/>
+            <a:ext cx="3757243" cy="365125"/>
+          </a:xfrm>
+        </p:spPr>
+        <p:txBody>
+          <a:bodyPr>
+            <a:normAutofit/>
+          </a:bodyPr>
+          <a:lstStyle/>
+          <a:p>
+            <a:pPr algn="l">
+              <a:spcAft>
+                <a:spcPts val="600"/>
+              </a:spcAft>
+            </a:pPr>
+            <a:r>
+              <a:rPr lang="de-DE"/>
+              <a:t>Bosin, Espig, Lauenroth, Siefert, Techel</a:t>
+            </a:r>
+            <a:endParaRPr lang="en-US"/>
           </a:p>
         </p:txBody>
       </p:sp>
@@ -5145,45 +6595,33 @@
             <p:ph type="dt" sz="half" idx="10"/>
           </p:nvPr>
         </p:nvSpPr>
-        <p:spPr/>
-        <p:txBody>
-          <a:bodyPr/>
-          <a:lstStyle/>
-          <a:p>
+        <p:spPr>
+          <a:xfrm>
+            <a:off x="5364202" y="6459785"/>
+            <a:ext cx="1735371" cy="365125"/>
+          </a:xfrm>
+        </p:spPr>
+        <p:txBody>
+          <a:bodyPr>
+            <a:normAutofit/>
+          </a:bodyPr>
+          <a:lstStyle/>
+          <a:p>
+            <a:pPr algn="r">
+              <a:spcAft>
+                <a:spcPts val="600"/>
+              </a:spcAft>
+            </a:pPr>
             <a:fld id="{6DFF5AA2-2B9B-4807-B2FD-96ADC2DDE0E2}" type="datetime1">
               <a:rPr lang="de-DE" smtClean="0"/>
+              <a:pPr algn="r">
+                <a:spcAft>
+                  <a:spcPts val="600"/>
+                </a:spcAft>
+              </a:pPr>
               <a:t>04.12.2018</a:t>
             </a:fld>
-            <a:endParaRPr lang="en-US" dirty="0"/>
-          </a:p>
-        </p:txBody>
-      </p:sp>
-      <p:sp>
-        <p:nvSpPr>
-          <p:cNvPr id="5" name="Fußzeilenplatzhalter 4">
-            <a:extLst>
-              <a:ext uri="{FF2B5EF4-FFF2-40B4-BE49-F238E27FC236}">
-                <a16:creationId xmlns:a16="http://schemas.microsoft.com/office/drawing/2014/main" id="{3E9997F8-3509-4D72-AC82-0238C9ECF4CC}"/>
-              </a:ext>
-            </a:extLst>
-          </p:cNvPr>
-          <p:cNvSpPr>
-            <a:spLocks noGrp="1"/>
-          </p:cNvSpPr>
-          <p:nvPr>
-            <p:ph type="ftr" sz="quarter" idx="11"/>
-          </p:nvPr>
-        </p:nvSpPr>
-        <p:spPr/>
-        <p:txBody>
-          <a:bodyPr/>
-          <a:lstStyle/>
-          <a:p>
-            <a:r>
-              <a:rPr lang="de-DE"/>
-              <a:t>Bosin, Espig, Lauenroth, Siefert, Techel</a:t>
-            </a:r>
-            <a:endParaRPr lang="en-US" dirty="0"/>
+            <a:endParaRPr lang="en-US"/>
           </a:p>
         </p:txBody>
       </p:sp>
@@ -5203,16 +6641,41 @@
             <p:ph type="sldNum" sz="quarter" idx="12"/>
           </p:nvPr>
         </p:nvSpPr>
-        <p:spPr/>
-        <p:txBody>
-          <a:bodyPr/>
-          <a:lstStyle/>
-          <a:p>
+        <p:spPr>
+          <a:xfrm>
+            <a:off x="9900458" y="6459785"/>
+            <a:ext cx="1312025" cy="365125"/>
+          </a:xfrm>
+        </p:spPr>
+        <p:txBody>
+          <a:bodyPr>
+            <a:normAutofit/>
+          </a:bodyPr>
+          <a:lstStyle/>
+          <a:p>
+            <a:pPr>
+              <a:spcAft>
+                <a:spcPts val="600"/>
+              </a:spcAft>
+            </a:pPr>
             <a:fld id="{6D22F896-40B5-4ADD-8801-0D06FADFA095}" type="slidenum">
-              <a:rPr lang="en-US" smtClean="0"/>
+              <a:rPr lang="en-US">
+                <a:solidFill>
+                  <a:schemeClr val="tx2"/>
+                </a:solidFill>
+              </a:rPr>
+              <a:pPr>
+                <a:spcAft>
+                  <a:spcPts val="600"/>
+                </a:spcAft>
+              </a:pPr>
               <a:t>3</a:t>
             </a:fld>
-            <a:endParaRPr lang="en-US" dirty="0"/>
+            <a:endParaRPr lang="en-US">
+              <a:solidFill>
+                <a:schemeClr val="tx2"/>
+              </a:solidFill>
+            </a:endParaRPr>
           </a:p>
         </p:txBody>
       </p:sp>
@@ -5232,6 +6695,14 @@
 <file path=ppt/slides/slide4.xml><?xml version="1.0" encoding="utf-8"?>
 <p:sld xmlns:a="http://schemas.openxmlformats.org/drawingml/2006/main" xmlns:r="http://schemas.openxmlformats.org/officeDocument/2006/relationships" xmlns:p="http://schemas.openxmlformats.org/presentationml/2006/main">
   <p:cSld>
+    <p:bg>
+      <p:bgPr>
+        <a:solidFill>
+          <a:schemeClr val="bg1"/>
+        </a:solidFill>
+        <a:effectLst/>
+      </p:bgPr>
+    </p:bg>
     <p:spTree>
       <p:nvGrpSpPr>
         <p:cNvPr id="1" name=""/>
@@ -5246,6 +6717,121 @@
           <a:chExt cx="0" cy="0"/>
         </a:xfrm>
       </p:grpSpPr>
+      <p:sp useBgFill="1">
+        <p:nvSpPr>
+          <p:cNvPr id="18" name="Rectangle 17">
+            <a:extLst>
+              <a:ext uri="{FF2B5EF4-FFF2-40B4-BE49-F238E27FC236}">
+                <a16:creationId xmlns:a16="http://schemas.microsoft.com/office/drawing/2014/main" id="{44CC594A-A820-450F-B363-C19201FCFEC6}"/>
+              </a:ext>
+              <a:ext uri="{C183D7F6-B498-43B3-948B-1728B52AA6E4}">
+                <adec:decorative xmlns:adec="http://schemas.microsoft.com/office/drawing/2017/decorative" val="1"/>
+              </a:ext>
+            </a:extLst>
+          </p:cNvPr>
+          <p:cNvSpPr>
+            <a:spLocks noGrp="1" noRot="1" noChangeAspect="1" noMove="1" noResize="1" noEditPoints="1" noAdjustHandles="1" noChangeArrowheads="1" noChangeShapeType="1" noTextEdit="1"/>
+          </p:cNvSpPr>
+          <p:nvPr>
+            <p:extLst>
+              <p:ext uri="{386F3935-93C4-4BCD-93E2-E3B085C9AB24}">
+                <p16:designElem xmlns:p16="http://schemas.microsoft.com/office/powerpoint/2015/main" val="1"/>
+              </p:ext>
+            </p:extLst>
+          </p:nvPr>
+        </p:nvSpPr>
+        <p:spPr>
+          <a:xfrm>
+            <a:off x="0" y="0"/>
+            <a:ext cx="12186315" cy="6858000"/>
+          </a:xfrm>
+          <a:prstGeom prst="rect">
+            <a:avLst/>
+          </a:prstGeom>
+          <a:ln>
+            <a:noFill/>
+          </a:ln>
+        </p:spPr>
+        <p:style>
+          <a:lnRef idx="2">
+            <a:schemeClr val="accent6">
+              <a:shade val="50000"/>
+            </a:schemeClr>
+          </a:lnRef>
+          <a:fillRef idx="1001">
+            <a:schemeClr val="lt1"/>
+          </a:fillRef>
+          <a:effectRef idx="0">
+            <a:schemeClr val="accent6"/>
+          </a:effectRef>
+          <a:fontRef idx="minor">
+            <a:schemeClr val="lt1"/>
+          </a:fontRef>
+        </p:style>
+        <p:txBody>
+          <a:bodyPr rtlCol="0" anchor="ctr"/>
+          <a:lstStyle/>
+          <a:p>
+            <a:pPr algn="ctr"/>
+            <a:endParaRPr lang="en-US"/>
+          </a:p>
+        </p:txBody>
+      </p:sp>
+      <p:sp>
+        <p:nvSpPr>
+          <p:cNvPr id="20" name="Rectangle 19">
+            <a:extLst>
+              <a:ext uri="{FF2B5EF4-FFF2-40B4-BE49-F238E27FC236}">
+                <a16:creationId xmlns:a16="http://schemas.microsoft.com/office/drawing/2014/main" id="{59FAB3DA-E9ED-4574-ABCC-378BC0FF1BBC}"/>
+              </a:ext>
+              <a:ext uri="{C183D7F6-B498-43B3-948B-1728B52AA6E4}">
+                <adec:decorative xmlns:adec="http://schemas.microsoft.com/office/drawing/2017/decorative" val="1"/>
+              </a:ext>
+            </a:extLst>
+          </p:cNvPr>
+          <p:cNvSpPr>
+            <a:spLocks noGrp="1" noRot="1" noChangeAspect="1" noMove="1" noResize="1" noEditPoints="1" noAdjustHandles="1" noChangeArrowheads="1" noChangeShapeType="1" noTextEdit="1"/>
+          </p:cNvSpPr>
+          <p:nvPr>
+            <p:extLst>
+              <p:ext uri="{386F3935-93C4-4BCD-93E2-E3B085C9AB24}">
+                <p16:designElem xmlns:p16="http://schemas.microsoft.com/office/powerpoint/2015/main" val="1"/>
+              </p:ext>
+            </p:extLst>
+          </p:nvPr>
+        </p:nvSpPr>
+        <p:spPr>
+          <a:xfrm>
+            <a:off x="16" y="0"/>
+            <a:ext cx="4050791" cy="6858000"/>
+          </a:xfrm>
+          <a:prstGeom prst="rect">
+            <a:avLst/>
+          </a:prstGeom>
+          <a:solidFill>
+            <a:schemeClr val="accent2"/>
+          </a:solidFill>
+          <a:ln>
+            <a:noFill/>
+          </a:ln>
+        </p:spPr>
+        <p:style>
+          <a:lnRef idx="2">
+            <a:schemeClr val="accent1">
+              <a:shade val="50000"/>
+            </a:schemeClr>
+          </a:lnRef>
+          <a:fillRef idx="1">
+            <a:schemeClr val="accent1"/>
+          </a:fillRef>
+          <a:effectRef idx="0">
+            <a:schemeClr val="accent1"/>
+          </a:effectRef>
+          <a:fontRef idx="minor">
+            <a:schemeClr val="lt1"/>
+          </a:fontRef>
+        </p:style>
+      </p:sp>
       <p:sp>
         <p:nvSpPr>
           <p:cNvPr id="2" name="Titel 1">
@@ -5264,18 +6850,22 @@
         </p:nvSpPr>
         <p:spPr>
           <a:xfrm>
-            <a:off x="1141413" y="618518"/>
-            <a:ext cx="9905998" cy="678437"/>
+            <a:off x="492370" y="516835"/>
+            <a:ext cx="3084844" cy="2103875"/>
           </a:xfrm>
         </p:spPr>
         <p:txBody>
           <a:bodyPr>
-            <a:normAutofit fontScale="90000"/>
+            <a:normAutofit/>
           </a:bodyPr>
           <a:lstStyle/>
           <a:p>
             <a:r>
-              <a:rPr lang="de-DE" dirty="0"/>
+              <a:rPr lang="de-DE" sz="3600" dirty="0">
+                <a:solidFill>
+                  <a:srgbClr val="FFFFFF"/>
+                </a:solidFill>
+              </a:rPr>
               <a:t>Die Umsetzung</a:t>
             </a:r>
           </a:p>
@@ -5297,12 +6887,186 @@
             <p:ph idx="1"/>
           </p:nvPr>
         </p:nvSpPr>
-        <p:spPr/>
-        <p:txBody>
-          <a:bodyPr/>
-          <a:lstStyle/>
-          <a:p>
-            <a:endParaRPr lang="de-DE" dirty="0"/>
+        <p:spPr>
+          <a:xfrm>
+            <a:off x="492371" y="2653800"/>
+            <a:ext cx="3084844" cy="3335519"/>
+          </a:xfrm>
+        </p:spPr>
+        <p:txBody>
+          <a:bodyPr>
+            <a:normAutofit/>
+          </a:bodyPr>
+          <a:lstStyle/>
+          <a:p>
+            <a:endParaRPr lang="de-DE" sz="1500" dirty="0">
+              <a:solidFill>
+                <a:srgbClr val="FFFFFF"/>
+              </a:solidFill>
+            </a:endParaRPr>
+          </a:p>
+          <a:p>
+            <a:r>
+              <a:rPr lang="de-DE" sz="1500" dirty="0">
+                <a:solidFill>
+                  <a:srgbClr val="FFFFFF"/>
+                </a:solidFill>
+              </a:rPr>
+              <a:t>Gebäude </a:t>
+            </a:r>
+          </a:p>
+          <a:p>
+            <a:r>
+              <a:rPr lang="de-DE" sz="1500" dirty="0">
+                <a:solidFill>
+                  <a:srgbClr val="FFFFFF"/>
+                </a:solidFill>
+              </a:rPr>
+              <a:t>Fachbereiche</a:t>
+            </a:r>
+          </a:p>
+          <a:p>
+            <a:pPr marL="0" indent="0">
+              <a:buNone/>
+            </a:pPr>
+            <a:endParaRPr lang="de-DE" sz="1500" dirty="0">
+              <a:solidFill>
+                <a:srgbClr val="FFFFFF"/>
+              </a:solidFill>
+            </a:endParaRPr>
+          </a:p>
+          <a:p>
+            <a:endParaRPr lang="de-DE" sz="1500" dirty="0">
+              <a:solidFill>
+                <a:srgbClr val="FFFFFF"/>
+              </a:solidFill>
+            </a:endParaRPr>
+          </a:p>
+        </p:txBody>
+      </p:sp>
+      <p:sp>
+        <p:nvSpPr>
+          <p:cNvPr id="22" name="Rectangle 21">
+            <a:extLst>
+              <a:ext uri="{FF2B5EF4-FFF2-40B4-BE49-F238E27FC236}">
+                <a16:creationId xmlns:a16="http://schemas.microsoft.com/office/drawing/2014/main" id="{53B8D6B0-55D6-48DC-86D8-FD95D5F118AB}"/>
+              </a:ext>
+              <a:ext uri="{C183D7F6-B498-43B3-948B-1728B52AA6E4}">
+                <adec:decorative xmlns:adec="http://schemas.microsoft.com/office/drawing/2017/decorative" val="1"/>
+              </a:ext>
+            </a:extLst>
+          </p:cNvPr>
+          <p:cNvSpPr>
+            <a:spLocks noGrp="1" noRot="1" noChangeAspect="1" noMove="1" noResize="1" noEditPoints="1" noAdjustHandles="1" noChangeArrowheads="1" noChangeShapeType="1" noTextEdit="1"/>
+          </p:cNvSpPr>
+          <p:nvPr>
+            <p:extLst>
+              <p:ext uri="{386F3935-93C4-4BCD-93E2-E3B085C9AB24}">
+                <p16:designElem xmlns:p16="http://schemas.microsoft.com/office/powerpoint/2015/main" val="1"/>
+              </p:ext>
+            </p:extLst>
+          </p:nvPr>
+        </p:nvSpPr>
+        <p:spPr>
+          <a:xfrm>
+            <a:off x="4040071" y="0"/>
+            <a:ext cx="64008" cy="6858000"/>
+          </a:xfrm>
+          <a:prstGeom prst="rect">
+            <a:avLst/>
+          </a:prstGeom>
+          <a:solidFill>
+            <a:schemeClr val="accent1"/>
+          </a:solidFill>
+          <a:ln>
+            <a:noFill/>
+          </a:ln>
+        </p:spPr>
+        <p:style>
+          <a:lnRef idx="2">
+            <a:schemeClr val="accent1">
+              <a:shade val="50000"/>
+            </a:schemeClr>
+          </a:lnRef>
+          <a:fillRef idx="1">
+            <a:schemeClr val="accent1"/>
+          </a:fillRef>
+          <a:effectRef idx="0">
+            <a:schemeClr val="accent1"/>
+          </a:effectRef>
+          <a:fontRef idx="minor">
+            <a:schemeClr val="lt1"/>
+          </a:fontRef>
+        </p:style>
+      </p:sp>
+      <p:pic>
+        <p:nvPicPr>
+          <p:cNvPr id="13" name="Grafik 12">
+            <a:extLst>
+              <a:ext uri="{FF2B5EF4-FFF2-40B4-BE49-F238E27FC236}">
+                <a16:creationId xmlns:a16="http://schemas.microsoft.com/office/drawing/2014/main" id="{6C2B2C2B-B7C7-4390-B3E1-B6F55650BC96}"/>
+              </a:ext>
+            </a:extLst>
+          </p:cNvPr>
+          <p:cNvPicPr>
+            <a:picLocks noChangeAspect="1"/>
+          </p:cNvPicPr>
+          <p:nvPr/>
+        </p:nvPicPr>
+        <p:blipFill>
+          <a:blip r:embed="rId2"/>
+          <a:stretch>
+            <a:fillRect/>
+          </a:stretch>
+        </p:blipFill>
+        <p:spPr>
+          <a:xfrm>
+            <a:off x="4339383" y="755780"/>
+            <a:ext cx="7540657" cy="5542383"/>
+          </a:xfrm>
+          <a:prstGeom prst="rect">
+            <a:avLst/>
+          </a:prstGeom>
+        </p:spPr>
+      </p:pic>
+      <p:sp>
+        <p:nvSpPr>
+          <p:cNvPr id="5" name="Fußzeilenplatzhalter 4">
+            <a:extLst>
+              <a:ext uri="{FF2B5EF4-FFF2-40B4-BE49-F238E27FC236}">
+                <a16:creationId xmlns:a16="http://schemas.microsoft.com/office/drawing/2014/main" id="{5E66A830-AD7B-45A5-B0B2-57F7A213BC42}"/>
+              </a:ext>
+            </a:extLst>
+          </p:cNvPr>
+          <p:cNvSpPr>
+            <a:spLocks noGrp="1"/>
+          </p:cNvSpPr>
+          <p:nvPr>
+            <p:ph type="ftr" sz="quarter" idx="11"/>
+          </p:nvPr>
+        </p:nvSpPr>
+        <p:spPr>
+          <a:xfrm>
+            <a:off x="1089175" y="6459785"/>
+            <a:ext cx="3757243" cy="365125"/>
+          </a:xfrm>
+        </p:spPr>
+        <p:txBody>
+          <a:bodyPr>
+            <a:normAutofit/>
+          </a:bodyPr>
+          <a:lstStyle/>
+          <a:p>
+            <a:pPr algn="l">
+              <a:spcAft>
+                <a:spcPts val="600"/>
+              </a:spcAft>
+            </a:pPr>
+            <a:r>
+              <a:rPr lang="de-DE"/>
+              <a:t>Bosin, Espig, Lauenroth, Siefert, Techel</a:t>
+            </a:r>
+            <a:endParaRPr lang="en-US"/>
           </a:p>
         </p:txBody>
       </p:sp>
@@ -5322,45 +7086,33 @@
             <p:ph type="dt" sz="half" idx="10"/>
           </p:nvPr>
         </p:nvSpPr>
-        <p:spPr/>
-        <p:txBody>
-          <a:bodyPr/>
-          <a:lstStyle/>
-          <a:p>
+        <p:spPr>
+          <a:xfrm>
+            <a:off x="5364202" y="6459785"/>
+            <a:ext cx="1735371" cy="365125"/>
+          </a:xfrm>
+        </p:spPr>
+        <p:txBody>
+          <a:bodyPr>
+            <a:normAutofit/>
+          </a:bodyPr>
+          <a:lstStyle/>
+          <a:p>
+            <a:pPr algn="r">
+              <a:spcAft>
+                <a:spcPts val="600"/>
+              </a:spcAft>
+            </a:pPr>
             <a:fld id="{745FFD75-3049-4E7A-8FFF-7B1BB1DB6209}" type="datetime1">
               <a:rPr lang="de-DE" smtClean="0"/>
+              <a:pPr algn="r">
+                <a:spcAft>
+                  <a:spcPts val="600"/>
+                </a:spcAft>
+              </a:pPr>
               <a:t>04.12.2018</a:t>
             </a:fld>
-            <a:endParaRPr lang="en-US" dirty="0"/>
-          </a:p>
-        </p:txBody>
-      </p:sp>
-      <p:sp>
-        <p:nvSpPr>
-          <p:cNvPr id="5" name="Fußzeilenplatzhalter 4">
-            <a:extLst>
-              <a:ext uri="{FF2B5EF4-FFF2-40B4-BE49-F238E27FC236}">
-                <a16:creationId xmlns:a16="http://schemas.microsoft.com/office/drawing/2014/main" id="{5E66A830-AD7B-45A5-B0B2-57F7A213BC42}"/>
-              </a:ext>
-            </a:extLst>
-          </p:cNvPr>
-          <p:cNvSpPr>
-            <a:spLocks noGrp="1"/>
-          </p:cNvSpPr>
-          <p:nvPr>
-            <p:ph type="ftr" sz="quarter" idx="11"/>
-          </p:nvPr>
-        </p:nvSpPr>
-        <p:spPr/>
-        <p:txBody>
-          <a:bodyPr/>
-          <a:lstStyle/>
-          <a:p>
-            <a:r>
-              <a:rPr lang="de-DE"/>
-              <a:t>Bosin, Espig, Lauenroth, Siefert, Techel</a:t>
-            </a:r>
-            <a:endParaRPr lang="en-US" dirty="0"/>
+            <a:endParaRPr lang="en-US"/>
           </a:p>
         </p:txBody>
       </p:sp>
@@ -5380,16 +7132,41 @@
             <p:ph type="sldNum" sz="quarter" idx="12"/>
           </p:nvPr>
         </p:nvSpPr>
-        <p:spPr/>
-        <p:txBody>
-          <a:bodyPr/>
-          <a:lstStyle/>
-          <a:p>
+        <p:spPr>
+          <a:xfrm>
+            <a:off x="9900458" y="6459785"/>
+            <a:ext cx="1312025" cy="365125"/>
+          </a:xfrm>
+        </p:spPr>
+        <p:txBody>
+          <a:bodyPr>
+            <a:normAutofit/>
+          </a:bodyPr>
+          <a:lstStyle/>
+          <a:p>
+            <a:pPr>
+              <a:spcAft>
+                <a:spcPts val="600"/>
+              </a:spcAft>
+            </a:pPr>
             <a:fld id="{6D22F896-40B5-4ADD-8801-0D06FADFA095}" type="slidenum">
-              <a:rPr lang="en-US" smtClean="0"/>
-              <a:t>4</a:t>
+              <a:rPr lang="en-US">
+                <a:solidFill>
+                  <a:schemeClr val="tx2"/>
+                </a:solidFill>
+              </a:rPr>
+              <a:pPr>
+                <a:spcAft>
+                  <a:spcPts val="600"/>
+                </a:spcAft>
+              </a:pPr>
+              <a:t>2</a:t>
             </a:fld>
-            <a:endParaRPr lang="en-US" dirty="0"/>
+            <a:endParaRPr lang="en-US">
+              <a:solidFill>
+                <a:schemeClr val="tx2"/>
+              </a:solidFill>
+            </a:endParaRPr>
           </a:p>
         </p:txBody>
       </p:sp>
@@ -5409,6 +7186,14 @@
 <file path=ppt/slides/slide5.xml><?xml version="1.0" encoding="utf-8"?>
 <p:sld xmlns:a="http://schemas.openxmlformats.org/drawingml/2006/main" xmlns:r="http://schemas.openxmlformats.org/officeDocument/2006/relationships" xmlns:p="http://schemas.openxmlformats.org/presentationml/2006/main">
   <p:cSld>
+    <p:bg>
+      <p:bgPr>
+        <a:solidFill>
+          <a:schemeClr val="bg1"/>
+        </a:solidFill>
+        <a:effectLst/>
+      </p:bgPr>
+    </p:bg>
     <p:spTree>
       <p:nvGrpSpPr>
         <p:cNvPr id="1" name=""/>
@@ -5423,12 +7208,127 @@
           <a:chExt cx="0" cy="0"/>
         </a:xfrm>
       </p:grpSpPr>
+      <p:sp useBgFill="1">
+        <p:nvSpPr>
+          <p:cNvPr id="12" name="Rectangle 11">
+            <a:extLst>
+              <a:ext uri="{FF2B5EF4-FFF2-40B4-BE49-F238E27FC236}">
+                <a16:creationId xmlns:a16="http://schemas.microsoft.com/office/drawing/2014/main" id="{44CC594A-A820-450F-B363-C19201FCFEC6}"/>
+              </a:ext>
+              <a:ext uri="{C183D7F6-B498-43B3-948B-1728B52AA6E4}">
+                <adec:decorative xmlns:adec="http://schemas.microsoft.com/office/drawing/2017/decorative" val="1"/>
+              </a:ext>
+            </a:extLst>
+          </p:cNvPr>
+          <p:cNvSpPr>
+            <a:spLocks noGrp="1" noRot="1" noChangeAspect="1" noMove="1" noResize="1" noEditPoints="1" noAdjustHandles="1" noChangeArrowheads="1" noChangeShapeType="1" noTextEdit="1"/>
+          </p:cNvSpPr>
+          <p:nvPr>
+            <p:extLst>
+              <p:ext uri="{386F3935-93C4-4BCD-93E2-E3B085C9AB24}">
+                <p16:designElem xmlns:p16="http://schemas.microsoft.com/office/powerpoint/2015/main" val="1"/>
+              </p:ext>
+            </p:extLst>
+          </p:nvPr>
+        </p:nvSpPr>
+        <p:spPr>
+          <a:xfrm>
+            <a:off x="0" y="0"/>
+            <a:ext cx="12186315" cy="6858000"/>
+          </a:xfrm>
+          <a:prstGeom prst="rect">
+            <a:avLst/>
+          </a:prstGeom>
+          <a:ln>
+            <a:noFill/>
+          </a:ln>
+        </p:spPr>
+        <p:style>
+          <a:lnRef idx="2">
+            <a:schemeClr val="accent6">
+              <a:shade val="50000"/>
+            </a:schemeClr>
+          </a:lnRef>
+          <a:fillRef idx="1001">
+            <a:schemeClr val="lt1"/>
+          </a:fillRef>
+          <a:effectRef idx="0">
+            <a:schemeClr val="accent6"/>
+          </a:effectRef>
+          <a:fontRef idx="minor">
+            <a:schemeClr val="lt1"/>
+          </a:fontRef>
+        </p:style>
+        <p:txBody>
+          <a:bodyPr rtlCol="0" anchor="ctr"/>
+          <a:lstStyle/>
+          <a:p>
+            <a:pPr algn="ctr"/>
+            <a:endParaRPr lang="en-US"/>
+          </a:p>
+        </p:txBody>
+      </p:sp>
+      <p:sp>
+        <p:nvSpPr>
+          <p:cNvPr id="14" name="Rectangle 13">
+            <a:extLst>
+              <a:ext uri="{FF2B5EF4-FFF2-40B4-BE49-F238E27FC236}">
+                <a16:creationId xmlns:a16="http://schemas.microsoft.com/office/drawing/2014/main" id="{59FAB3DA-E9ED-4574-ABCC-378BC0FF1BBC}"/>
+              </a:ext>
+              <a:ext uri="{C183D7F6-B498-43B3-948B-1728B52AA6E4}">
+                <adec:decorative xmlns:adec="http://schemas.microsoft.com/office/drawing/2017/decorative" val="1"/>
+              </a:ext>
+            </a:extLst>
+          </p:cNvPr>
+          <p:cNvSpPr>
+            <a:spLocks noGrp="1" noRot="1" noChangeAspect="1" noMove="1" noResize="1" noEditPoints="1" noAdjustHandles="1" noChangeArrowheads="1" noChangeShapeType="1" noTextEdit="1"/>
+          </p:cNvSpPr>
+          <p:nvPr>
+            <p:extLst>
+              <p:ext uri="{386F3935-93C4-4BCD-93E2-E3B085C9AB24}">
+                <p16:designElem xmlns:p16="http://schemas.microsoft.com/office/powerpoint/2015/main" val="1"/>
+              </p:ext>
+            </p:extLst>
+          </p:nvPr>
+        </p:nvSpPr>
+        <p:spPr>
+          <a:xfrm>
+            <a:off x="16" y="0"/>
+            <a:ext cx="4050791" cy="6858000"/>
+          </a:xfrm>
+          <a:prstGeom prst="rect">
+            <a:avLst/>
+          </a:prstGeom>
+          <a:solidFill>
+            <a:schemeClr val="accent2"/>
+          </a:solidFill>
+          <a:ln>
+            <a:noFill/>
+          </a:ln>
+        </p:spPr>
+        <p:style>
+          <a:lnRef idx="2">
+            <a:schemeClr val="accent1">
+              <a:shade val="50000"/>
+            </a:schemeClr>
+          </a:lnRef>
+          <a:fillRef idx="1">
+            <a:schemeClr val="accent1"/>
+          </a:fillRef>
+          <a:effectRef idx="0">
+            <a:schemeClr val="accent1"/>
+          </a:effectRef>
+          <a:fontRef idx="minor">
+            <a:schemeClr val="lt1"/>
+          </a:fontRef>
+        </p:style>
+      </p:sp>
       <p:sp>
         <p:nvSpPr>
           <p:cNvPr id="2" name="Titel 1">
             <a:extLst>
               <a:ext uri="{FF2B5EF4-FFF2-40B4-BE49-F238E27FC236}">
-                <a16:creationId xmlns:a16="http://schemas.microsoft.com/office/drawing/2014/main" id="{73B0803F-9AD0-4840-9BD5-0007ECDBCEDF}"/>
+                <a16:creationId xmlns:a16="http://schemas.microsoft.com/office/drawing/2014/main" id="{0600C6FB-B206-4AED-8E9F-FAD7C0AD5625}"/>
               </a:ext>
             </a:extLst>
           </p:cNvPr>
@@ -5441,18 +7341,22 @@
         </p:nvSpPr>
         <p:spPr>
           <a:xfrm>
-            <a:off x="1141413" y="618518"/>
-            <a:ext cx="9905998" cy="678437"/>
+            <a:off x="492370" y="516835"/>
+            <a:ext cx="3084844" cy="2103875"/>
           </a:xfrm>
         </p:spPr>
         <p:txBody>
           <a:bodyPr>
-            <a:normAutofit fontScale="90000"/>
+            <a:normAutofit/>
           </a:bodyPr>
           <a:lstStyle/>
           <a:p>
             <a:r>
-              <a:rPr lang="de-DE" dirty="0"/>
+              <a:rPr lang="de-DE" sz="3600" dirty="0">
+                <a:solidFill>
+                  <a:srgbClr val="FFFFFF"/>
+                </a:solidFill>
+              </a:rPr>
               <a:t>Die Umsetzung</a:t>
             </a:r>
           </a:p>
@@ -5463,7 +7367,7 @@
           <p:cNvPr id="3" name="Inhaltsplatzhalter 2">
             <a:extLst>
               <a:ext uri="{FF2B5EF4-FFF2-40B4-BE49-F238E27FC236}">
-                <a16:creationId xmlns:a16="http://schemas.microsoft.com/office/drawing/2014/main" id="{9F729D8B-CB1B-426A-9555-908D4F259F5D}"/>
+                <a16:creationId xmlns:a16="http://schemas.microsoft.com/office/drawing/2014/main" id="{F1FEFB1E-0286-4E48-B98B-F0B983E480B2}"/>
               </a:ext>
             </a:extLst>
           </p:cNvPr>
@@ -5474,33 +7378,168 @@
             <p:ph idx="1"/>
           </p:nvPr>
         </p:nvSpPr>
-        <p:spPr/>
-        <p:txBody>
-          <a:bodyPr/>
-          <a:lstStyle/>
-          <a:p>
+        <p:spPr>
+          <a:xfrm>
+            <a:off x="492371" y="2653800"/>
+            <a:ext cx="3084844" cy="3335519"/>
+          </a:xfrm>
+        </p:spPr>
+        <p:txBody>
+          <a:bodyPr>
+            <a:normAutofit/>
+          </a:bodyPr>
+          <a:lstStyle/>
+          <a:p>
+            <a:endParaRPr lang="de-DE" sz="1500" dirty="0">
+              <a:solidFill>
+                <a:srgbClr val="FFFFFF"/>
+              </a:solidFill>
+            </a:endParaRPr>
+          </a:p>
+          <a:p>
+            <a:r>
+              <a:rPr lang="de-DE" sz="1500" dirty="0" err="1">
+                <a:solidFill>
+                  <a:srgbClr val="FFFFFF"/>
+                </a:solidFill>
+              </a:rPr>
+              <a:t>Ersties</a:t>
+            </a:r>
+            <a:endParaRPr lang="de-DE" sz="1500" dirty="0">
+              <a:solidFill>
+                <a:srgbClr val="FFFFFF"/>
+              </a:solidFill>
+            </a:endParaRPr>
+          </a:p>
+          <a:p>
+            <a:r>
+              <a:rPr lang="de-DE" sz="1500" dirty="0">
+                <a:solidFill>
+                  <a:srgbClr val="FFFFFF"/>
+                </a:solidFill>
+              </a:rPr>
+              <a:t>Studenten</a:t>
+            </a:r>
+          </a:p>
+          <a:p>
+            <a:r>
+              <a:rPr lang="de-DE" sz="1500" dirty="0">
+                <a:solidFill>
+                  <a:srgbClr val="FFFFFF"/>
+                </a:solidFill>
+              </a:rPr>
+              <a:t>Professoren</a:t>
+            </a:r>
+          </a:p>
+          <a:p>
+            <a:endParaRPr lang="de-DE" sz="1500" dirty="0">
+              <a:solidFill>
+                <a:srgbClr val="FFFFFF"/>
+              </a:solidFill>
+            </a:endParaRPr>
+          </a:p>
+          <a:p>
+            <a:endParaRPr lang="de-DE" sz="1500" dirty="0">
+              <a:solidFill>
+                <a:srgbClr val="FFFFFF"/>
+              </a:solidFill>
+            </a:endParaRPr>
+          </a:p>
+        </p:txBody>
+      </p:sp>
+      <p:sp>
+        <p:nvSpPr>
+          <p:cNvPr id="16" name="Rectangle 15">
+            <a:extLst>
+              <a:ext uri="{FF2B5EF4-FFF2-40B4-BE49-F238E27FC236}">
+                <a16:creationId xmlns:a16="http://schemas.microsoft.com/office/drawing/2014/main" id="{53B8D6B0-55D6-48DC-86D8-FD95D5F118AB}"/>
+              </a:ext>
+              <a:ext uri="{C183D7F6-B498-43B3-948B-1728B52AA6E4}">
+                <adec:decorative xmlns:adec="http://schemas.microsoft.com/office/drawing/2017/decorative" val="1"/>
+              </a:ext>
+            </a:extLst>
+          </p:cNvPr>
+          <p:cNvSpPr>
+            <a:spLocks noGrp="1" noRot="1" noChangeAspect="1" noMove="1" noResize="1" noEditPoints="1" noAdjustHandles="1" noChangeArrowheads="1" noChangeShapeType="1" noTextEdit="1"/>
+          </p:cNvSpPr>
+          <p:nvPr>
+            <p:extLst>
+              <p:ext uri="{386F3935-93C4-4BCD-93E2-E3B085C9AB24}">
+                <p16:designElem xmlns:p16="http://schemas.microsoft.com/office/powerpoint/2015/main" val="1"/>
+              </p:ext>
+            </p:extLst>
+          </p:nvPr>
+        </p:nvSpPr>
+        <p:spPr>
+          <a:xfrm>
+            <a:off x="4040071" y="0"/>
+            <a:ext cx="64008" cy="6858000"/>
+          </a:xfrm>
+          <a:prstGeom prst="rect">
+            <a:avLst/>
+          </a:prstGeom>
+          <a:solidFill>
+            <a:schemeClr val="accent1"/>
+          </a:solidFill>
+          <a:ln>
+            <a:noFill/>
+          </a:ln>
+        </p:spPr>
+        <p:style>
+          <a:lnRef idx="2">
+            <a:schemeClr val="accent1">
+              <a:shade val="50000"/>
+            </a:schemeClr>
+          </a:lnRef>
+          <a:fillRef idx="1">
+            <a:schemeClr val="accent1"/>
+          </a:fillRef>
+          <a:effectRef idx="0">
+            <a:schemeClr val="accent1"/>
+          </a:effectRef>
+          <a:fontRef idx="minor">
+            <a:schemeClr val="lt1"/>
+          </a:fontRef>
+        </p:style>
+      </p:sp>
+      <p:sp>
+        <p:nvSpPr>
+          <p:cNvPr id="5" name="Fußzeilenplatzhalter 4">
+            <a:extLst>
+              <a:ext uri="{FF2B5EF4-FFF2-40B4-BE49-F238E27FC236}">
+                <a16:creationId xmlns:a16="http://schemas.microsoft.com/office/drawing/2014/main" id="{3E9997F8-3509-4D72-AC82-0238C9ECF4CC}"/>
+              </a:ext>
+            </a:extLst>
+          </p:cNvPr>
+          <p:cNvSpPr>
+            <a:spLocks noGrp="1"/>
+          </p:cNvSpPr>
+          <p:nvPr>
+            <p:ph type="ftr" sz="quarter" idx="11"/>
+          </p:nvPr>
+        </p:nvSpPr>
+        <p:spPr>
+          <a:xfrm>
+            <a:off x="1089175" y="6459785"/>
+            <a:ext cx="3757243" cy="365125"/>
+          </a:xfrm>
+        </p:spPr>
+        <p:txBody>
+          <a:bodyPr>
+            <a:normAutofit/>
+          </a:bodyPr>
+          <a:lstStyle/>
+          <a:p>
+            <a:pPr algn="l">
+              <a:spcAft>
+                <a:spcPts val="600"/>
+              </a:spcAft>
+            </a:pPr>
             <a:r>
               <a:rPr lang="de-DE" dirty="0"/>
-              <a:t>Anforderungsspezifikation</a:t>
-            </a:r>
-          </a:p>
-          <a:p>
-            <a:r>
-              <a:rPr lang="de-DE" dirty="0"/>
-              <a:t>Fachliches Datenmodell</a:t>
-            </a:r>
-          </a:p>
-          <a:p>
-            <a:r>
-              <a:rPr lang="de-DE" dirty="0"/>
-              <a:t>Architekturdokument</a:t>
-            </a:r>
-          </a:p>
-          <a:p>
-            <a:r>
-              <a:rPr lang="de-DE" dirty="0"/>
-              <a:t>Testprotokolle</a:t>
-            </a:r>
+              <a:t>Bosin, Espig, Lauenroth, Siefert, Techel</a:t>
+            </a:r>
+            <a:endParaRPr lang="en-US" dirty="0"/>
           </a:p>
         </p:txBody>
       </p:sp>
@@ -5509,7 +7548,7 @@
           <p:cNvPr id="4" name="Datumsplatzhalter 3">
             <a:extLst>
               <a:ext uri="{FF2B5EF4-FFF2-40B4-BE49-F238E27FC236}">
-                <a16:creationId xmlns:a16="http://schemas.microsoft.com/office/drawing/2014/main" id="{E10339D6-AA5C-41D6-ACB1-7DABAE317398}"/>
+                <a16:creationId xmlns:a16="http://schemas.microsoft.com/office/drawing/2014/main" id="{F0FE312B-E276-4FD0-B9EC-10FD652BD729}"/>
               </a:ext>
             </a:extLst>
           </p:cNvPr>
@@ -5520,45 +7559,33 @@
             <p:ph type="dt" sz="half" idx="10"/>
           </p:nvPr>
         </p:nvSpPr>
-        <p:spPr/>
-        <p:txBody>
-          <a:bodyPr/>
-          <a:lstStyle/>
-          <a:p>
-            <a:fld id="{745FFD75-3049-4E7A-8FFF-7B1BB1DB6209}" type="datetime1">
+        <p:spPr>
+          <a:xfrm>
+            <a:off x="5364202" y="6459785"/>
+            <a:ext cx="1735371" cy="365125"/>
+          </a:xfrm>
+        </p:spPr>
+        <p:txBody>
+          <a:bodyPr>
+            <a:normAutofit/>
+          </a:bodyPr>
+          <a:lstStyle/>
+          <a:p>
+            <a:pPr algn="r">
+              <a:spcAft>
+                <a:spcPts val="600"/>
+              </a:spcAft>
+            </a:pPr>
+            <a:fld id="{6DFF5AA2-2B9B-4807-B2FD-96ADC2DDE0E2}" type="datetime1">
               <a:rPr lang="de-DE" smtClean="0"/>
+              <a:pPr algn="r">
+                <a:spcAft>
+                  <a:spcPts val="600"/>
+                </a:spcAft>
+              </a:pPr>
               <a:t>04.12.2018</a:t>
             </a:fld>
-            <a:endParaRPr lang="en-US" dirty="0"/>
-          </a:p>
-        </p:txBody>
-      </p:sp>
-      <p:sp>
-        <p:nvSpPr>
-          <p:cNvPr id="5" name="Fußzeilenplatzhalter 4">
-            <a:extLst>
-              <a:ext uri="{FF2B5EF4-FFF2-40B4-BE49-F238E27FC236}">
-                <a16:creationId xmlns:a16="http://schemas.microsoft.com/office/drawing/2014/main" id="{5E66A830-AD7B-45A5-B0B2-57F7A213BC42}"/>
-              </a:ext>
-            </a:extLst>
-          </p:cNvPr>
-          <p:cNvSpPr>
-            <a:spLocks noGrp="1"/>
-          </p:cNvSpPr>
-          <p:nvPr>
-            <p:ph type="ftr" sz="quarter" idx="11"/>
-          </p:nvPr>
-        </p:nvSpPr>
-        <p:spPr/>
-        <p:txBody>
-          <a:bodyPr/>
-          <a:lstStyle/>
-          <a:p>
-            <a:r>
-              <a:rPr lang="de-DE"/>
-              <a:t>Bosin, Espig, Lauenroth, Siefert, Techel</a:t>
-            </a:r>
-            <a:endParaRPr lang="en-US" dirty="0"/>
+            <a:endParaRPr lang="en-US"/>
           </a:p>
         </p:txBody>
       </p:sp>
@@ -5567,7 +7594,7 @@
           <p:cNvPr id="6" name="Foliennummernplatzhalter 5">
             <a:extLst>
               <a:ext uri="{FF2B5EF4-FFF2-40B4-BE49-F238E27FC236}">
-                <a16:creationId xmlns:a16="http://schemas.microsoft.com/office/drawing/2014/main" id="{4EE5634B-DCE9-4B9E-9F2D-E5FE7CC93FB0}"/>
+                <a16:creationId xmlns:a16="http://schemas.microsoft.com/office/drawing/2014/main" id="{2399D1B6-5D2C-4AA9-AAFD-6238D2BC160C}"/>
               </a:ext>
             </a:extLst>
           </p:cNvPr>
@@ -5578,23 +7605,138 @@
             <p:ph type="sldNum" sz="quarter" idx="12"/>
           </p:nvPr>
         </p:nvSpPr>
-        <p:spPr/>
-        <p:txBody>
-          <a:bodyPr/>
-          <a:lstStyle/>
-          <a:p>
+        <p:spPr>
+          <a:xfrm>
+            <a:off x="9900458" y="6459785"/>
+            <a:ext cx="1312025" cy="365125"/>
+          </a:xfrm>
+        </p:spPr>
+        <p:txBody>
+          <a:bodyPr>
+            <a:normAutofit/>
+          </a:bodyPr>
+          <a:lstStyle/>
+          <a:p>
+            <a:pPr>
+              <a:spcAft>
+                <a:spcPts val="600"/>
+              </a:spcAft>
+            </a:pPr>
             <a:fld id="{6D22F896-40B5-4ADD-8801-0D06FADFA095}" type="slidenum">
-              <a:rPr lang="en-US" smtClean="0"/>
+              <a:rPr lang="en-US">
+                <a:solidFill>
+                  <a:schemeClr val="tx2"/>
+                </a:solidFill>
+              </a:rPr>
+              <a:pPr>
+                <a:spcAft>
+                  <a:spcPts val="600"/>
+                </a:spcAft>
+              </a:pPr>
               <a:t>5</a:t>
             </a:fld>
-            <a:endParaRPr lang="en-US" dirty="0"/>
-          </a:p>
-        </p:txBody>
-      </p:sp>
+            <a:endParaRPr lang="en-US">
+              <a:solidFill>
+                <a:schemeClr val="tx2"/>
+              </a:solidFill>
+            </a:endParaRPr>
+          </a:p>
+        </p:txBody>
+      </p:sp>
+      <p:pic>
+        <p:nvPicPr>
+          <p:cNvPr id="9" name="Grafik 8">
+            <a:extLst>
+              <a:ext uri="{FF2B5EF4-FFF2-40B4-BE49-F238E27FC236}">
+                <a16:creationId xmlns:a16="http://schemas.microsoft.com/office/drawing/2014/main" id="{4510FB57-E748-4F1E-9BFA-410144572304}"/>
+              </a:ext>
+            </a:extLst>
+          </p:cNvPr>
+          <p:cNvPicPr>
+            <a:picLocks noChangeAspect="1"/>
+          </p:cNvPicPr>
+          <p:nvPr/>
+        </p:nvPicPr>
+        <p:blipFill>
+          <a:blip r:embed="rId2"/>
+          <a:stretch>
+            <a:fillRect/>
+          </a:stretch>
+        </p:blipFill>
+        <p:spPr>
+          <a:xfrm>
+            <a:off x="4960717" y="1001233"/>
+            <a:ext cx="1346777" cy="2159925"/>
+          </a:xfrm>
+          <a:prstGeom prst="rect">
+            <a:avLst/>
+          </a:prstGeom>
+        </p:spPr>
+      </p:pic>
+      <p:pic>
+        <p:nvPicPr>
+          <p:cNvPr id="11" name="Grafik 10" descr="Ein Bild, das ClipArt enthält.&#10;&#10;Mit sehr hoher Zuverlässigkeit generierte Beschreibung">
+            <a:extLst>
+              <a:ext uri="{FF2B5EF4-FFF2-40B4-BE49-F238E27FC236}">
+                <a16:creationId xmlns:a16="http://schemas.microsoft.com/office/drawing/2014/main" id="{335674C5-3761-4ED7-BD99-C63098AB0F87}"/>
+              </a:ext>
+            </a:extLst>
+          </p:cNvPr>
+          <p:cNvPicPr>
+            <a:picLocks noChangeAspect="1"/>
+          </p:cNvPicPr>
+          <p:nvPr/>
+        </p:nvPicPr>
+        <p:blipFill>
+          <a:blip r:embed="rId3"/>
+          <a:stretch>
+            <a:fillRect/>
+          </a:stretch>
+        </p:blipFill>
+        <p:spPr>
+          <a:xfrm>
+            <a:off x="9063341" y="1053377"/>
+            <a:ext cx="1346776" cy="2114564"/>
+          </a:xfrm>
+          <a:prstGeom prst="rect">
+            <a:avLst/>
+          </a:prstGeom>
+        </p:spPr>
+      </p:pic>
+      <p:pic>
+        <p:nvPicPr>
+          <p:cNvPr id="15" name="Grafik 14">
+            <a:extLst>
+              <a:ext uri="{FF2B5EF4-FFF2-40B4-BE49-F238E27FC236}">
+                <a16:creationId xmlns:a16="http://schemas.microsoft.com/office/drawing/2014/main" id="{73798F1D-08AB-4DBA-B9C1-CF20421D3B4D}"/>
+              </a:ext>
+            </a:extLst>
+          </p:cNvPr>
+          <p:cNvPicPr>
+            <a:picLocks noChangeAspect="1"/>
+          </p:cNvPicPr>
+          <p:nvPr/>
+        </p:nvPicPr>
+        <p:blipFill>
+          <a:blip r:embed="rId4"/>
+          <a:stretch>
+            <a:fillRect/>
+          </a:stretch>
+        </p:blipFill>
+        <p:spPr>
+          <a:xfrm>
+            <a:off x="6093157" y="4015776"/>
+            <a:ext cx="3200035" cy="1994388"/>
+          </a:xfrm>
+          <a:prstGeom prst="rect">
+            <a:avLst/>
+          </a:prstGeom>
+        </p:spPr>
+      </p:pic>
     </p:spTree>
     <p:extLst>
       <p:ext uri="{BB962C8B-B14F-4D97-AF65-F5344CB8AC3E}">
-        <p14:creationId xmlns:p14="http://schemas.microsoft.com/office/powerpoint/2010/main" val="3512504099"/>
+        <p14:creationId xmlns:p14="http://schemas.microsoft.com/office/powerpoint/2010/main" val="26639703"/>
       </p:ext>
     </p:extLst>
   </p:cSld>
@@ -5607,6 +7749,14 @@
 <file path=ppt/slides/slide6.xml><?xml version="1.0" encoding="utf-8"?>
 <p:sld xmlns:a="http://schemas.openxmlformats.org/drawingml/2006/main" xmlns:r="http://schemas.openxmlformats.org/officeDocument/2006/relationships" xmlns:p="http://schemas.openxmlformats.org/presentationml/2006/main">
   <p:cSld>
+    <p:bg>
+      <p:bgPr>
+        <a:solidFill>
+          <a:schemeClr val="bg1"/>
+        </a:solidFill>
+        <a:effectLst/>
+      </p:bgPr>
+    </p:bg>
     <p:spTree>
       <p:nvGrpSpPr>
         <p:cNvPr id="1" name=""/>
@@ -5621,81 +7771,130 @@
           <a:chExt cx="0" cy="0"/>
         </a:xfrm>
       </p:grpSpPr>
-      <p:sp>
-        <p:nvSpPr>
-          <p:cNvPr id="2" name="Titel 1"/>
-          <p:cNvSpPr>
-            <a:spLocks noGrp="1"/>
-          </p:cNvSpPr>
-          <p:nvPr>
-            <p:ph type="title"/>
-          </p:nvPr>
-        </p:nvSpPr>
-        <p:spPr>
-          <a:xfrm>
-            <a:off x="1141413" y="618518"/>
-            <a:ext cx="9905998" cy="650445"/>
-          </a:xfrm>
-        </p:spPr>
-        <p:txBody>
-          <a:bodyPr>
-            <a:normAutofit fontScale="90000"/>
-          </a:bodyPr>
-          <a:lstStyle/>
-          <a:p>
-            <a:r>
-              <a:rPr lang="de-DE" dirty="0"/>
-              <a:t>Anforderungsspezifikation</a:t>
-            </a:r>
-          </a:p>
-        </p:txBody>
-      </p:sp>
-      <p:pic>
-        <p:nvPicPr>
-          <p:cNvPr id="7" name="Bild 35" descr="../../../../Desktop/Anwendungsfalldiagramm.png">
+      <p:sp useBgFill="1">
+        <p:nvSpPr>
+          <p:cNvPr id="11" name="Rectangle 10">
             <a:extLst>
               <a:ext uri="{FF2B5EF4-FFF2-40B4-BE49-F238E27FC236}">
-                <a16:creationId xmlns:a16="http://schemas.microsoft.com/office/drawing/2014/main" id="{BABADB64-016F-4004-B0DC-623564AE1B15}"/>
+                <a16:creationId xmlns:a16="http://schemas.microsoft.com/office/drawing/2014/main" id="{3741B58E-3B65-4A01-A276-975AB2CF8A08}"/>
+              </a:ext>
+              <a:ext uri="{C183D7F6-B498-43B3-948B-1728B52AA6E4}">
+                <adec:decorative xmlns:adec="http://schemas.microsoft.com/office/drawing/2017/decorative" val="1"/>
               </a:ext>
             </a:extLst>
           </p:cNvPr>
-          <p:cNvPicPr>
-            <a:picLocks noGrp="1"/>
-          </p:cNvPicPr>
-          <p:nvPr>
-            <p:ph idx="1"/>
-          </p:nvPr>
-        </p:nvPicPr>
-        <p:blipFill>
-          <a:blip r:embed="rId2">
-            <a:extLst>
-              <a:ext uri="{28A0092B-C50C-407E-A947-70E740481C1C}">
-                <a14:useLocalDpi xmlns:a14="http://schemas.microsoft.com/office/drawing/2010/main" val="0"/>
-              </a:ext>
-            </a:extLst>
-          </a:blip>
-          <a:srcRect/>
-          <a:stretch>
-            <a:fillRect/>
-          </a:stretch>
-        </p:blipFill>
-        <p:spPr bwMode="auto">
-          <a:xfrm>
-            <a:off x="1141413" y="2053085"/>
-            <a:ext cx="9905998" cy="3622577"/>
+          <p:cNvSpPr>
+            <a:spLocks noGrp="1" noRot="1" noChangeAspect="1" noMove="1" noResize="1" noEditPoints="1" noAdjustHandles="1" noChangeArrowheads="1" noChangeShapeType="1" noTextEdit="1"/>
+          </p:cNvSpPr>
+          <p:nvPr>
+            <p:extLst>
+              <p:ext uri="{386F3935-93C4-4BCD-93E2-E3B085C9AB24}">
+                <p16:designElem xmlns:p16="http://schemas.microsoft.com/office/powerpoint/2015/main" val="1"/>
+              </p:ext>
+            </p:extLst>
+          </p:nvPr>
+        </p:nvSpPr>
+        <p:spPr>
+          <a:xfrm>
+            <a:off x="0" y="0"/>
+            <a:ext cx="12186315" cy="6858000"/>
           </a:xfrm>
           <a:prstGeom prst="rect">
             <a:avLst/>
           </a:prstGeom>
-          <a:noFill/>
           <a:ln>
             <a:noFill/>
           </a:ln>
         </p:spPr>
-      </p:pic>
-      <p:sp>
-        <p:nvSpPr>
-          <p:cNvPr id="4" name="Datumsplatzhalter 3"/>
+        <p:style>
+          <a:lnRef idx="2">
+            <a:schemeClr val="accent6">
+              <a:shade val="50000"/>
+            </a:schemeClr>
+          </a:lnRef>
+          <a:fillRef idx="1001">
+            <a:schemeClr val="lt1"/>
+          </a:fillRef>
+          <a:effectRef idx="0">
+            <a:schemeClr val="accent6"/>
+          </a:effectRef>
+          <a:fontRef idx="minor">
+            <a:schemeClr val="lt1"/>
+          </a:fontRef>
+        </p:style>
+        <p:txBody>
+          <a:bodyPr rtlCol="0" anchor="ctr"/>
+          <a:lstStyle/>
+          <a:p>
+            <a:pPr algn="ctr"/>
+            <a:endParaRPr lang="en-US"/>
+          </a:p>
+        </p:txBody>
+      </p:sp>
+      <p:sp>
+        <p:nvSpPr>
+          <p:cNvPr id="13" name="Rectangle 12">
+            <a:extLst>
+              <a:ext uri="{FF2B5EF4-FFF2-40B4-BE49-F238E27FC236}">
+                <a16:creationId xmlns:a16="http://schemas.microsoft.com/office/drawing/2014/main" id="{7AAC67C3-831B-4AB1-A259-DFB839CAFAFC}"/>
+              </a:ext>
+              <a:ext uri="{C183D7F6-B498-43B3-948B-1728B52AA6E4}">
+                <adec:decorative xmlns:adec="http://schemas.microsoft.com/office/drawing/2017/decorative" val="1"/>
+              </a:ext>
+            </a:extLst>
+          </p:cNvPr>
+          <p:cNvSpPr>
+            <a:spLocks noGrp="1" noRot="1" noChangeAspect="1" noMove="1" noResize="1" noEditPoints="1" noAdjustHandles="1" noChangeArrowheads="1" noChangeShapeType="1" noTextEdit="1"/>
+          </p:cNvSpPr>
+          <p:nvPr>
+            <p:extLst>
+              <p:ext uri="{386F3935-93C4-4BCD-93E2-E3B085C9AB24}">
+                <p16:designElem xmlns:p16="http://schemas.microsoft.com/office/powerpoint/2015/main" val="1"/>
+              </p:ext>
+            </p:extLst>
+          </p:nvPr>
+        </p:nvSpPr>
+        <p:spPr>
+          <a:xfrm>
+            <a:off x="16" y="0"/>
+            <a:ext cx="4050791" cy="6858000"/>
+          </a:xfrm>
+          <a:prstGeom prst="rect">
+            <a:avLst/>
+          </a:prstGeom>
+          <a:solidFill>
+            <a:schemeClr val="accent2"/>
+          </a:solidFill>
+          <a:ln>
+            <a:noFill/>
+          </a:ln>
+        </p:spPr>
+        <p:style>
+          <a:lnRef idx="2">
+            <a:schemeClr val="accent1">
+              <a:shade val="50000"/>
+            </a:schemeClr>
+          </a:lnRef>
+          <a:fillRef idx="1">
+            <a:schemeClr val="accent1"/>
+          </a:fillRef>
+          <a:effectRef idx="0">
+            <a:schemeClr val="accent1"/>
+          </a:effectRef>
+          <a:fontRef idx="minor">
+            <a:schemeClr val="lt1"/>
+          </a:fontRef>
+        </p:style>
+      </p:sp>
+      <p:sp>
+        <p:nvSpPr>
+          <p:cNvPr id="4" name="Datumsplatzhalter 3">
+            <a:extLst>
+              <a:ext uri="{FF2B5EF4-FFF2-40B4-BE49-F238E27FC236}">
+                <a16:creationId xmlns:a16="http://schemas.microsoft.com/office/drawing/2014/main" id="{8F2B739B-F5BF-4C7E-8367-C6A817235935}"/>
+              </a:ext>
+            </a:extLst>
+          </p:cNvPr>
           <p:cNvSpPr>
             <a:spLocks noGrp="1"/>
           </p:cNvSpPr>
@@ -5703,22 +7902,193 @@
             <p:ph type="dt" sz="half" idx="10"/>
           </p:nvPr>
         </p:nvSpPr>
-        <p:spPr/>
-        <p:txBody>
-          <a:bodyPr/>
-          <a:lstStyle/>
-          <a:p>
+        <p:spPr>
+          <a:xfrm>
+            <a:off x="492370" y="6459785"/>
+            <a:ext cx="1735371" cy="365125"/>
+          </a:xfrm>
+        </p:spPr>
+        <p:txBody>
+          <a:bodyPr>
+            <a:normAutofit/>
+          </a:bodyPr>
+          <a:lstStyle/>
+          <a:p>
+            <a:pPr>
+              <a:spcAft>
+                <a:spcPts val="600"/>
+              </a:spcAft>
+            </a:pPr>
             <a:fld id="{FF78DB55-C754-4AB2-B9F1-CF00D12F7BCC}" type="datetime1">
               <a:rPr lang="de-DE" smtClean="0"/>
+              <a:pPr>
+                <a:spcAft>
+                  <a:spcPts val="600"/>
+                </a:spcAft>
+              </a:pPr>
               <a:t>04.12.2018</a:t>
             </a:fld>
-            <a:endParaRPr lang="en-US" dirty="0"/>
-          </a:p>
-        </p:txBody>
-      </p:sp>
-      <p:sp>
-        <p:nvSpPr>
-          <p:cNvPr id="5" name="Fußzeilenplatzhalter 4"/>
+            <a:endParaRPr lang="en-US"/>
+          </a:p>
+        </p:txBody>
+      </p:sp>
+      <p:sp>
+        <p:nvSpPr>
+          <p:cNvPr id="15" name="Rectangle 14">
+            <a:extLst>
+              <a:ext uri="{FF2B5EF4-FFF2-40B4-BE49-F238E27FC236}">
+                <a16:creationId xmlns:a16="http://schemas.microsoft.com/office/drawing/2014/main" id="{054B3F04-9EAC-45C0-B3CE-0387EEA10A0C}"/>
+              </a:ext>
+              <a:ext uri="{C183D7F6-B498-43B3-948B-1728B52AA6E4}">
+                <adec:decorative xmlns:adec="http://schemas.microsoft.com/office/drawing/2017/decorative" val="1"/>
+              </a:ext>
+            </a:extLst>
+          </p:cNvPr>
+          <p:cNvSpPr>
+            <a:spLocks noGrp="1" noRot="1" noChangeAspect="1" noMove="1" noResize="1" noEditPoints="1" noAdjustHandles="1" noChangeArrowheads="1" noChangeShapeType="1" noTextEdit="1"/>
+          </p:cNvSpPr>
+          <p:nvPr>
+            <p:extLst>
+              <p:ext uri="{386F3935-93C4-4BCD-93E2-E3B085C9AB24}">
+                <p16:designElem xmlns:p16="http://schemas.microsoft.com/office/powerpoint/2015/main" val="1"/>
+              </p:ext>
+            </p:extLst>
+          </p:nvPr>
+        </p:nvSpPr>
+        <p:spPr>
+          <a:xfrm>
+            <a:off x="4040071" y="0"/>
+            <a:ext cx="64008" cy="6858000"/>
+          </a:xfrm>
+          <a:prstGeom prst="rect">
+            <a:avLst/>
+          </a:prstGeom>
+          <a:solidFill>
+            <a:schemeClr val="accent1"/>
+          </a:solidFill>
+          <a:ln>
+            <a:noFill/>
+          </a:ln>
+        </p:spPr>
+        <p:style>
+          <a:lnRef idx="2">
+            <a:schemeClr val="accent1">
+              <a:shade val="50000"/>
+            </a:schemeClr>
+          </a:lnRef>
+          <a:fillRef idx="1">
+            <a:schemeClr val="accent1"/>
+          </a:fillRef>
+          <a:effectRef idx="0">
+            <a:schemeClr val="accent1"/>
+          </a:effectRef>
+          <a:fontRef idx="minor">
+            <a:schemeClr val="lt1"/>
+          </a:fontRef>
+        </p:style>
+      </p:sp>
+      <p:sp>
+        <p:nvSpPr>
+          <p:cNvPr id="3" name="Inhaltsplatzhalter 2">
+            <a:extLst>
+              <a:ext uri="{FF2B5EF4-FFF2-40B4-BE49-F238E27FC236}">
+                <a16:creationId xmlns:a16="http://schemas.microsoft.com/office/drawing/2014/main" id="{F88C0787-EC1D-438F-84B9-5FACC6947B7A}"/>
+              </a:ext>
+            </a:extLst>
+          </p:cNvPr>
+          <p:cNvSpPr>
+            <a:spLocks noGrp="1"/>
+          </p:cNvSpPr>
+          <p:nvPr>
+            <p:ph idx="1"/>
+          </p:nvPr>
+        </p:nvSpPr>
+        <p:spPr>
+          <a:xfrm>
+            <a:off x="4742016" y="605896"/>
+            <a:ext cx="6413663" cy="5646208"/>
+          </a:xfrm>
+        </p:spPr>
+        <p:txBody>
+          <a:bodyPr anchor="ctr">
+            <a:normAutofit/>
+          </a:bodyPr>
+          <a:lstStyle/>
+          <a:p>
+            <a:r>
+              <a:rPr lang="de-DE" dirty="0"/>
+              <a:t>Bonuskarten</a:t>
+            </a:r>
+          </a:p>
+          <a:p>
+            <a:r>
+              <a:rPr lang="de-DE" dirty="0"/>
+              <a:t>- eintauschen um mehr </a:t>
+            </a:r>
+            <a:r>
+              <a:rPr lang="de-DE" dirty="0" err="1"/>
+              <a:t>Ersties</a:t>
+            </a:r>
+            <a:r>
+              <a:rPr lang="de-DE" dirty="0"/>
+              <a:t> zu erhalten</a:t>
+            </a:r>
+          </a:p>
+          <a:p>
+            <a:endParaRPr lang="de-DE" dirty="0"/>
+          </a:p>
+          <a:p>
+            <a:r>
+              <a:rPr lang="de-DE" dirty="0"/>
+              <a:t>Missionskarten</a:t>
+            </a:r>
+          </a:p>
+          <a:p>
+            <a:r>
+              <a:rPr lang="de-DE" dirty="0"/>
+              <a:t>- Befreie alle Länder von ETTI/SPO/WOW/AERO/BAU</a:t>
+            </a:r>
+          </a:p>
+          <a:p>
+            <a:r>
+              <a:rPr lang="de-DE" dirty="0"/>
+              <a:t>- Fünfzehn Gebäude einnehmen</a:t>
+            </a:r>
+          </a:p>
+          <a:p>
+            <a:r>
+              <a:rPr lang="de-DE" dirty="0"/>
+              <a:t>- Zwei Fachbereiche einnehmen</a:t>
+            </a:r>
+          </a:p>
+          <a:p>
+            <a:r>
+              <a:rPr lang="de-DE" dirty="0"/>
+              <a:t>- Zehn Gebäude einnehmen und mit jeweils 2 </a:t>
+            </a:r>
+            <a:r>
+              <a:rPr lang="de-DE" dirty="0" err="1"/>
+              <a:t>Ersties</a:t>
+            </a:r>
+            <a:r>
+              <a:rPr lang="de-DE" dirty="0"/>
+              <a:t> besetzen</a:t>
+            </a:r>
+          </a:p>
+          <a:p>
+            <a:endParaRPr lang="de-DE" dirty="0"/>
+          </a:p>
+        </p:txBody>
+      </p:sp>
+      <p:sp>
+        <p:nvSpPr>
+          <p:cNvPr id="5" name="Fußzeilenplatzhalter 4">
+            <a:extLst>
+              <a:ext uri="{FF2B5EF4-FFF2-40B4-BE49-F238E27FC236}">
+                <a16:creationId xmlns:a16="http://schemas.microsoft.com/office/drawing/2014/main" id="{F482BCB2-3E62-4F42-B3F4-FAAE30EF9E80}"/>
+              </a:ext>
+            </a:extLst>
+          </p:cNvPr>
           <p:cNvSpPr>
             <a:spLocks noGrp="1"/>
           </p:cNvSpPr>
@@ -5726,22 +8096,48 @@
             <p:ph type="ftr" sz="quarter" idx="11"/>
           </p:nvPr>
         </p:nvSpPr>
-        <p:spPr/>
-        <p:txBody>
-          <a:bodyPr/>
-          <a:lstStyle/>
-          <a:p>
-            <a:r>
-              <a:rPr lang="de-DE"/>
+        <p:spPr>
+          <a:xfrm>
+            <a:off x="4742017" y="6459785"/>
+            <a:ext cx="5105169" cy="365125"/>
+          </a:xfrm>
+        </p:spPr>
+        <p:txBody>
+          <a:bodyPr>
+            <a:normAutofit/>
+          </a:bodyPr>
+          <a:lstStyle/>
+          <a:p>
+            <a:pPr algn="l">
+              <a:spcAft>
+                <a:spcPts val="600"/>
+              </a:spcAft>
+            </a:pPr>
+            <a:r>
+              <a:rPr lang="de-DE">
+                <a:solidFill>
+                  <a:schemeClr val="tx2"/>
+                </a:solidFill>
+              </a:rPr>
               <a:t>Bosin, Espig, Lauenroth, Siefert, Techel</a:t>
             </a:r>
-            <a:endParaRPr lang="en-US" dirty="0"/>
-          </a:p>
-        </p:txBody>
-      </p:sp>
-      <p:sp>
-        <p:nvSpPr>
-          <p:cNvPr id="6" name="Foliennummernplatzhalter 5"/>
+            <a:endParaRPr lang="en-US">
+              <a:solidFill>
+                <a:schemeClr val="tx2"/>
+              </a:solidFill>
+            </a:endParaRPr>
+          </a:p>
+        </p:txBody>
+      </p:sp>
+      <p:sp>
+        <p:nvSpPr>
+          <p:cNvPr id="6" name="Foliennummernplatzhalter 5">
+            <a:extLst>
+              <a:ext uri="{FF2B5EF4-FFF2-40B4-BE49-F238E27FC236}">
+                <a16:creationId xmlns:a16="http://schemas.microsoft.com/office/drawing/2014/main" id="{E25FCDC6-EB08-41F6-BE82-0F18356D3766}"/>
+              </a:ext>
+            </a:extLst>
+          </p:cNvPr>
           <p:cNvSpPr>
             <a:spLocks noGrp="1"/>
           </p:cNvSpPr>
@@ -5749,23 +8145,430 @@
             <p:ph type="sldNum" sz="quarter" idx="12"/>
           </p:nvPr>
         </p:nvSpPr>
-        <p:spPr/>
-        <p:txBody>
-          <a:bodyPr/>
-          <a:lstStyle/>
-          <a:p>
+        <p:spPr>
+          <a:xfrm>
+            <a:off x="10123055" y="6459785"/>
+            <a:ext cx="1089428" cy="365125"/>
+          </a:xfrm>
+        </p:spPr>
+        <p:txBody>
+          <a:bodyPr>
+            <a:normAutofit/>
+          </a:bodyPr>
+          <a:lstStyle/>
+          <a:p>
+            <a:pPr>
+              <a:spcAft>
+                <a:spcPts val="600"/>
+              </a:spcAft>
+            </a:pPr>
             <a:fld id="{6D22F896-40B5-4ADD-8801-0D06FADFA095}" type="slidenum">
-              <a:rPr lang="en-US" smtClean="0"/>
+              <a:rPr lang="en-US">
+                <a:solidFill>
+                  <a:schemeClr val="tx2"/>
+                </a:solidFill>
+              </a:rPr>
+              <a:pPr>
+                <a:spcAft>
+                  <a:spcPts val="600"/>
+                </a:spcAft>
+              </a:pPr>
               <a:t>6</a:t>
             </a:fld>
-            <a:endParaRPr lang="en-US" dirty="0"/>
+            <a:endParaRPr lang="en-US">
+              <a:solidFill>
+                <a:schemeClr val="tx2"/>
+              </a:solidFill>
+            </a:endParaRPr>
+          </a:p>
+        </p:txBody>
+      </p:sp>
+      <p:sp>
+        <p:nvSpPr>
+          <p:cNvPr id="12" name="Inhaltsplatzhalter 2">
+            <a:extLst>
+              <a:ext uri="{FF2B5EF4-FFF2-40B4-BE49-F238E27FC236}">
+                <a16:creationId xmlns:a16="http://schemas.microsoft.com/office/drawing/2014/main" id="{A30D1CB7-DA86-47BC-AF92-920EAAF970FB}"/>
+              </a:ext>
+            </a:extLst>
+          </p:cNvPr>
+          <p:cNvSpPr txBox="1">
+            <a:spLocks/>
+          </p:cNvSpPr>
+          <p:nvPr/>
+        </p:nvSpPr>
+        <p:spPr>
+          <a:xfrm>
+            <a:off x="492371" y="2653800"/>
+            <a:ext cx="3084844" cy="3335519"/>
+          </a:xfrm>
+          <a:prstGeom prst="rect">
+            <a:avLst/>
+          </a:prstGeom>
+        </p:spPr>
+        <p:txBody>
+          <a:bodyPr vert="horz" lIns="0" tIns="45720" rIns="0" bIns="45720" rtlCol="0">
+            <a:normAutofit/>
+          </a:bodyPr>
+          <a:lstStyle>
+            <a:lvl1pPr marL="91440" indent="-91440" algn="l" defTabSz="914400" rtl="0" eaLnBrk="1" latinLnBrk="0" hangingPunct="1">
+              <a:lnSpc>
+                <a:spcPct val="90000"/>
+              </a:lnSpc>
+              <a:spcBef>
+                <a:spcPts val="1200"/>
+              </a:spcBef>
+              <a:spcAft>
+                <a:spcPts val="200"/>
+              </a:spcAft>
+              <a:buClr>
+                <a:schemeClr val="accent1"/>
+              </a:buClr>
+              <a:buSzPct val="100000"/>
+              <a:buFont typeface="Calibri" panose="020F0502020204030204" pitchFamily="34" charset="0"/>
+              <a:buChar char=" "/>
+              <a:defRPr sz="2000" kern="1200">
+                <a:solidFill>
+                  <a:schemeClr val="tx1">
+                    <a:lumMod val="75000"/>
+                    <a:lumOff val="25000"/>
+                  </a:schemeClr>
+                </a:solidFill>
+                <a:latin typeface="+mn-lt"/>
+                <a:ea typeface="+mn-ea"/>
+                <a:cs typeface="+mn-cs"/>
+              </a:defRPr>
+            </a:lvl1pPr>
+            <a:lvl2pPr marL="384048" indent="-182880" algn="l" defTabSz="914400" rtl="0" eaLnBrk="1" latinLnBrk="0" hangingPunct="1">
+              <a:lnSpc>
+                <a:spcPct val="90000"/>
+              </a:lnSpc>
+              <a:spcBef>
+                <a:spcPts val="200"/>
+              </a:spcBef>
+              <a:spcAft>
+                <a:spcPts val="400"/>
+              </a:spcAft>
+              <a:buClr>
+                <a:schemeClr val="accent1"/>
+              </a:buClr>
+              <a:buFont typeface="Calibri" pitchFamily="34" charset="0"/>
+              <a:buChar char="◦"/>
+              <a:defRPr sz="1800" kern="1200">
+                <a:solidFill>
+                  <a:schemeClr val="tx1">
+                    <a:lumMod val="75000"/>
+                    <a:lumOff val="25000"/>
+                  </a:schemeClr>
+                </a:solidFill>
+                <a:latin typeface="+mn-lt"/>
+                <a:ea typeface="+mn-ea"/>
+                <a:cs typeface="+mn-cs"/>
+              </a:defRPr>
+            </a:lvl2pPr>
+            <a:lvl3pPr marL="566928" indent="-182880" algn="l" defTabSz="914400" rtl="0" eaLnBrk="1" latinLnBrk="0" hangingPunct="1">
+              <a:lnSpc>
+                <a:spcPct val="90000"/>
+              </a:lnSpc>
+              <a:spcBef>
+                <a:spcPts val="200"/>
+              </a:spcBef>
+              <a:spcAft>
+                <a:spcPts val="400"/>
+              </a:spcAft>
+              <a:buClr>
+                <a:schemeClr val="accent1"/>
+              </a:buClr>
+              <a:buFont typeface="Calibri" pitchFamily="34" charset="0"/>
+              <a:buChar char="◦"/>
+              <a:defRPr sz="1400" kern="1200">
+                <a:solidFill>
+                  <a:schemeClr val="tx1">
+                    <a:lumMod val="75000"/>
+                    <a:lumOff val="25000"/>
+                  </a:schemeClr>
+                </a:solidFill>
+                <a:latin typeface="+mn-lt"/>
+                <a:ea typeface="+mn-ea"/>
+                <a:cs typeface="+mn-cs"/>
+              </a:defRPr>
+            </a:lvl3pPr>
+            <a:lvl4pPr marL="749808" indent="-182880" algn="l" defTabSz="914400" rtl="0" eaLnBrk="1" latinLnBrk="0" hangingPunct="1">
+              <a:lnSpc>
+                <a:spcPct val="90000"/>
+              </a:lnSpc>
+              <a:spcBef>
+                <a:spcPts val="200"/>
+              </a:spcBef>
+              <a:spcAft>
+                <a:spcPts val="400"/>
+              </a:spcAft>
+              <a:buClr>
+                <a:schemeClr val="accent1"/>
+              </a:buClr>
+              <a:buFont typeface="Calibri" pitchFamily="34" charset="0"/>
+              <a:buChar char="◦"/>
+              <a:defRPr sz="1400" kern="1200">
+                <a:solidFill>
+                  <a:schemeClr val="tx1">
+                    <a:lumMod val="75000"/>
+                    <a:lumOff val="25000"/>
+                  </a:schemeClr>
+                </a:solidFill>
+                <a:latin typeface="+mn-lt"/>
+                <a:ea typeface="+mn-ea"/>
+                <a:cs typeface="+mn-cs"/>
+              </a:defRPr>
+            </a:lvl4pPr>
+            <a:lvl5pPr marL="932688" indent="-182880" algn="l" defTabSz="914400" rtl="0" eaLnBrk="1" latinLnBrk="0" hangingPunct="1">
+              <a:lnSpc>
+                <a:spcPct val="90000"/>
+              </a:lnSpc>
+              <a:spcBef>
+                <a:spcPts val="200"/>
+              </a:spcBef>
+              <a:spcAft>
+                <a:spcPts val="400"/>
+              </a:spcAft>
+              <a:buClr>
+                <a:schemeClr val="accent1"/>
+              </a:buClr>
+              <a:buFont typeface="Calibri" pitchFamily="34" charset="0"/>
+              <a:buChar char="◦"/>
+              <a:defRPr sz="1400" kern="1200">
+                <a:solidFill>
+                  <a:schemeClr val="tx1">
+                    <a:lumMod val="75000"/>
+                    <a:lumOff val="25000"/>
+                  </a:schemeClr>
+                </a:solidFill>
+                <a:latin typeface="+mn-lt"/>
+                <a:ea typeface="+mn-ea"/>
+                <a:cs typeface="+mn-cs"/>
+              </a:defRPr>
+            </a:lvl5pPr>
+            <a:lvl6pPr marL="1100000" indent="-228600" algn="l" defTabSz="914400" rtl="0" eaLnBrk="1" latinLnBrk="0" hangingPunct="1">
+              <a:lnSpc>
+                <a:spcPct val="90000"/>
+              </a:lnSpc>
+              <a:spcBef>
+                <a:spcPts val="200"/>
+              </a:spcBef>
+              <a:spcAft>
+                <a:spcPts val="400"/>
+              </a:spcAft>
+              <a:buClr>
+                <a:schemeClr val="accent1"/>
+              </a:buClr>
+              <a:buFont typeface="Calibri" pitchFamily="34" charset="0"/>
+              <a:buChar char="◦"/>
+              <a:defRPr sz="1400" kern="1200">
+                <a:solidFill>
+                  <a:schemeClr val="tx1">
+                    <a:lumMod val="75000"/>
+                    <a:lumOff val="25000"/>
+                  </a:schemeClr>
+                </a:solidFill>
+                <a:latin typeface="+mn-lt"/>
+                <a:ea typeface="+mn-ea"/>
+                <a:cs typeface="+mn-cs"/>
+              </a:defRPr>
+            </a:lvl6pPr>
+            <a:lvl7pPr marL="1300000" indent="-228600" algn="l" defTabSz="914400" rtl="0" eaLnBrk="1" latinLnBrk="0" hangingPunct="1">
+              <a:lnSpc>
+                <a:spcPct val="90000"/>
+              </a:lnSpc>
+              <a:spcBef>
+                <a:spcPts val="200"/>
+              </a:spcBef>
+              <a:spcAft>
+                <a:spcPts val="400"/>
+              </a:spcAft>
+              <a:buClr>
+                <a:schemeClr val="accent1"/>
+              </a:buClr>
+              <a:buFont typeface="Calibri" pitchFamily="34" charset="0"/>
+              <a:buChar char="◦"/>
+              <a:defRPr sz="1400" kern="1200">
+                <a:solidFill>
+                  <a:schemeClr val="tx1">
+                    <a:lumMod val="75000"/>
+                    <a:lumOff val="25000"/>
+                  </a:schemeClr>
+                </a:solidFill>
+                <a:latin typeface="+mn-lt"/>
+                <a:ea typeface="+mn-ea"/>
+                <a:cs typeface="+mn-cs"/>
+              </a:defRPr>
+            </a:lvl7pPr>
+            <a:lvl8pPr marL="1500000" indent="-228600" algn="l" defTabSz="914400" rtl="0" eaLnBrk="1" latinLnBrk="0" hangingPunct="1">
+              <a:lnSpc>
+                <a:spcPct val="90000"/>
+              </a:lnSpc>
+              <a:spcBef>
+                <a:spcPts val="200"/>
+              </a:spcBef>
+              <a:spcAft>
+                <a:spcPts val="400"/>
+              </a:spcAft>
+              <a:buClr>
+                <a:schemeClr val="accent1"/>
+              </a:buClr>
+              <a:buFont typeface="Calibri" pitchFamily="34" charset="0"/>
+              <a:buChar char="◦"/>
+              <a:defRPr sz="1400" kern="1200">
+                <a:solidFill>
+                  <a:schemeClr val="tx1">
+                    <a:lumMod val="75000"/>
+                    <a:lumOff val="25000"/>
+                  </a:schemeClr>
+                </a:solidFill>
+                <a:latin typeface="+mn-lt"/>
+                <a:ea typeface="+mn-ea"/>
+                <a:cs typeface="+mn-cs"/>
+              </a:defRPr>
+            </a:lvl8pPr>
+            <a:lvl9pPr marL="1700000" indent="-228600" algn="l" defTabSz="914400" rtl="0" eaLnBrk="1" latinLnBrk="0" hangingPunct="1">
+              <a:lnSpc>
+                <a:spcPct val="90000"/>
+              </a:lnSpc>
+              <a:spcBef>
+                <a:spcPts val="200"/>
+              </a:spcBef>
+              <a:spcAft>
+                <a:spcPts val="400"/>
+              </a:spcAft>
+              <a:buClr>
+                <a:schemeClr val="accent1"/>
+              </a:buClr>
+              <a:buFont typeface="Calibri" pitchFamily="34" charset="0"/>
+              <a:buChar char="◦"/>
+              <a:defRPr sz="1400" kern="1200">
+                <a:solidFill>
+                  <a:schemeClr val="tx1">
+                    <a:lumMod val="75000"/>
+                    <a:lumOff val="25000"/>
+                  </a:schemeClr>
+                </a:solidFill>
+                <a:latin typeface="+mn-lt"/>
+                <a:ea typeface="+mn-ea"/>
+                <a:cs typeface="+mn-cs"/>
+              </a:defRPr>
+            </a:lvl9pPr>
+          </a:lstStyle>
+          <a:p>
+            <a:endParaRPr lang="de-DE" sz="1500" dirty="0">
+              <a:solidFill>
+                <a:srgbClr val="FFFFFF"/>
+              </a:solidFill>
+            </a:endParaRPr>
+          </a:p>
+          <a:p>
+            <a:r>
+              <a:rPr lang="de-DE" sz="1500" dirty="0">
+                <a:solidFill>
+                  <a:srgbClr val="FFFFFF"/>
+                </a:solidFill>
+              </a:rPr>
+              <a:t>Bonuskarten</a:t>
+            </a:r>
+          </a:p>
+          <a:p>
+            <a:r>
+              <a:rPr lang="de-DE" sz="1500" dirty="0">
+                <a:solidFill>
+                  <a:srgbClr val="FFFFFF"/>
+                </a:solidFill>
+              </a:rPr>
+              <a:t>Missionskarten</a:t>
+            </a:r>
+          </a:p>
+          <a:p>
+            <a:endParaRPr lang="de-DE" sz="1500" dirty="0">
+              <a:solidFill>
+                <a:srgbClr val="FFFFFF"/>
+              </a:solidFill>
+            </a:endParaRPr>
+          </a:p>
+          <a:p>
+            <a:endParaRPr lang="de-DE" sz="1500" dirty="0">
+              <a:solidFill>
+                <a:srgbClr val="FFFFFF"/>
+              </a:solidFill>
+            </a:endParaRPr>
+          </a:p>
+        </p:txBody>
+      </p:sp>
+      <p:sp>
+        <p:nvSpPr>
+          <p:cNvPr id="14" name="Titel 1">
+            <a:extLst>
+              <a:ext uri="{FF2B5EF4-FFF2-40B4-BE49-F238E27FC236}">
+                <a16:creationId xmlns:a16="http://schemas.microsoft.com/office/drawing/2014/main" id="{88295A07-2635-4FDC-AF80-F915D51C4B40}"/>
+              </a:ext>
+            </a:extLst>
+          </p:cNvPr>
+          <p:cNvSpPr txBox="1">
+            <a:spLocks/>
+          </p:cNvSpPr>
+          <p:nvPr/>
+        </p:nvSpPr>
+        <p:spPr>
+          <a:xfrm>
+            <a:off x="492370" y="516835"/>
+            <a:ext cx="3084844" cy="2103875"/>
+          </a:xfrm>
+          <a:prstGeom prst="rect">
+            <a:avLst/>
+          </a:prstGeom>
+        </p:spPr>
+        <p:txBody>
+          <a:bodyPr vert="horz" lIns="91440" tIns="45720" rIns="91440" bIns="45720" rtlCol="0" anchor="b">
+            <a:normAutofit/>
+          </a:bodyPr>
+          <a:lstStyle>
+            <a:lvl1pPr marL="0" algn="l" defTabSz="914400" rtl="0" eaLnBrk="1" latinLnBrk="0" hangingPunct="1">
+              <a:lnSpc>
+                <a:spcPct val="85000"/>
+              </a:lnSpc>
+              <a:spcBef>
+                <a:spcPct val="0"/>
+              </a:spcBef>
+              <a:buNone/>
+              <a:defRPr sz="4800" kern="1200" spc="-50" baseline="0">
+                <a:solidFill>
+                  <a:schemeClr val="tx1">
+                    <a:lumMod val="75000"/>
+                    <a:lumOff val="25000"/>
+                  </a:schemeClr>
+                </a:solidFill>
+                <a:latin typeface="+mj-lt"/>
+                <a:ea typeface="+mj-ea"/>
+                <a:cs typeface="+mj-cs"/>
+              </a:defRPr>
+            </a:lvl1pPr>
+          </a:lstStyle>
+          <a:p>
+            <a:r>
+              <a:rPr lang="de-DE" sz="3600">
+                <a:solidFill>
+                  <a:srgbClr val="FFFFFF"/>
+                </a:solidFill>
+              </a:rPr>
+              <a:t>Die Umsetzung</a:t>
+            </a:r>
+            <a:endParaRPr lang="de-DE" sz="3600" dirty="0">
+              <a:solidFill>
+                <a:srgbClr val="FFFFFF"/>
+              </a:solidFill>
+            </a:endParaRPr>
           </a:p>
         </p:txBody>
       </p:sp>
     </p:spTree>
     <p:extLst>
       <p:ext uri="{BB962C8B-B14F-4D97-AF65-F5344CB8AC3E}">
-        <p14:creationId xmlns:p14="http://schemas.microsoft.com/office/powerpoint/2010/main" val="3187139348"/>
+        <p14:creationId xmlns:p14="http://schemas.microsoft.com/office/powerpoint/2010/main" val="1053415744"/>
       </p:ext>
     </p:extLst>
   </p:cSld>
@@ -5778,6 +8581,14 @@
 <file path=ppt/slides/slide7.xml><?xml version="1.0" encoding="utf-8"?>
 <p:sld xmlns:a="http://schemas.openxmlformats.org/drawingml/2006/main" xmlns:r="http://schemas.openxmlformats.org/officeDocument/2006/relationships" xmlns:p="http://schemas.openxmlformats.org/presentationml/2006/main">
   <p:cSld>
+    <p:bg>
+      <p:bgPr>
+        <a:solidFill>
+          <a:schemeClr val="bg1"/>
+        </a:solidFill>
+        <a:effectLst/>
+      </p:bgPr>
+    </p:bg>
     <p:spTree>
       <p:nvGrpSpPr>
         <p:cNvPr id="1" name=""/>
@@ -5792,9 +8603,130 @@
           <a:chExt cx="0" cy="0"/>
         </a:xfrm>
       </p:grpSpPr>
-      <p:sp>
-        <p:nvSpPr>
-          <p:cNvPr id="2" name="Titel 1"/>
+      <p:sp useBgFill="1">
+        <p:nvSpPr>
+          <p:cNvPr id="16" name="Rectangle 15">
+            <a:extLst>
+              <a:ext uri="{FF2B5EF4-FFF2-40B4-BE49-F238E27FC236}">
+                <a16:creationId xmlns:a16="http://schemas.microsoft.com/office/drawing/2014/main" id="{44CC594A-A820-450F-B363-C19201FCFEC6}"/>
+              </a:ext>
+              <a:ext uri="{C183D7F6-B498-43B3-948B-1728B52AA6E4}">
+                <adec:decorative xmlns:adec="http://schemas.microsoft.com/office/drawing/2017/decorative" val="1"/>
+              </a:ext>
+            </a:extLst>
+          </p:cNvPr>
+          <p:cNvSpPr>
+            <a:spLocks noGrp="1" noRot="1" noChangeAspect="1" noMove="1" noResize="1" noEditPoints="1" noAdjustHandles="1" noChangeArrowheads="1" noChangeShapeType="1" noTextEdit="1"/>
+          </p:cNvSpPr>
+          <p:nvPr>
+            <p:extLst>
+              <p:ext uri="{386F3935-93C4-4BCD-93E2-E3B085C9AB24}">
+                <p16:designElem xmlns:p16="http://schemas.microsoft.com/office/powerpoint/2015/main" val="1"/>
+              </p:ext>
+            </p:extLst>
+          </p:nvPr>
+        </p:nvSpPr>
+        <p:spPr>
+          <a:xfrm>
+            <a:off x="0" y="0"/>
+            <a:ext cx="12186315" cy="6858000"/>
+          </a:xfrm>
+          <a:prstGeom prst="rect">
+            <a:avLst/>
+          </a:prstGeom>
+          <a:ln>
+            <a:noFill/>
+          </a:ln>
+        </p:spPr>
+        <p:style>
+          <a:lnRef idx="2">
+            <a:schemeClr val="accent6">
+              <a:shade val="50000"/>
+            </a:schemeClr>
+          </a:lnRef>
+          <a:fillRef idx="1001">
+            <a:schemeClr val="lt1"/>
+          </a:fillRef>
+          <a:effectRef idx="0">
+            <a:schemeClr val="accent6"/>
+          </a:effectRef>
+          <a:fontRef idx="minor">
+            <a:schemeClr val="lt1"/>
+          </a:fontRef>
+        </p:style>
+        <p:txBody>
+          <a:bodyPr rtlCol="0" anchor="ctr"/>
+          <a:lstStyle/>
+          <a:p>
+            <a:pPr algn="ctr"/>
+            <a:endParaRPr lang="en-US"/>
+          </a:p>
+        </p:txBody>
+      </p:sp>
+      <p:sp>
+        <p:nvSpPr>
+          <p:cNvPr id="18" name="Rectangle 17">
+            <a:extLst>
+              <a:ext uri="{FF2B5EF4-FFF2-40B4-BE49-F238E27FC236}">
+                <a16:creationId xmlns:a16="http://schemas.microsoft.com/office/drawing/2014/main" id="{59FAB3DA-E9ED-4574-ABCC-378BC0FF1BBC}"/>
+              </a:ext>
+              <a:ext uri="{C183D7F6-B498-43B3-948B-1728B52AA6E4}">
+                <adec:decorative xmlns:adec="http://schemas.microsoft.com/office/drawing/2017/decorative" val="1"/>
+              </a:ext>
+            </a:extLst>
+          </p:cNvPr>
+          <p:cNvSpPr>
+            <a:spLocks noGrp="1" noRot="1" noChangeAspect="1" noMove="1" noResize="1" noEditPoints="1" noAdjustHandles="1" noChangeArrowheads="1" noChangeShapeType="1" noTextEdit="1"/>
+          </p:cNvSpPr>
+          <p:nvPr>
+            <p:extLst>
+              <p:ext uri="{386F3935-93C4-4BCD-93E2-E3B085C9AB24}">
+                <p16:designElem xmlns:p16="http://schemas.microsoft.com/office/powerpoint/2015/main" val="1"/>
+              </p:ext>
+            </p:extLst>
+          </p:nvPr>
+        </p:nvSpPr>
+        <p:spPr>
+          <a:xfrm>
+            <a:off x="16" y="0"/>
+            <a:ext cx="4050791" cy="6858000"/>
+          </a:xfrm>
+          <a:prstGeom prst="rect">
+            <a:avLst/>
+          </a:prstGeom>
+          <a:solidFill>
+            <a:schemeClr val="accent2"/>
+          </a:solidFill>
+          <a:ln>
+            <a:noFill/>
+          </a:ln>
+        </p:spPr>
+        <p:style>
+          <a:lnRef idx="2">
+            <a:schemeClr val="accent1">
+              <a:shade val="50000"/>
+            </a:schemeClr>
+          </a:lnRef>
+          <a:fillRef idx="1">
+            <a:schemeClr val="accent1"/>
+          </a:fillRef>
+          <a:effectRef idx="0">
+            <a:schemeClr val="accent1"/>
+          </a:effectRef>
+          <a:fontRef idx="minor">
+            <a:schemeClr val="lt1"/>
+          </a:fontRef>
+        </p:style>
+      </p:sp>
+      <p:sp>
+        <p:nvSpPr>
+          <p:cNvPr id="2" name="Titel 1">
+            <a:extLst>
+              <a:ext uri="{FF2B5EF4-FFF2-40B4-BE49-F238E27FC236}">
+                <a16:creationId xmlns:a16="http://schemas.microsoft.com/office/drawing/2014/main" id="{353A0248-A81B-4693-9B70-ED7567228181}"/>
+              </a:ext>
+            </a:extLst>
+          </p:cNvPr>
           <p:cNvSpPr>
             <a:spLocks noGrp="1"/>
           </p:cNvSpPr>
@@ -5804,38 +8736,131 @@
         </p:nvSpPr>
         <p:spPr>
           <a:xfrm>
-            <a:off x="1141413" y="618518"/>
-            <a:ext cx="9905998" cy="650445"/>
+            <a:off x="492370" y="516835"/>
+            <a:ext cx="3084844" cy="2103875"/>
           </a:xfrm>
         </p:spPr>
         <p:txBody>
           <a:bodyPr>
-            <a:normAutofit fontScale="90000"/>
+            <a:normAutofit/>
           </a:bodyPr>
           <a:lstStyle/>
           <a:p>
             <a:r>
-              <a:rPr lang="de-DE" dirty="0"/>
-              <a:t>Fachliches Datenmodell</a:t>
-            </a:r>
-          </a:p>
-        </p:txBody>
+              <a:rPr lang="de-DE" sz="3600">
+                <a:solidFill>
+                  <a:srgbClr val="FFFFFF"/>
+                </a:solidFill>
+              </a:rPr>
+              <a:t>Die Umsetzung</a:t>
+            </a:r>
+          </a:p>
+        </p:txBody>
+      </p:sp>
+      <p:sp>
+        <p:nvSpPr>
+          <p:cNvPr id="13" name="Content Placeholder 12">
+            <a:extLst>
+              <a:ext uri="{FF2B5EF4-FFF2-40B4-BE49-F238E27FC236}">
+                <a16:creationId xmlns:a16="http://schemas.microsoft.com/office/drawing/2014/main" id="{72C4A219-4420-43FD-87A3-83B252E6542A}"/>
+              </a:ext>
+            </a:extLst>
+          </p:cNvPr>
+          <p:cNvSpPr>
+            <a:spLocks noGrp="1"/>
+          </p:cNvSpPr>
+          <p:nvPr>
+            <p:ph idx="1"/>
+          </p:nvPr>
+        </p:nvSpPr>
+        <p:spPr>
+          <a:xfrm>
+            <a:off x="492371" y="2653800"/>
+            <a:ext cx="3084844" cy="3335519"/>
+          </a:xfrm>
+        </p:spPr>
+        <p:txBody>
+          <a:bodyPr>
+            <a:normAutofit/>
+          </a:bodyPr>
+          <a:lstStyle/>
+          <a:p>
+            <a:endParaRPr lang="en-US" sz="1500" dirty="0">
+              <a:solidFill>
+                <a:srgbClr val="FFFFFF"/>
+              </a:solidFill>
+            </a:endParaRPr>
+          </a:p>
+        </p:txBody>
+      </p:sp>
+      <p:sp>
+        <p:nvSpPr>
+          <p:cNvPr id="20" name="Rectangle 19">
+            <a:extLst>
+              <a:ext uri="{FF2B5EF4-FFF2-40B4-BE49-F238E27FC236}">
+                <a16:creationId xmlns:a16="http://schemas.microsoft.com/office/drawing/2014/main" id="{53B8D6B0-55D6-48DC-86D8-FD95D5F118AB}"/>
+              </a:ext>
+              <a:ext uri="{C183D7F6-B498-43B3-948B-1728B52AA6E4}">
+                <adec:decorative xmlns:adec="http://schemas.microsoft.com/office/drawing/2017/decorative" val="1"/>
+              </a:ext>
+            </a:extLst>
+          </p:cNvPr>
+          <p:cNvSpPr>
+            <a:spLocks noGrp="1" noRot="1" noChangeAspect="1" noMove="1" noResize="1" noEditPoints="1" noAdjustHandles="1" noChangeArrowheads="1" noChangeShapeType="1" noTextEdit="1"/>
+          </p:cNvSpPr>
+          <p:nvPr>
+            <p:extLst>
+              <p:ext uri="{386F3935-93C4-4BCD-93E2-E3B085C9AB24}">
+                <p16:designElem xmlns:p16="http://schemas.microsoft.com/office/powerpoint/2015/main" val="1"/>
+              </p:ext>
+            </p:extLst>
+          </p:nvPr>
+        </p:nvSpPr>
+        <p:spPr>
+          <a:xfrm>
+            <a:off x="4040071" y="0"/>
+            <a:ext cx="64008" cy="6858000"/>
+          </a:xfrm>
+          <a:prstGeom prst="rect">
+            <a:avLst/>
+          </a:prstGeom>
+          <a:solidFill>
+            <a:schemeClr val="accent1"/>
+          </a:solidFill>
+          <a:ln>
+            <a:noFill/>
+          </a:ln>
+        </p:spPr>
+        <p:style>
+          <a:lnRef idx="2">
+            <a:schemeClr val="accent1">
+              <a:shade val="50000"/>
+            </a:schemeClr>
+          </a:lnRef>
+          <a:fillRef idx="1">
+            <a:schemeClr val="accent1"/>
+          </a:fillRef>
+          <a:effectRef idx="0">
+            <a:schemeClr val="accent1"/>
+          </a:effectRef>
+          <a:fontRef idx="minor">
+            <a:schemeClr val="lt1"/>
+          </a:fontRef>
+        </p:style>
       </p:sp>
       <p:pic>
         <p:nvPicPr>
-          <p:cNvPr id="8" name="Inhaltsplatzhalter 7">
+          <p:cNvPr id="11" name="Inhaltsplatzhalter 7">
             <a:extLst>
               <a:ext uri="{FF2B5EF4-FFF2-40B4-BE49-F238E27FC236}">
-                <a16:creationId xmlns:a16="http://schemas.microsoft.com/office/drawing/2014/main" id="{80C75481-0B0E-4AD0-866D-94B4CD7E8FFA}"/>
+                <a16:creationId xmlns:a16="http://schemas.microsoft.com/office/drawing/2014/main" id="{AA33E17C-8A96-4E0F-88A1-FD5E4C6A9FA0}"/>
               </a:ext>
             </a:extLst>
           </p:cNvPr>
           <p:cNvPicPr>
-            <a:picLocks noGrp="1" noChangeAspect="1"/>
+            <a:picLocks noChangeAspect="1"/>
           </p:cNvPicPr>
-          <p:nvPr>
-            <p:ph idx="1"/>
-          </p:nvPr>
+          <p:nvPr/>
         </p:nvPicPr>
         <p:blipFill>
           <a:blip r:embed="rId2"/>
@@ -5845,14 +8870,64 @@
         </p:blipFill>
         <p:spPr>
           <a:xfrm>
-            <a:off x="2057363" y="1792288"/>
-            <a:ext cx="8074098" cy="4309932"/>
-          </a:xfrm>
+            <a:off x="4513663" y="-4283"/>
+            <a:ext cx="7289561" cy="6833965"/>
+          </a:xfrm>
+          <a:prstGeom prst="rect">
+            <a:avLst/>
+          </a:prstGeom>
         </p:spPr>
       </p:pic>
       <p:sp>
         <p:nvSpPr>
-          <p:cNvPr id="4" name="Datumsplatzhalter 3"/>
+          <p:cNvPr id="5" name="Fußzeilenplatzhalter 4">
+            <a:extLst>
+              <a:ext uri="{FF2B5EF4-FFF2-40B4-BE49-F238E27FC236}">
+                <a16:creationId xmlns:a16="http://schemas.microsoft.com/office/drawing/2014/main" id="{3836A98A-B1DE-4FAD-BD8D-982991DD4C11}"/>
+              </a:ext>
+            </a:extLst>
+          </p:cNvPr>
+          <p:cNvSpPr>
+            <a:spLocks noGrp="1"/>
+          </p:cNvSpPr>
+          <p:nvPr>
+            <p:ph type="ftr" sz="quarter" idx="11"/>
+          </p:nvPr>
+        </p:nvSpPr>
+        <p:spPr>
+          <a:xfrm>
+            <a:off x="1089175" y="6459785"/>
+            <a:ext cx="3757243" cy="365125"/>
+          </a:xfrm>
+        </p:spPr>
+        <p:txBody>
+          <a:bodyPr>
+            <a:normAutofit/>
+          </a:bodyPr>
+          <a:lstStyle/>
+          <a:p>
+            <a:pPr algn="l">
+              <a:spcAft>
+                <a:spcPts val="600"/>
+              </a:spcAft>
+            </a:pPr>
+            <a:r>
+              <a:rPr lang="de-DE"/>
+              <a:t>Bosin, Espig, Lauenroth, Siefert, Techel</a:t>
+            </a:r>
+            <a:endParaRPr lang="en-US"/>
+          </a:p>
+        </p:txBody>
+      </p:sp>
+      <p:sp>
+        <p:nvSpPr>
+          <p:cNvPr id="4" name="Datumsplatzhalter 3">
+            <a:extLst>
+              <a:ext uri="{FF2B5EF4-FFF2-40B4-BE49-F238E27FC236}">
+                <a16:creationId xmlns:a16="http://schemas.microsoft.com/office/drawing/2014/main" id="{F0ADE373-D231-4645-88C0-8ABDEE619DDB}"/>
+              </a:ext>
+            </a:extLst>
+          </p:cNvPr>
           <p:cNvSpPr>
             <a:spLocks noGrp="1"/>
           </p:cNvSpPr>
@@ -5860,45 +8935,45 @@
             <p:ph type="dt" sz="half" idx="10"/>
           </p:nvPr>
         </p:nvSpPr>
-        <p:spPr/>
-        <p:txBody>
-          <a:bodyPr/>
-          <a:lstStyle/>
-          <a:p>
+        <p:spPr>
+          <a:xfrm>
+            <a:off x="5364202" y="6459785"/>
+            <a:ext cx="1735371" cy="365125"/>
+          </a:xfrm>
+        </p:spPr>
+        <p:txBody>
+          <a:bodyPr>
+            <a:normAutofit/>
+          </a:bodyPr>
+          <a:lstStyle/>
+          <a:p>
+            <a:pPr algn="r">
+              <a:spcAft>
+                <a:spcPts val="600"/>
+              </a:spcAft>
+            </a:pPr>
             <a:fld id="{FF78DB55-C754-4AB2-B9F1-CF00D12F7BCC}" type="datetime1">
               <a:rPr lang="de-DE" smtClean="0"/>
+              <a:pPr algn="r">
+                <a:spcAft>
+                  <a:spcPts val="600"/>
+                </a:spcAft>
+              </a:pPr>
               <a:t>04.12.2018</a:t>
             </a:fld>
-            <a:endParaRPr lang="en-US" dirty="0"/>
-          </a:p>
-        </p:txBody>
-      </p:sp>
-      <p:sp>
-        <p:nvSpPr>
-          <p:cNvPr id="5" name="Fußzeilenplatzhalter 4"/>
-          <p:cNvSpPr>
-            <a:spLocks noGrp="1"/>
-          </p:cNvSpPr>
-          <p:nvPr>
-            <p:ph type="ftr" sz="quarter" idx="11"/>
-          </p:nvPr>
-        </p:nvSpPr>
-        <p:spPr/>
-        <p:txBody>
-          <a:bodyPr/>
-          <a:lstStyle/>
-          <a:p>
-            <a:r>
-              <a:rPr lang="de-DE"/>
-              <a:t>Bosin, Espig, Lauenroth, Siefert, Techel</a:t>
-            </a:r>
-            <a:endParaRPr lang="en-US" dirty="0"/>
-          </a:p>
-        </p:txBody>
-      </p:sp>
-      <p:sp>
-        <p:nvSpPr>
-          <p:cNvPr id="6" name="Foliennummernplatzhalter 5"/>
+            <a:endParaRPr lang="en-US"/>
+          </a:p>
+        </p:txBody>
+      </p:sp>
+      <p:sp>
+        <p:nvSpPr>
+          <p:cNvPr id="6" name="Foliennummernplatzhalter 5">
+            <a:extLst>
+              <a:ext uri="{FF2B5EF4-FFF2-40B4-BE49-F238E27FC236}">
+                <a16:creationId xmlns:a16="http://schemas.microsoft.com/office/drawing/2014/main" id="{11571A7D-FFED-4002-9D98-222DAE60C6BE}"/>
+              </a:ext>
+            </a:extLst>
+          </p:cNvPr>
           <p:cNvSpPr>
             <a:spLocks noGrp="1"/>
           </p:cNvSpPr>
@@ -5906,23 +8981,48 @@
             <p:ph type="sldNum" sz="quarter" idx="12"/>
           </p:nvPr>
         </p:nvSpPr>
-        <p:spPr/>
-        <p:txBody>
-          <a:bodyPr/>
-          <a:lstStyle/>
-          <a:p>
+        <p:spPr>
+          <a:xfrm>
+            <a:off x="9900458" y="6459785"/>
+            <a:ext cx="1312025" cy="365125"/>
+          </a:xfrm>
+        </p:spPr>
+        <p:txBody>
+          <a:bodyPr>
+            <a:normAutofit/>
+          </a:bodyPr>
+          <a:lstStyle/>
+          <a:p>
+            <a:pPr>
+              <a:spcAft>
+                <a:spcPts val="600"/>
+              </a:spcAft>
+            </a:pPr>
             <a:fld id="{6D22F896-40B5-4ADD-8801-0D06FADFA095}" type="slidenum">
-              <a:rPr lang="en-US" smtClean="0"/>
-              <a:t>7</a:t>
+              <a:rPr lang="en-US">
+                <a:solidFill>
+                  <a:schemeClr val="tx2"/>
+                </a:solidFill>
+              </a:rPr>
+              <a:pPr>
+                <a:spcAft>
+                  <a:spcPts val="600"/>
+                </a:spcAft>
+              </a:pPr>
+              <a:t>4</a:t>
             </a:fld>
-            <a:endParaRPr lang="en-US" dirty="0"/>
+            <a:endParaRPr lang="en-US">
+              <a:solidFill>
+                <a:schemeClr val="tx2"/>
+              </a:solidFill>
+            </a:endParaRPr>
           </a:p>
         </p:txBody>
       </p:sp>
     </p:spTree>
     <p:extLst>
       <p:ext uri="{BB962C8B-B14F-4D97-AF65-F5344CB8AC3E}">
-        <p14:creationId xmlns:p14="http://schemas.microsoft.com/office/powerpoint/2010/main" val="2253824735"/>
+        <p14:creationId xmlns:p14="http://schemas.microsoft.com/office/powerpoint/2010/main" val="3803643766"/>
       </p:ext>
     </p:extLst>
   </p:cSld>
@@ -5935,6 +9035,14 @@
 <file path=ppt/slides/slide8.xml><?xml version="1.0" encoding="utf-8"?>
 <p:sld xmlns:a="http://schemas.openxmlformats.org/drawingml/2006/main" xmlns:r="http://schemas.openxmlformats.org/officeDocument/2006/relationships" xmlns:p="http://schemas.openxmlformats.org/presentationml/2006/main">
   <p:cSld>
+    <p:bg>
+      <p:bgPr>
+        <a:solidFill>
+          <a:schemeClr val="bg1"/>
+        </a:solidFill>
+        <a:effectLst/>
+      </p:bgPr>
+    </p:bg>
     <p:spTree>
       <p:nvGrpSpPr>
         <p:cNvPr id="1" name=""/>
@@ -5949,9 +9057,130 @@
           <a:chExt cx="0" cy="0"/>
         </a:xfrm>
       </p:grpSpPr>
-      <p:sp>
-        <p:nvSpPr>
-          <p:cNvPr id="2" name="Titel 1"/>
+      <p:sp useBgFill="1">
+        <p:nvSpPr>
+          <p:cNvPr id="11" name="Rectangle 10">
+            <a:extLst>
+              <a:ext uri="{FF2B5EF4-FFF2-40B4-BE49-F238E27FC236}">
+                <a16:creationId xmlns:a16="http://schemas.microsoft.com/office/drawing/2014/main" id="{3741B58E-3B65-4A01-A276-975AB2CF8A08}"/>
+              </a:ext>
+              <a:ext uri="{C183D7F6-B498-43B3-948B-1728B52AA6E4}">
+                <adec:decorative xmlns:adec="http://schemas.microsoft.com/office/drawing/2017/decorative" val="1"/>
+              </a:ext>
+            </a:extLst>
+          </p:cNvPr>
+          <p:cNvSpPr>
+            <a:spLocks noGrp="1" noRot="1" noChangeAspect="1" noMove="1" noResize="1" noEditPoints="1" noAdjustHandles="1" noChangeArrowheads="1" noChangeShapeType="1" noTextEdit="1"/>
+          </p:cNvSpPr>
+          <p:nvPr>
+            <p:extLst>
+              <p:ext uri="{386F3935-93C4-4BCD-93E2-E3B085C9AB24}">
+                <p16:designElem xmlns:p16="http://schemas.microsoft.com/office/powerpoint/2015/main" val="1"/>
+              </p:ext>
+            </p:extLst>
+          </p:nvPr>
+        </p:nvSpPr>
+        <p:spPr>
+          <a:xfrm>
+            <a:off x="0" y="0"/>
+            <a:ext cx="12186315" cy="6858000"/>
+          </a:xfrm>
+          <a:prstGeom prst="rect">
+            <a:avLst/>
+          </a:prstGeom>
+          <a:ln>
+            <a:noFill/>
+          </a:ln>
+        </p:spPr>
+        <p:style>
+          <a:lnRef idx="2">
+            <a:schemeClr val="accent6">
+              <a:shade val="50000"/>
+            </a:schemeClr>
+          </a:lnRef>
+          <a:fillRef idx="1001">
+            <a:schemeClr val="lt1"/>
+          </a:fillRef>
+          <a:effectRef idx="0">
+            <a:schemeClr val="accent6"/>
+          </a:effectRef>
+          <a:fontRef idx="minor">
+            <a:schemeClr val="lt1"/>
+          </a:fontRef>
+        </p:style>
+        <p:txBody>
+          <a:bodyPr rtlCol="0" anchor="ctr"/>
+          <a:lstStyle/>
+          <a:p>
+            <a:pPr algn="ctr"/>
+            <a:endParaRPr lang="en-US"/>
+          </a:p>
+        </p:txBody>
+      </p:sp>
+      <p:sp>
+        <p:nvSpPr>
+          <p:cNvPr id="13" name="Rectangle 12">
+            <a:extLst>
+              <a:ext uri="{FF2B5EF4-FFF2-40B4-BE49-F238E27FC236}">
+                <a16:creationId xmlns:a16="http://schemas.microsoft.com/office/drawing/2014/main" id="{7AAC67C3-831B-4AB1-A259-DFB839CAFAFC}"/>
+              </a:ext>
+              <a:ext uri="{C183D7F6-B498-43B3-948B-1728B52AA6E4}">
+                <adec:decorative xmlns:adec="http://schemas.microsoft.com/office/drawing/2017/decorative" val="1"/>
+              </a:ext>
+            </a:extLst>
+          </p:cNvPr>
+          <p:cNvSpPr>
+            <a:spLocks noGrp="1" noRot="1" noChangeAspect="1" noMove="1" noResize="1" noEditPoints="1" noAdjustHandles="1" noChangeArrowheads="1" noChangeShapeType="1" noTextEdit="1"/>
+          </p:cNvSpPr>
+          <p:nvPr>
+            <p:extLst>
+              <p:ext uri="{386F3935-93C4-4BCD-93E2-E3B085C9AB24}">
+                <p16:designElem xmlns:p16="http://schemas.microsoft.com/office/powerpoint/2015/main" val="1"/>
+              </p:ext>
+            </p:extLst>
+          </p:nvPr>
+        </p:nvSpPr>
+        <p:spPr>
+          <a:xfrm>
+            <a:off x="16" y="0"/>
+            <a:ext cx="4050791" cy="6858000"/>
+          </a:xfrm>
+          <a:prstGeom prst="rect">
+            <a:avLst/>
+          </a:prstGeom>
+          <a:solidFill>
+            <a:schemeClr val="accent2"/>
+          </a:solidFill>
+          <a:ln>
+            <a:noFill/>
+          </a:ln>
+        </p:spPr>
+        <p:style>
+          <a:lnRef idx="2">
+            <a:schemeClr val="accent1">
+              <a:shade val="50000"/>
+            </a:schemeClr>
+          </a:lnRef>
+          <a:fillRef idx="1">
+            <a:schemeClr val="accent1"/>
+          </a:fillRef>
+          <a:effectRef idx="0">
+            <a:schemeClr val="accent1"/>
+          </a:effectRef>
+          <a:fontRef idx="minor">
+            <a:schemeClr val="lt1"/>
+          </a:fontRef>
+        </p:style>
+      </p:sp>
+      <p:sp>
+        <p:nvSpPr>
+          <p:cNvPr id="2" name="Titel 1">
+            <a:extLst>
+              <a:ext uri="{FF2B5EF4-FFF2-40B4-BE49-F238E27FC236}">
+                <a16:creationId xmlns:a16="http://schemas.microsoft.com/office/drawing/2014/main" id="{73B0803F-9AD0-4840-9BD5-0007ECDBCEDF}"/>
+              </a:ext>
+            </a:extLst>
+          </p:cNvPr>
           <p:cNvSpPr>
             <a:spLocks noGrp="1"/>
           </p:cNvSpPr>
@@ -5961,125 +9190,288 @@
         </p:nvSpPr>
         <p:spPr>
           <a:xfrm>
-            <a:off x="1141413" y="618518"/>
-            <a:ext cx="9905998" cy="706429"/>
+            <a:off x="492370" y="605896"/>
+            <a:ext cx="3084844" cy="5646208"/>
+          </a:xfrm>
+        </p:spPr>
+        <p:txBody>
+          <a:bodyPr anchor="ctr">
+            <a:normAutofit/>
+          </a:bodyPr>
+          <a:lstStyle/>
+          <a:p>
+            <a:r>
+              <a:rPr lang="de-DE" sz="3600">
+                <a:solidFill>
+                  <a:srgbClr val="FFFFFF"/>
+                </a:solidFill>
+              </a:rPr>
+              <a:t>Die Umsetzung</a:t>
+            </a:r>
+          </a:p>
+        </p:txBody>
+      </p:sp>
+      <p:sp>
+        <p:nvSpPr>
+          <p:cNvPr id="4" name="Datumsplatzhalter 3">
+            <a:extLst>
+              <a:ext uri="{FF2B5EF4-FFF2-40B4-BE49-F238E27FC236}">
+                <a16:creationId xmlns:a16="http://schemas.microsoft.com/office/drawing/2014/main" id="{E10339D6-AA5C-41D6-ACB1-7DABAE317398}"/>
+              </a:ext>
+            </a:extLst>
+          </p:cNvPr>
+          <p:cNvSpPr>
+            <a:spLocks noGrp="1"/>
+          </p:cNvSpPr>
+          <p:nvPr>
+            <p:ph type="dt" sz="half" idx="10"/>
+          </p:nvPr>
+        </p:nvSpPr>
+        <p:spPr>
+          <a:xfrm>
+            <a:off x="492370" y="6459785"/>
+            <a:ext cx="1735371" cy="365125"/>
           </a:xfrm>
         </p:spPr>
         <p:txBody>
           <a:bodyPr>
-            <a:normAutofit fontScale="90000"/>
+            <a:normAutofit/>
           </a:bodyPr>
           <a:lstStyle/>
+          <a:p>
+            <a:pPr>
+              <a:spcAft>
+                <a:spcPts val="600"/>
+              </a:spcAft>
+            </a:pPr>
+            <a:fld id="{745FFD75-3049-4E7A-8FFF-7B1BB1DB6209}" type="datetime1">
+              <a:rPr lang="de-DE" smtClean="0"/>
+              <a:pPr>
+                <a:spcAft>
+                  <a:spcPts val="600"/>
+                </a:spcAft>
+              </a:pPr>
+              <a:t>04.12.2018</a:t>
+            </a:fld>
+            <a:endParaRPr lang="en-US"/>
+          </a:p>
+        </p:txBody>
+      </p:sp>
+      <p:sp>
+        <p:nvSpPr>
+          <p:cNvPr id="15" name="Rectangle 14">
+            <a:extLst>
+              <a:ext uri="{FF2B5EF4-FFF2-40B4-BE49-F238E27FC236}">
+                <a16:creationId xmlns:a16="http://schemas.microsoft.com/office/drawing/2014/main" id="{054B3F04-9EAC-45C0-B3CE-0387EEA10A0C}"/>
+              </a:ext>
+              <a:ext uri="{C183D7F6-B498-43B3-948B-1728B52AA6E4}">
+                <adec:decorative xmlns:adec="http://schemas.microsoft.com/office/drawing/2017/decorative" val="1"/>
+              </a:ext>
+            </a:extLst>
+          </p:cNvPr>
+          <p:cNvSpPr>
+            <a:spLocks noGrp="1" noRot="1" noChangeAspect="1" noMove="1" noResize="1" noEditPoints="1" noAdjustHandles="1" noChangeArrowheads="1" noChangeShapeType="1" noTextEdit="1"/>
+          </p:cNvSpPr>
+          <p:nvPr>
+            <p:extLst>
+              <p:ext uri="{386F3935-93C4-4BCD-93E2-E3B085C9AB24}">
+                <p16:designElem xmlns:p16="http://schemas.microsoft.com/office/powerpoint/2015/main" val="1"/>
+              </p:ext>
+            </p:extLst>
+          </p:nvPr>
+        </p:nvSpPr>
+        <p:spPr>
+          <a:xfrm>
+            <a:off x="4040071" y="0"/>
+            <a:ext cx="64008" cy="6858000"/>
+          </a:xfrm>
+          <a:prstGeom prst="rect">
+            <a:avLst/>
+          </a:prstGeom>
+          <a:solidFill>
+            <a:schemeClr val="accent1"/>
+          </a:solidFill>
+          <a:ln>
+            <a:noFill/>
+          </a:ln>
+        </p:spPr>
+        <p:style>
+          <a:lnRef idx="2">
+            <a:schemeClr val="accent1">
+              <a:shade val="50000"/>
+            </a:schemeClr>
+          </a:lnRef>
+          <a:fillRef idx="1">
+            <a:schemeClr val="accent1"/>
+          </a:fillRef>
+          <a:effectRef idx="0">
+            <a:schemeClr val="accent1"/>
+          </a:effectRef>
+          <a:fontRef idx="minor">
+            <a:schemeClr val="lt1"/>
+          </a:fontRef>
+        </p:style>
+      </p:sp>
+      <p:sp>
+        <p:nvSpPr>
+          <p:cNvPr id="3" name="Inhaltsplatzhalter 2">
+            <a:extLst>
+              <a:ext uri="{FF2B5EF4-FFF2-40B4-BE49-F238E27FC236}">
+                <a16:creationId xmlns:a16="http://schemas.microsoft.com/office/drawing/2014/main" id="{9F729D8B-CB1B-426A-9555-908D4F259F5D}"/>
+              </a:ext>
+            </a:extLst>
+          </p:cNvPr>
+          <p:cNvSpPr>
+            <a:spLocks noGrp="1"/>
+          </p:cNvSpPr>
+          <p:nvPr>
+            <p:ph idx="1"/>
+          </p:nvPr>
+        </p:nvSpPr>
+        <p:spPr>
+          <a:xfrm>
+            <a:off x="4742016" y="605896"/>
+            <a:ext cx="6413663" cy="5646208"/>
+          </a:xfrm>
+        </p:spPr>
+        <p:txBody>
+          <a:bodyPr anchor="ctr">
+            <a:normAutofit/>
+          </a:bodyPr>
+          <a:lstStyle/>
+          <a:p>
+            <a:r>
+              <a:rPr lang="de-DE" dirty="0"/>
+              <a:t>Anforderungsspezifikation</a:t>
+            </a:r>
+          </a:p>
+          <a:p>
+            <a:r>
+              <a:rPr lang="de-DE" dirty="0"/>
+              <a:t>Fachliches Datenmodell</a:t>
+            </a:r>
+          </a:p>
           <a:p>
             <a:r>
               <a:rPr lang="de-DE" dirty="0"/>
               <a:t>Architekturdokument</a:t>
             </a:r>
           </a:p>
-        </p:txBody>
-      </p:sp>
-      <p:pic>
-        <p:nvPicPr>
-          <p:cNvPr id="8" name="Inhaltsplatzhalter 7">
+          <a:p>
+            <a:r>
+              <a:rPr lang="de-DE" dirty="0"/>
+              <a:t>Testprotokolle</a:t>
+            </a:r>
+          </a:p>
+        </p:txBody>
+      </p:sp>
+      <p:sp>
+        <p:nvSpPr>
+          <p:cNvPr id="5" name="Fußzeilenplatzhalter 4">
             <a:extLst>
               <a:ext uri="{FF2B5EF4-FFF2-40B4-BE49-F238E27FC236}">
-                <a16:creationId xmlns:a16="http://schemas.microsoft.com/office/drawing/2014/main" id="{AE76C21F-AC56-4D3A-8853-B06AEB0F4E61}"/>
+                <a16:creationId xmlns:a16="http://schemas.microsoft.com/office/drawing/2014/main" id="{5E66A830-AD7B-45A5-B0B2-57F7A213BC42}"/>
               </a:ext>
             </a:extLst>
           </p:cNvPr>
-          <p:cNvPicPr>
-            <a:picLocks noGrp="1" noChangeAspect="1"/>
-          </p:cNvPicPr>
-          <p:nvPr>
-            <p:ph idx="1"/>
-          </p:nvPr>
-        </p:nvPicPr>
-        <p:blipFill>
-          <a:blip r:embed="rId2"/>
-          <a:stretch>
-            <a:fillRect/>
-          </a:stretch>
-        </p:blipFill>
-        <p:spPr>
-          <a:xfrm>
-            <a:off x="2452404" y="1202005"/>
-            <a:ext cx="7287192" cy="4953502"/>
-          </a:xfrm>
-        </p:spPr>
-      </p:pic>
-      <p:sp>
-        <p:nvSpPr>
-          <p:cNvPr id="4" name="Datumsplatzhalter 3"/>
-          <p:cNvSpPr>
-            <a:spLocks noGrp="1"/>
-          </p:cNvSpPr>
-          <p:nvPr>
-            <p:ph type="dt" sz="half" idx="10"/>
-          </p:nvPr>
-        </p:nvSpPr>
-        <p:spPr/>
-        <p:txBody>
-          <a:bodyPr/>
-          <a:lstStyle/>
-          <a:p>
-            <a:fld id="{FF78DB55-C754-4AB2-B9F1-CF00D12F7BCC}" type="datetime1">
-              <a:rPr lang="de-DE" smtClean="0"/>
-              <a:t>04.12.2018</a:t>
+          <p:cNvSpPr>
+            <a:spLocks noGrp="1"/>
+          </p:cNvSpPr>
+          <p:nvPr>
+            <p:ph type="ftr" sz="quarter" idx="11"/>
+          </p:nvPr>
+        </p:nvSpPr>
+        <p:spPr>
+          <a:xfrm>
+            <a:off x="4742017" y="6459785"/>
+            <a:ext cx="5105169" cy="365125"/>
+          </a:xfrm>
+        </p:spPr>
+        <p:txBody>
+          <a:bodyPr>
+            <a:normAutofit/>
+          </a:bodyPr>
+          <a:lstStyle/>
+          <a:p>
+            <a:pPr algn="l">
+              <a:spcAft>
+                <a:spcPts val="600"/>
+              </a:spcAft>
+            </a:pPr>
+            <a:r>
+              <a:rPr lang="de-DE">
+                <a:solidFill>
+                  <a:schemeClr val="tx2"/>
+                </a:solidFill>
+              </a:rPr>
+              <a:t>Bosin, Espig, Lauenroth, Siefert, Techel</a:t>
+            </a:r>
+            <a:endParaRPr lang="en-US">
+              <a:solidFill>
+                <a:schemeClr val="tx2"/>
+              </a:solidFill>
+            </a:endParaRPr>
+          </a:p>
+        </p:txBody>
+      </p:sp>
+      <p:sp>
+        <p:nvSpPr>
+          <p:cNvPr id="6" name="Foliennummernplatzhalter 5">
+            <a:extLst>
+              <a:ext uri="{FF2B5EF4-FFF2-40B4-BE49-F238E27FC236}">
+                <a16:creationId xmlns:a16="http://schemas.microsoft.com/office/drawing/2014/main" id="{4EE5634B-DCE9-4B9E-9F2D-E5FE7CC93FB0}"/>
+              </a:ext>
+            </a:extLst>
+          </p:cNvPr>
+          <p:cNvSpPr>
+            <a:spLocks noGrp="1"/>
+          </p:cNvSpPr>
+          <p:nvPr>
+            <p:ph type="sldNum" sz="quarter" idx="12"/>
+          </p:nvPr>
+        </p:nvSpPr>
+        <p:spPr>
+          <a:xfrm>
+            <a:off x="10123055" y="6459785"/>
+            <a:ext cx="1089428" cy="365125"/>
+          </a:xfrm>
+        </p:spPr>
+        <p:txBody>
+          <a:bodyPr>
+            <a:normAutofit/>
+          </a:bodyPr>
+          <a:lstStyle/>
+          <a:p>
+            <a:pPr>
+              <a:spcAft>
+                <a:spcPts val="600"/>
+              </a:spcAft>
+            </a:pPr>
+            <a:fld id="{6D22F896-40B5-4ADD-8801-0D06FADFA095}" type="slidenum">
+              <a:rPr lang="en-US">
+                <a:solidFill>
+                  <a:schemeClr val="tx2"/>
+                </a:solidFill>
+              </a:rPr>
+              <a:pPr>
+                <a:spcAft>
+                  <a:spcPts val="600"/>
+                </a:spcAft>
+              </a:pPr>
+              <a:t>2</a:t>
             </a:fld>
-            <a:endParaRPr lang="en-US" dirty="0"/>
-          </a:p>
-        </p:txBody>
-      </p:sp>
-      <p:sp>
-        <p:nvSpPr>
-          <p:cNvPr id="5" name="Fußzeilenplatzhalter 4"/>
-          <p:cNvSpPr>
-            <a:spLocks noGrp="1"/>
-          </p:cNvSpPr>
-          <p:nvPr>
-            <p:ph type="ftr" sz="quarter" idx="11"/>
-          </p:nvPr>
-        </p:nvSpPr>
-        <p:spPr/>
-        <p:txBody>
-          <a:bodyPr/>
-          <a:lstStyle/>
-          <a:p>
-            <a:r>
-              <a:rPr lang="de-DE"/>
-              <a:t>Bosin, Espig, Lauenroth, Siefert, Techel</a:t>
-            </a:r>
-            <a:endParaRPr lang="en-US" dirty="0"/>
-          </a:p>
-        </p:txBody>
-      </p:sp>
-      <p:sp>
-        <p:nvSpPr>
-          <p:cNvPr id="6" name="Foliennummernplatzhalter 5"/>
-          <p:cNvSpPr>
-            <a:spLocks noGrp="1"/>
-          </p:cNvSpPr>
-          <p:nvPr>
-            <p:ph type="sldNum" sz="quarter" idx="12"/>
-          </p:nvPr>
-        </p:nvSpPr>
-        <p:spPr/>
-        <p:txBody>
-          <a:bodyPr/>
-          <a:lstStyle/>
-          <a:p>
-            <a:fld id="{6D22F896-40B5-4ADD-8801-0D06FADFA095}" type="slidenum">
-              <a:rPr lang="en-US" smtClean="0"/>
-              <a:t>8</a:t>
-            </a:fld>
-            <a:endParaRPr lang="en-US" dirty="0"/>
+            <a:endParaRPr lang="en-US">
+              <a:solidFill>
+                <a:schemeClr val="tx2"/>
+              </a:solidFill>
+            </a:endParaRPr>
           </a:p>
         </p:txBody>
       </p:sp>
     </p:spTree>
     <p:extLst>
       <p:ext uri="{BB962C8B-B14F-4D97-AF65-F5344CB8AC3E}">
-        <p14:creationId xmlns:p14="http://schemas.microsoft.com/office/powerpoint/2010/main" val="1986882840"/>
+        <p14:creationId xmlns:p14="http://schemas.microsoft.com/office/powerpoint/2010/main" val="3512504099"/>
       </p:ext>
     </p:extLst>
   </p:cSld>
@@ -6119,7 +9511,7 @@
         <p:spPr>
           <a:xfrm>
             <a:off x="1141413" y="618518"/>
-            <a:ext cx="9905998" cy="678437"/>
+            <a:ext cx="9905998" cy="650445"/>
           </a:xfrm>
         </p:spPr>
         <p:txBody>
@@ -6130,30 +9522,54 @@
           <a:p>
             <a:r>
               <a:rPr lang="de-DE" dirty="0"/>
-              <a:t>Testprotokolle</a:t>
-            </a:r>
-          </a:p>
-        </p:txBody>
-      </p:sp>
-      <p:sp>
-        <p:nvSpPr>
-          <p:cNvPr id="3" name="Inhaltsplatzhalter 2"/>
-          <p:cNvSpPr>
-            <a:spLocks noGrp="1"/>
-          </p:cNvSpPr>
+              <a:t>Anforderungsspezifikation</a:t>
+            </a:r>
+          </a:p>
+        </p:txBody>
+      </p:sp>
+      <p:pic>
+        <p:nvPicPr>
+          <p:cNvPr id="7" name="Bild 35" descr="../../../../Desktop/Anwendungsfalldiagramm.png">
+            <a:extLst>
+              <a:ext uri="{FF2B5EF4-FFF2-40B4-BE49-F238E27FC236}">
+                <a16:creationId xmlns:a16="http://schemas.microsoft.com/office/drawing/2014/main" id="{BABADB64-016F-4004-B0DC-623564AE1B15}"/>
+              </a:ext>
+            </a:extLst>
+          </p:cNvPr>
+          <p:cNvPicPr>
+            <a:picLocks noGrp="1"/>
+          </p:cNvPicPr>
           <p:nvPr>
             <p:ph idx="1"/>
           </p:nvPr>
-        </p:nvSpPr>
-        <p:spPr/>
-        <p:txBody>
-          <a:bodyPr/>
-          <a:lstStyle/>
-          <a:p>
-            <a:endParaRPr lang="de-DE"/>
-          </a:p>
-        </p:txBody>
-      </p:sp>
+        </p:nvPicPr>
+        <p:blipFill>
+          <a:blip r:embed="rId2">
+            <a:extLst>
+              <a:ext uri="{28A0092B-C50C-407E-A947-70E740481C1C}">
+                <a14:useLocalDpi xmlns:a14="http://schemas.microsoft.com/office/drawing/2010/main" val="0"/>
+              </a:ext>
+            </a:extLst>
+          </a:blip>
+          <a:srcRect/>
+          <a:stretch>
+            <a:fillRect/>
+          </a:stretch>
+        </p:blipFill>
+        <p:spPr bwMode="auto">
+          <a:xfrm>
+            <a:off x="1141413" y="2053085"/>
+            <a:ext cx="9905998" cy="3622577"/>
+          </a:xfrm>
+          <a:prstGeom prst="rect">
+            <a:avLst/>
+          </a:prstGeom>
+          <a:noFill/>
+          <a:ln>
+            <a:noFill/>
+          </a:ln>
+        </p:spPr>
+      </p:pic>
       <p:sp>
         <p:nvSpPr>
           <p:cNvPr id="4" name="Datumsplatzhalter 3"/>
@@ -6226,7 +9642,7 @@
     </p:spTree>
     <p:extLst>
       <p:ext uri="{BB962C8B-B14F-4D97-AF65-F5344CB8AC3E}">
-        <p14:creationId xmlns:p14="http://schemas.microsoft.com/office/powerpoint/2010/main" val="4041166535"/>
+        <p14:creationId xmlns:p14="http://schemas.microsoft.com/office/powerpoint/2010/main" val="3187139348"/>
       </p:ext>
     </p:extLst>
   </p:cSld>

--- a/Dokumente/02_Arbeitsbereich/01_Projekthandbuch/TouchDown Präsentation UniRisk.pptx
+++ b/Dokumente/02_Arbeitsbereich/01_Projekthandbuch/TouchDown Präsentation UniRisk.pptx
@@ -4920,25 +4920,38 @@
           </a:p>
         </p:txBody>
       </p:sp>
-      <p:sp>
-        <p:nvSpPr>
-          <p:cNvPr id="3" name="Inhaltsplatzhalter 2"/>
-          <p:cNvSpPr>
-            <a:spLocks noGrp="1"/>
-          </p:cNvSpPr>
+      <p:pic>
+        <p:nvPicPr>
+          <p:cNvPr id="7" name="Inhaltsplatzhalter 6">
+            <a:extLst>
+              <a:ext uri="{FF2B5EF4-FFF2-40B4-BE49-F238E27FC236}">
+                <a16:creationId xmlns:a16="http://schemas.microsoft.com/office/drawing/2014/main" id="{F6A53D55-27A5-47F3-9525-F329BA113B02}"/>
+              </a:ext>
+            </a:extLst>
+          </p:cNvPr>
+          <p:cNvPicPr>
+            <a:picLocks noGrp="1" noChangeAspect="1"/>
+          </p:cNvPicPr>
           <p:nvPr>
             <p:ph idx="1"/>
           </p:nvPr>
-        </p:nvSpPr>
-        <p:spPr/>
-        <p:txBody>
-          <a:bodyPr/>
-          <a:lstStyle/>
-          <a:p>
-            <a:endParaRPr lang="de-DE"/>
-          </a:p>
-        </p:txBody>
-      </p:sp>
+        </p:nvPicPr>
+        <p:blipFill>
+          <a:blip r:embed="rId2"/>
+          <a:stretch>
+            <a:fillRect/>
+          </a:stretch>
+        </p:blipFill>
+        <p:spPr>
+          <a:xfrm>
+            <a:off x="2614505" y="1778465"/>
+            <a:ext cx="6281431" cy="4334924"/>
+          </a:xfrm>
+          <a:prstGeom prst="rect">
+            <a:avLst/>
+          </a:prstGeom>
+        </p:spPr>
+      </p:pic>
       <p:sp>
         <p:nvSpPr>
           <p:cNvPr id="4" name="Datumsplatzhalter 3"/>
@@ -5441,7 +5454,7 @@
                   <a:spcPts val="600"/>
                 </a:spcAft>
               </a:pPr>
-              <a:t>2</a:t>
+              <a:t>13</a:t>
             </a:fld>
             <a:endParaRPr lang="en-US">
               <a:solidFill>
@@ -7160,7 +7173,7 @@
                   <a:spcPts val="600"/>
                 </a:spcAft>
               </a:pPr>
-              <a:t>2</a:t>
+              <a:t>4</a:t>
             </a:fld>
             <a:endParaRPr lang="en-US">
               <a:solidFill>
@@ -9009,7 +9022,7 @@
                   <a:spcPts val="600"/>
                 </a:spcAft>
               </a:pPr>
-              <a:t>4</a:t>
+              <a:t>7</a:t>
             </a:fld>
             <a:endParaRPr lang="en-US">
               <a:solidFill>
@@ -9458,7 +9471,7 @@
                   <a:spcPts val="600"/>
                 </a:spcAft>
               </a:pPr>
-              <a:t>2</a:t>
+              <a:t>8</a:t>
             </a:fld>
             <a:endParaRPr lang="en-US">
               <a:solidFill>
